--- a/기획자료/PYG_정령_데이터_김순찬_220329.pptx
+++ b/기획자료/PYG_정령_데이터_김순찬_220329.pptx
@@ -12822,7 +12822,7 @@
           <p:cNvPr id="2" name="제목 1">
             <a:extLst>
               <a:ext uri="{FF2B5EF4-FFF2-40B4-BE49-F238E27FC236}">
-                <a16:creationId xmlns:a16="http://schemas.microsoft.com/office/drawing/2014/main" xmlns="" id="{7FAC10C0-980D-4787-B3D9-26DD5B1F14A3}"/>
+                <a16:creationId xmlns:a16="http://schemas.microsoft.com/office/drawing/2014/main" id="{7FAC10C0-980D-4787-B3D9-26DD5B1F14A3}"/>
               </a:ext>
             </a:extLst>
           </p:cNvPr>
@@ -12865,7 +12865,7 @@
           <p:cNvPr id="3" name="부제목 2">
             <a:extLst>
               <a:ext uri="{FF2B5EF4-FFF2-40B4-BE49-F238E27FC236}">
-                <a16:creationId xmlns:a16="http://schemas.microsoft.com/office/drawing/2014/main" xmlns="" id="{6112054A-1739-4877-AD38-920E303D8CED}"/>
+                <a16:creationId xmlns:a16="http://schemas.microsoft.com/office/drawing/2014/main" id="{6112054A-1739-4877-AD38-920E303D8CED}"/>
               </a:ext>
             </a:extLst>
           </p:cNvPr>
@@ -12890,7 +12890,7 @@
           <p:cNvPr id="4" name="그룹 3">
             <a:extLst>
               <a:ext uri="{FF2B5EF4-FFF2-40B4-BE49-F238E27FC236}">
-                <a16:creationId xmlns:a16="http://schemas.microsoft.com/office/drawing/2014/main" xmlns="" id="{B6F6E4F6-4ECC-485D-9AE6-48F391234B2C}"/>
+                <a16:creationId xmlns:a16="http://schemas.microsoft.com/office/drawing/2014/main" id="{B6F6E4F6-4ECC-485D-9AE6-48F391234B2C}"/>
               </a:ext>
             </a:extLst>
           </p:cNvPr>
@@ -12910,7 +12910,7 @@
             <p:cNvPr id="5" name="직선 연결선 4">
               <a:extLst>
                 <a:ext uri="{FF2B5EF4-FFF2-40B4-BE49-F238E27FC236}">
-                  <a16:creationId xmlns:a16="http://schemas.microsoft.com/office/drawing/2014/main" xmlns="" id="{6D79124A-F436-442B-A3B4-BD5CAA0BC997}"/>
+                  <a16:creationId xmlns:a16="http://schemas.microsoft.com/office/drawing/2014/main" id="{6D79124A-F436-442B-A3B4-BD5CAA0BC997}"/>
                 </a:ext>
               </a:extLst>
             </p:cNvPr>
@@ -12947,7 +12947,7 @@
             <p:cNvPr id="6" name="직선 연결선 5">
               <a:extLst>
                 <a:ext uri="{FF2B5EF4-FFF2-40B4-BE49-F238E27FC236}">
-                  <a16:creationId xmlns:a16="http://schemas.microsoft.com/office/drawing/2014/main" xmlns="" id="{5FF9896F-E058-47F0-AC20-DFE9172A0659}"/>
+                  <a16:creationId xmlns:a16="http://schemas.microsoft.com/office/drawing/2014/main" id="{5FF9896F-E058-47F0-AC20-DFE9172A0659}"/>
                 </a:ext>
               </a:extLst>
             </p:cNvPr>
@@ -12984,7 +12984,7 @@
             <p:cNvPr id="7" name="직선 연결선 6">
               <a:extLst>
                 <a:ext uri="{FF2B5EF4-FFF2-40B4-BE49-F238E27FC236}">
-                  <a16:creationId xmlns:a16="http://schemas.microsoft.com/office/drawing/2014/main" xmlns="" id="{529546E5-9235-40E5-9064-99A4F5B4A8C8}"/>
+                  <a16:creationId xmlns:a16="http://schemas.microsoft.com/office/drawing/2014/main" id="{529546E5-9235-40E5-9064-99A4F5B4A8C8}"/>
                 </a:ext>
               </a:extLst>
             </p:cNvPr>
@@ -13023,7 +13023,7 @@
             <p:cNvPr id="8" name="직선 연결선 7">
               <a:extLst>
                 <a:ext uri="{FF2B5EF4-FFF2-40B4-BE49-F238E27FC236}">
-                  <a16:creationId xmlns:a16="http://schemas.microsoft.com/office/drawing/2014/main" xmlns="" id="{D302C329-419E-488D-BFD5-9046DED9CD2A}"/>
+                  <a16:creationId xmlns:a16="http://schemas.microsoft.com/office/drawing/2014/main" id="{D302C329-419E-488D-BFD5-9046DED9CD2A}"/>
                 </a:ext>
               </a:extLst>
             </p:cNvPr>
@@ -13062,7 +13062,7 @@
             <p:cNvPr id="9" name="타원 8">
               <a:extLst>
                 <a:ext uri="{FF2B5EF4-FFF2-40B4-BE49-F238E27FC236}">
-                  <a16:creationId xmlns:a16="http://schemas.microsoft.com/office/drawing/2014/main" xmlns="" id="{E4F8A6EF-1C62-41A0-B75E-A5BE98E4489D}"/>
+                  <a16:creationId xmlns:a16="http://schemas.microsoft.com/office/drawing/2014/main" id="{E4F8A6EF-1C62-41A0-B75E-A5BE98E4489D}"/>
                 </a:ext>
               </a:extLst>
             </p:cNvPr>
@@ -13116,7 +13116,7 @@
             <p:cNvPr id="10" name="타원 9">
               <a:extLst>
                 <a:ext uri="{FF2B5EF4-FFF2-40B4-BE49-F238E27FC236}">
-                  <a16:creationId xmlns:a16="http://schemas.microsoft.com/office/drawing/2014/main" xmlns="" id="{16BB25D7-56E8-441F-8D4A-61FB9179D625}"/>
+                  <a16:creationId xmlns:a16="http://schemas.microsoft.com/office/drawing/2014/main" id="{16BB25D7-56E8-441F-8D4A-61FB9179D625}"/>
                 </a:ext>
               </a:extLst>
             </p:cNvPr>
@@ -13201,7 +13201,7 @@
           <p:cNvPr id="10" name="Google Shape;116;p3">
             <a:extLst>
               <a:ext uri="{FF2B5EF4-FFF2-40B4-BE49-F238E27FC236}">
-                <a16:creationId xmlns:a16="http://schemas.microsoft.com/office/drawing/2014/main" xmlns="" id="{BDC39AD5-B958-4AAD-A4E2-B81402105962}"/>
+                <a16:creationId xmlns:a16="http://schemas.microsoft.com/office/drawing/2014/main" id="{BDC39AD5-B958-4AAD-A4E2-B81402105962}"/>
               </a:ext>
             </a:extLst>
           </p:cNvPr>
@@ -13229,42 +13229,42 @@
                 <a:gridCol w="1281275">
                   <a:extLst>
                     <a:ext uri="{9D8B030D-6E8A-4147-A177-3AD203B41FA5}">
-                      <a16:colId xmlns:a16="http://schemas.microsoft.com/office/drawing/2014/main" xmlns="" val="20000"/>
+                      <a16:colId xmlns:a16="http://schemas.microsoft.com/office/drawing/2014/main" val="20000"/>
                     </a:ext>
                   </a:extLst>
                 </a:gridCol>
                 <a:gridCol w="737175">
                   <a:extLst>
                     <a:ext uri="{9D8B030D-6E8A-4147-A177-3AD203B41FA5}">
-                      <a16:colId xmlns:a16="http://schemas.microsoft.com/office/drawing/2014/main" xmlns="" val="20001"/>
+                      <a16:colId xmlns:a16="http://schemas.microsoft.com/office/drawing/2014/main" val="20001"/>
                     </a:ext>
                   </a:extLst>
                 </a:gridCol>
                 <a:gridCol w="855650">
                   <a:extLst>
                     <a:ext uri="{9D8B030D-6E8A-4147-A177-3AD203B41FA5}">
-                      <a16:colId xmlns:a16="http://schemas.microsoft.com/office/drawing/2014/main" xmlns="" val="20002"/>
+                      <a16:colId xmlns:a16="http://schemas.microsoft.com/office/drawing/2014/main" val="20002"/>
                     </a:ext>
                   </a:extLst>
                 </a:gridCol>
                 <a:gridCol w="860025">
                   <a:extLst>
                     <a:ext uri="{9D8B030D-6E8A-4147-A177-3AD203B41FA5}">
-                      <a16:colId xmlns:a16="http://schemas.microsoft.com/office/drawing/2014/main" xmlns="" val="20003"/>
+                      <a16:colId xmlns:a16="http://schemas.microsoft.com/office/drawing/2014/main" val="20003"/>
                     </a:ext>
                   </a:extLst>
                 </a:gridCol>
                 <a:gridCol w="618275">
                   <a:extLst>
                     <a:ext uri="{9D8B030D-6E8A-4147-A177-3AD203B41FA5}">
-                      <a16:colId xmlns:a16="http://schemas.microsoft.com/office/drawing/2014/main" xmlns="" val="20004"/>
+                      <a16:colId xmlns:a16="http://schemas.microsoft.com/office/drawing/2014/main" val="20004"/>
                     </a:ext>
                   </a:extLst>
                 </a:gridCol>
                 <a:gridCol w="3903500">
                   <a:extLst>
                     <a:ext uri="{9D8B030D-6E8A-4147-A177-3AD203B41FA5}">
-                      <a16:colId xmlns:a16="http://schemas.microsoft.com/office/drawing/2014/main" xmlns="" val="20005"/>
+                      <a16:colId xmlns:a16="http://schemas.microsoft.com/office/drawing/2014/main" val="20005"/>
                     </a:ext>
                   </a:extLst>
                 </a:gridCol>
@@ -13441,7 +13441,7 @@
                 </a:tc>
                 <a:extLst>
                   <a:ext uri="{0D108BD9-81ED-4DB2-BD59-A6C34878D82A}">
-                    <a16:rowId xmlns:a16="http://schemas.microsoft.com/office/drawing/2014/main" xmlns="" val="10000"/>
+                    <a16:rowId xmlns:a16="http://schemas.microsoft.com/office/drawing/2014/main" val="10000"/>
                   </a:ext>
                 </a:extLst>
               </a:tr>
@@ -13592,7 +13592,7 @@
                 </a:tc>
                 <a:extLst>
                   <a:ext uri="{0D108BD9-81ED-4DB2-BD59-A6C34878D82A}">
-                    <a16:rowId xmlns:a16="http://schemas.microsoft.com/office/drawing/2014/main" xmlns="" val="10001"/>
+                    <a16:rowId xmlns:a16="http://schemas.microsoft.com/office/drawing/2014/main" val="10001"/>
                   </a:ext>
                 </a:extLst>
               </a:tr>
@@ -13743,7 +13743,7 @@
                 </a:tc>
                 <a:extLst>
                   <a:ext uri="{0D108BD9-81ED-4DB2-BD59-A6C34878D82A}">
-                    <a16:rowId xmlns:a16="http://schemas.microsoft.com/office/drawing/2014/main" xmlns="" val="10002"/>
+                    <a16:rowId xmlns:a16="http://schemas.microsoft.com/office/drawing/2014/main" val="10002"/>
                   </a:ext>
                 </a:extLst>
               </a:tr>
@@ -13894,7 +13894,7 @@
                 </a:tc>
                 <a:extLst>
                   <a:ext uri="{0D108BD9-81ED-4DB2-BD59-A6C34878D82A}">
-                    <a16:rowId xmlns:a16="http://schemas.microsoft.com/office/drawing/2014/main" xmlns="" val="10003"/>
+                    <a16:rowId xmlns:a16="http://schemas.microsoft.com/office/drawing/2014/main" val="10003"/>
                   </a:ext>
                 </a:extLst>
               </a:tr>
@@ -13924,10 +13924,10 @@
                         <a:buNone/>
                       </a:pPr>
                       <a:r>
-                        <a:rPr lang="ko-KR" altLang="en-US" sz="1000" u="none" strike="noStrike" cap="none"/>
+                        <a:rPr lang="ko-KR" altLang="en-US" sz="1000" u="none" strike="noStrike" cap="none" dirty="0"/>
                         <a:t>사용 형태</a:t>
                       </a:r>
-                      <a:endParaRPr sz="1000" b="0" i="0" u="none" strike="noStrike" cap="none">
+                      <a:endParaRPr sz="1000" b="0" i="0" u="none" strike="noStrike" cap="none" dirty="0">
                         <a:solidFill>
                           <a:srgbClr val="000000"/>
                         </a:solidFill>
@@ -13965,10 +13965,10 @@
                         <a:buNone/>
                       </a:pPr>
                       <a:r>
-                        <a:rPr lang="en-US" altLang="ko-KR" sz="1000"/>
+                        <a:rPr lang="en-US" altLang="ko-KR" sz="1000" dirty="0" err="1"/>
                         <a:t>Usetype</a:t>
                       </a:r>
-                      <a:endParaRPr sz="1000" b="0" i="0" u="none" strike="noStrike" cap="none">
+                      <a:endParaRPr sz="1000" b="0" i="0" u="none" strike="noStrike" cap="none" dirty="0">
                         <a:solidFill>
                           <a:srgbClr val="000000"/>
                         </a:solidFill>
@@ -13996,10 +13996,10 @@
                         <a:buNone/>
                       </a:pPr>
                       <a:r>
-                        <a:rPr lang="ko-KR" sz="1000" u="none" strike="noStrike" cap="none"/>
+                        <a:rPr lang="ko-KR" sz="1000" u="none" strike="noStrike" cap="none" dirty="0" err="1"/>
                         <a:t>int</a:t>
                       </a:r>
-                      <a:endParaRPr sz="1000" b="0" i="0" u="none" strike="noStrike" cap="none">
+                      <a:endParaRPr sz="1000" b="0" i="0" u="none" strike="noStrike" cap="none" dirty="0">
                         <a:solidFill>
                           <a:srgbClr val="000000"/>
                         </a:solidFill>
@@ -14077,7 +14077,7 @@
                 </a:tc>
                 <a:extLst>
                   <a:ext uri="{0D108BD9-81ED-4DB2-BD59-A6C34878D82A}">
-                    <a16:rowId xmlns:a16="http://schemas.microsoft.com/office/drawing/2014/main" xmlns="" val="10004"/>
+                    <a16:rowId xmlns:a16="http://schemas.microsoft.com/office/drawing/2014/main" val="10004"/>
                   </a:ext>
                 </a:extLst>
               </a:tr>
@@ -14261,7 +14261,7 @@
                 </a:tc>
                 <a:extLst>
                   <a:ext uri="{0D108BD9-81ED-4DB2-BD59-A6C34878D82A}">
-                    <a16:rowId xmlns:a16="http://schemas.microsoft.com/office/drawing/2014/main" xmlns="" val="10005"/>
+                    <a16:rowId xmlns:a16="http://schemas.microsoft.com/office/drawing/2014/main" val="10005"/>
                   </a:ext>
                 </a:extLst>
               </a:tr>
@@ -14456,7 +14456,7 @@
                 </a:tc>
                 <a:extLst>
                   <a:ext uri="{0D108BD9-81ED-4DB2-BD59-A6C34878D82A}">
-                    <a16:rowId xmlns:a16="http://schemas.microsoft.com/office/drawing/2014/main" xmlns="" val="10006"/>
+                    <a16:rowId xmlns:a16="http://schemas.microsoft.com/office/drawing/2014/main" val="10006"/>
                   </a:ext>
                 </a:extLst>
               </a:tr>
@@ -14651,7 +14651,7 @@
                 </a:tc>
                 <a:extLst>
                   <a:ext uri="{0D108BD9-81ED-4DB2-BD59-A6C34878D82A}">
-                    <a16:rowId xmlns:a16="http://schemas.microsoft.com/office/drawing/2014/main" xmlns="" val="3650184020"/>
+                    <a16:rowId xmlns:a16="http://schemas.microsoft.com/office/drawing/2014/main" val="3650184020"/>
                   </a:ext>
                 </a:extLst>
               </a:tr>
@@ -14831,7 +14831,7 @@
                 </a:tc>
                 <a:extLst>
                   <a:ext uri="{0D108BD9-81ED-4DB2-BD59-A6C34878D82A}">
-                    <a16:rowId xmlns:a16="http://schemas.microsoft.com/office/drawing/2014/main" xmlns="" val="10008"/>
+                    <a16:rowId xmlns:a16="http://schemas.microsoft.com/office/drawing/2014/main" val="10008"/>
                   </a:ext>
                 </a:extLst>
               </a:tr>
@@ -14994,7 +14994,7 @@
                 </a:tc>
                 <a:extLst>
                   <a:ext uri="{0D108BD9-81ED-4DB2-BD59-A6C34878D82A}">
-                    <a16:rowId xmlns:a16="http://schemas.microsoft.com/office/drawing/2014/main" xmlns="" val="10011"/>
+                    <a16:rowId xmlns:a16="http://schemas.microsoft.com/office/drawing/2014/main" val="10011"/>
                   </a:ext>
                 </a:extLst>
               </a:tr>
@@ -15379,7 +15379,7 @@
           <p:cNvPr id="13" name="Google Shape;116;p3">
             <a:extLst>
               <a:ext uri="{FF2B5EF4-FFF2-40B4-BE49-F238E27FC236}">
-                <a16:creationId xmlns:a16="http://schemas.microsoft.com/office/drawing/2014/main" xmlns="" id="{64750F11-F4C8-484B-ACF5-82E0AE67464C}"/>
+                <a16:creationId xmlns:a16="http://schemas.microsoft.com/office/drawing/2014/main" id="{64750F11-F4C8-484B-ACF5-82E0AE67464C}"/>
               </a:ext>
             </a:extLst>
           </p:cNvPr>
@@ -15387,13 +15387,13 @@
           <p:nvPr>
             <p:extLst>
               <p:ext uri="{D42A27DB-BD31-4B8C-83A1-F6EECF244321}">
-                <p14:modId xmlns:p14="http://schemas.microsoft.com/office/powerpoint/2010/main" val="3876032771"/>
+                <p14:modId xmlns:p14="http://schemas.microsoft.com/office/powerpoint/2010/main" val="669115981"/>
               </p:ext>
             </p:extLst>
           </p:nvPr>
         </p:nvGraphicFramePr>
         <p:xfrm>
-          <a:off x="323351" y="773206"/>
+          <a:off x="323351" y="814350"/>
           <a:ext cx="8255900" cy="2332408"/>
         </p:xfrm>
         <a:graphic>
@@ -15407,42 +15407,42 @@
                 <a:gridCol w="1281275">
                   <a:extLst>
                     <a:ext uri="{9D8B030D-6E8A-4147-A177-3AD203B41FA5}">
-                      <a16:colId xmlns:a16="http://schemas.microsoft.com/office/drawing/2014/main" xmlns="" val="20000"/>
+                      <a16:colId xmlns:a16="http://schemas.microsoft.com/office/drawing/2014/main" val="20000"/>
                     </a:ext>
                   </a:extLst>
                 </a:gridCol>
                 <a:gridCol w="737175">
                   <a:extLst>
                     <a:ext uri="{9D8B030D-6E8A-4147-A177-3AD203B41FA5}">
-                      <a16:colId xmlns:a16="http://schemas.microsoft.com/office/drawing/2014/main" xmlns="" val="20001"/>
+                      <a16:colId xmlns:a16="http://schemas.microsoft.com/office/drawing/2014/main" val="20001"/>
                     </a:ext>
                   </a:extLst>
                 </a:gridCol>
                 <a:gridCol w="855650">
                   <a:extLst>
                     <a:ext uri="{9D8B030D-6E8A-4147-A177-3AD203B41FA5}">
-                      <a16:colId xmlns:a16="http://schemas.microsoft.com/office/drawing/2014/main" xmlns="" val="20002"/>
+                      <a16:colId xmlns:a16="http://schemas.microsoft.com/office/drawing/2014/main" val="20002"/>
                     </a:ext>
                   </a:extLst>
                 </a:gridCol>
                 <a:gridCol w="860025">
                   <a:extLst>
                     <a:ext uri="{9D8B030D-6E8A-4147-A177-3AD203B41FA5}">
-                      <a16:colId xmlns:a16="http://schemas.microsoft.com/office/drawing/2014/main" xmlns="" val="20003"/>
+                      <a16:colId xmlns:a16="http://schemas.microsoft.com/office/drawing/2014/main" val="20003"/>
                     </a:ext>
                   </a:extLst>
                 </a:gridCol>
                 <a:gridCol w="618275">
                   <a:extLst>
                     <a:ext uri="{9D8B030D-6E8A-4147-A177-3AD203B41FA5}">
-                      <a16:colId xmlns:a16="http://schemas.microsoft.com/office/drawing/2014/main" xmlns="" val="20004"/>
+                      <a16:colId xmlns:a16="http://schemas.microsoft.com/office/drawing/2014/main" val="20004"/>
                     </a:ext>
                   </a:extLst>
                 </a:gridCol>
                 <a:gridCol w="3903500">
                   <a:extLst>
                     <a:ext uri="{9D8B030D-6E8A-4147-A177-3AD203B41FA5}">
-                      <a16:colId xmlns:a16="http://schemas.microsoft.com/office/drawing/2014/main" xmlns="" val="20005"/>
+                      <a16:colId xmlns:a16="http://schemas.microsoft.com/office/drawing/2014/main" val="20005"/>
                     </a:ext>
                   </a:extLst>
                 </a:gridCol>
@@ -15570,10 +15570,10 @@
                         <a:buNone/>
                       </a:pPr>
                       <a:r>
-                        <a:rPr lang="ko-KR" sz="1000" u="none" strike="noStrike" cap="none"/>
+                        <a:rPr lang="ko-KR" sz="1000" u="none" strike="noStrike" cap="none" dirty="0" err="1"/>
                         <a:t>int</a:t>
                       </a:r>
-                      <a:endParaRPr sz="1000" b="0" i="0" u="none" strike="noStrike" cap="none">
+                      <a:endParaRPr sz="1000" b="0" i="0" u="none" strike="noStrike" cap="none" dirty="0">
                         <a:solidFill>
                           <a:srgbClr val="000000"/>
                         </a:solidFill>
@@ -15619,7 +15619,7 @@
                 </a:tc>
                 <a:extLst>
                   <a:ext uri="{0D108BD9-81ED-4DB2-BD59-A6C34878D82A}">
-                    <a16:rowId xmlns:a16="http://schemas.microsoft.com/office/drawing/2014/main" xmlns="" val="10000"/>
+                    <a16:rowId xmlns:a16="http://schemas.microsoft.com/office/drawing/2014/main" val="10000"/>
                   </a:ext>
                 </a:extLst>
               </a:tr>
@@ -15770,7 +15770,7 @@
                 </a:tc>
                 <a:extLst>
                   <a:ext uri="{0D108BD9-81ED-4DB2-BD59-A6C34878D82A}">
-                    <a16:rowId xmlns:a16="http://schemas.microsoft.com/office/drawing/2014/main" xmlns="" val="10001"/>
+                    <a16:rowId xmlns:a16="http://schemas.microsoft.com/office/drawing/2014/main" val="10001"/>
                   </a:ext>
                 </a:extLst>
               </a:tr>
@@ -15921,7 +15921,7 @@
                 </a:tc>
                 <a:extLst>
                   <a:ext uri="{0D108BD9-81ED-4DB2-BD59-A6C34878D82A}">
-                    <a16:rowId xmlns:a16="http://schemas.microsoft.com/office/drawing/2014/main" xmlns="" val="10002"/>
+                    <a16:rowId xmlns:a16="http://schemas.microsoft.com/office/drawing/2014/main" val="10002"/>
                   </a:ext>
                 </a:extLst>
               </a:tr>
@@ -16013,23 +16013,52 @@
                     <a:bodyPr/>
                     <a:lstStyle/>
                     <a:p>
-                      <a:pPr marL="0" marR="0" lvl="0" indent="0" algn="ctr" rtl="0">
+                      <a:pPr marL="0" marR="0" lvl="0" indent="0" algn="ctr" defTabSz="914400" rtl="0" eaLnBrk="1" fontAlgn="auto" latinLnBrk="0" hangingPunct="1">
+                        <a:lnSpc>
+                          <a:spcPct val="100000"/>
+                        </a:lnSpc>
                         <a:spcBef>
                           <a:spcPts val="0"/>
                         </a:spcBef>
                         <a:spcAft>
                           <a:spcPts val="0"/>
                         </a:spcAft>
+                        <a:buClr>
+                          <a:srgbClr val="000000"/>
+                        </a:buClr>
+                        <a:buSzTx/>
+                        <a:buFont typeface="Arial"/>
                         <a:buNone/>
+                        <a:tabLst/>
+                        <a:defRPr/>
                       </a:pPr>
                       <a:r>
-                        <a:rPr lang="ko-KR" sz="1000" u="none" strike="noStrike" cap="none"/>
+                        <a:rPr kumimoji="0" lang="en-US" altLang="ko-KR" sz="1000" b="0" i="0" u="none" strike="noStrike" kern="0" cap="none" spc="0" normalizeH="0" baseline="0" noProof="0">
+                          <a:ln>
+                            <a:noFill/>
+                          </a:ln>
+                          <a:solidFill>
+                            <a:srgbClr val="000000"/>
+                          </a:solidFill>
+                          <a:effectLst/>
+                          <a:uLnTx/>
+                          <a:uFillTx/>
+                          <a:latin typeface="맑은 고딕"/>
+                          <a:ea typeface="맑은 고딕"/>
+                          <a:sym typeface="Arial"/>
+                        </a:rPr>
                         <a:t>int</a:t>
                       </a:r>
-                      <a:endParaRPr sz="1000" b="0" i="0" u="none" strike="noStrike" cap="none">
+                      <a:endParaRPr kumimoji="0" lang="en-US" altLang="ko-KR" sz="1000" b="0" i="0" u="none" strike="noStrike" kern="0" cap="none" spc="0" normalizeH="0" baseline="0" noProof="0" dirty="0">
+                        <a:ln>
+                          <a:noFill/>
+                        </a:ln>
                         <a:solidFill>
                           <a:srgbClr val="000000"/>
                         </a:solidFill>
+                        <a:effectLst/>
+                        <a:uLnTx/>
+                        <a:uFillTx/>
                         <a:latin typeface="Malgun Gothic"/>
                         <a:ea typeface="Malgun Gothic"/>
                         <a:cs typeface="Malgun Gothic"/>
@@ -16072,7 +16101,7 @@
                 </a:tc>
                 <a:extLst>
                   <a:ext uri="{0D108BD9-81ED-4DB2-BD59-A6C34878D82A}">
-                    <a16:rowId xmlns:a16="http://schemas.microsoft.com/office/drawing/2014/main" xmlns="" val="10003"/>
+                    <a16:rowId xmlns:a16="http://schemas.microsoft.com/office/drawing/2014/main" val="10003"/>
                   </a:ext>
                 </a:extLst>
               </a:tr>
@@ -16164,23 +16193,52 @@
                     <a:bodyPr/>
                     <a:lstStyle/>
                     <a:p>
-                      <a:pPr marL="0" marR="0" lvl="0" indent="0" algn="ctr" rtl="0">
+                      <a:pPr marL="0" marR="0" lvl="0" indent="0" algn="ctr" defTabSz="914400" rtl="0" eaLnBrk="1" fontAlgn="auto" latinLnBrk="0" hangingPunct="1">
+                        <a:lnSpc>
+                          <a:spcPct val="100000"/>
+                        </a:lnSpc>
                         <a:spcBef>
                           <a:spcPts val="0"/>
                         </a:spcBef>
                         <a:spcAft>
                           <a:spcPts val="0"/>
                         </a:spcAft>
+                        <a:buClr>
+                          <a:srgbClr val="000000"/>
+                        </a:buClr>
+                        <a:buSzTx/>
+                        <a:buFont typeface="Arial"/>
                         <a:buNone/>
+                        <a:tabLst/>
+                        <a:defRPr/>
                       </a:pPr>
                       <a:r>
-                        <a:rPr lang="ko-KR" sz="1000" u="none" strike="noStrike" cap="none"/>
+                        <a:rPr kumimoji="0" lang="en-US" altLang="ko-KR" sz="1000" b="0" i="0" u="none" strike="noStrike" kern="0" cap="none" spc="0" normalizeH="0" baseline="0" noProof="0" dirty="0">
+                          <a:ln>
+                            <a:noFill/>
+                          </a:ln>
+                          <a:solidFill>
+                            <a:srgbClr val="000000"/>
+                          </a:solidFill>
+                          <a:effectLst/>
+                          <a:uLnTx/>
+                          <a:uFillTx/>
+                          <a:latin typeface="맑은 고딕"/>
+                          <a:ea typeface="맑은 고딕"/>
+                          <a:sym typeface="Arial"/>
+                        </a:rPr>
                         <a:t>int</a:t>
                       </a:r>
-                      <a:endParaRPr sz="1000" b="0" i="0" u="none" strike="noStrike" cap="none">
+                      <a:endParaRPr kumimoji="0" lang="en-US" altLang="ko-KR" sz="1000" b="0" i="0" u="none" strike="noStrike" kern="0" cap="none" spc="0" normalizeH="0" baseline="0" noProof="0" dirty="0">
+                        <a:ln>
+                          <a:noFill/>
+                        </a:ln>
                         <a:solidFill>
                           <a:srgbClr val="000000"/>
                         </a:solidFill>
+                        <a:effectLst/>
+                        <a:uLnTx/>
+                        <a:uFillTx/>
                         <a:latin typeface="Malgun Gothic"/>
                         <a:ea typeface="Malgun Gothic"/>
                         <a:cs typeface="Malgun Gothic"/>
@@ -16255,7 +16313,7 @@
                 </a:tc>
                 <a:extLst>
                   <a:ext uri="{0D108BD9-81ED-4DB2-BD59-A6C34878D82A}">
-                    <a16:rowId xmlns:a16="http://schemas.microsoft.com/office/drawing/2014/main" xmlns="" val="10004"/>
+                    <a16:rowId xmlns:a16="http://schemas.microsoft.com/office/drawing/2014/main" val="10004"/>
                   </a:ext>
                 </a:extLst>
               </a:tr>
@@ -16386,10 +16444,10 @@
                         <a:buNone/>
                       </a:pPr>
                       <a:r>
-                        <a:rPr lang="ko-KR" sz="1000" u="none" strike="noStrike" cap="none"/>
+                        <a:rPr lang="ko-KR" sz="1000" u="none" strike="noStrike" cap="none" dirty="0" err="1"/>
                         <a:t>float</a:t>
                       </a:r>
-                      <a:endParaRPr sz="1000" b="0" i="0" u="none" strike="noStrike" cap="none">
+                      <a:endParaRPr sz="1000" b="0" i="0" u="none" strike="noStrike" cap="none" dirty="0">
                         <a:solidFill>
                           <a:srgbClr val="000000"/>
                         </a:solidFill>
@@ -16439,7 +16497,7 @@
                 </a:tc>
                 <a:extLst>
                   <a:ext uri="{0D108BD9-81ED-4DB2-BD59-A6C34878D82A}">
-                    <a16:rowId xmlns:a16="http://schemas.microsoft.com/office/drawing/2014/main" xmlns="" val="10005"/>
+                    <a16:rowId xmlns:a16="http://schemas.microsoft.com/office/drawing/2014/main" val="10005"/>
                   </a:ext>
                 </a:extLst>
               </a:tr>
@@ -16634,7 +16692,7 @@
                 </a:tc>
                 <a:extLst>
                   <a:ext uri="{0D108BD9-81ED-4DB2-BD59-A6C34878D82A}">
-                    <a16:rowId xmlns:a16="http://schemas.microsoft.com/office/drawing/2014/main" xmlns="" val="10006"/>
+                    <a16:rowId xmlns:a16="http://schemas.microsoft.com/office/drawing/2014/main" val="10006"/>
                   </a:ext>
                 </a:extLst>
               </a:tr>
@@ -16773,7 +16831,7 @@
                       </a:pPr>
                       <a:r>
                         <a:rPr lang="en-US" altLang="ko-KR" sz="1000" u="none" strike="noStrike" cap="none" dirty="0"/>
-                        <a:t>int</a:t>
+                        <a:t>float</a:t>
                       </a:r>
                       <a:endParaRPr lang="en-US" altLang="ko-KR" sz="1000" b="0" i="0" u="none" strike="noStrike" cap="none" dirty="0">
                         <a:solidFill>
@@ -16829,7 +16887,7 @@
                 </a:tc>
                 <a:extLst>
                   <a:ext uri="{0D108BD9-81ED-4DB2-BD59-A6C34878D82A}">
-                    <a16:rowId xmlns:a16="http://schemas.microsoft.com/office/drawing/2014/main" xmlns="" val="3650184020"/>
+                    <a16:rowId xmlns:a16="http://schemas.microsoft.com/office/drawing/2014/main" val="3650184020"/>
                   </a:ext>
                 </a:extLst>
               </a:tr>
@@ -17009,7 +17067,7 @@
                 </a:tc>
                 <a:extLst>
                   <a:ext uri="{0D108BD9-81ED-4DB2-BD59-A6C34878D82A}">
-                    <a16:rowId xmlns:a16="http://schemas.microsoft.com/office/drawing/2014/main" xmlns="" val="10008"/>
+                    <a16:rowId xmlns:a16="http://schemas.microsoft.com/office/drawing/2014/main" val="10008"/>
                   </a:ext>
                 </a:extLst>
               </a:tr>
@@ -17172,7 +17230,7 @@
                 </a:tc>
                 <a:extLst>
                   <a:ext uri="{0D108BD9-81ED-4DB2-BD59-A6C34878D82A}">
-                    <a16:rowId xmlns:a16="http://schemas.microsoft.com/office/drawing/2014/main" xmlns="" val="10011"/>
+                    <a16:rowId xmlns:a16="http://schemas.microsoft.com/office/drawing/2014/main" val="10011"/>
                   </a:ext>
                 </a:extLst>
               </a:tr>
@@ -17841,7 +17899,7 @@
           <p:cNvPr id="1026" name="Picture 2">
             <a:extLst>
               <a:ext uri="{FF2B5EF4-FFF2-40B4-BE49-F238E27FC236}">
-                <a16:creationId xmlns:a16="http://schemas.microsoft.com/office/drawing/2014/main" xmlns="" id="{AAF68D58-4D77-4FF3-BA54-B819F17DFD5E}"/>
+                <a16:creationId xmlns:a16="http://schemas.microsoft.com/office/drawing/2014/main" id="{AAF68D58-4D77-4FF3-BA54-B819F17DFD5E}"/>
               </a:ext>
             </a:extLst>
           </p:cNvPr>
@@ -17893,7 +17951,7 @@
           <p:cNvPr id="11" name="Google Shape;194;p7">
             <a:extLst>
               <a:ext uri="{FF2B5EF4-FFF2-40B4-BE49-F238E27FC236}">
-                <a16:creationId xmlns:a16="http://schemas.microsoft.com/office/drawing/2014/main" xmlns="" id="{F793D08C-F793-4966-9181-7C4A3DA3BB9E}"/>
+                <a16:creationId xmlns:a16="http://schemas.microsoft.com/office/drawing/2014/main" id="{F793D08C-F793-4966-9181-7C4A3DA3BB9E}"/>
               </a:ext>
             </a:extLst>
           </p:cNvPr>
@@ -18048,7 +18106,7 @@
               <a:buNone/>
             </a:pPr>
             <a:r>
-              <a:rPr lang="en-US" altLang="ko-KR" sz="1100" dirty="0" smtClean="0">
+              <a:rPr lang="en-US" altLang="ko-KR" sz="1100" dirty="0">
                 <a:solidFill>
                   <a:schemeClr val="dk1"/>
                 </a:solidFill>
@@ -18060,18 +18118,6 @@
               <a:t>Type 1: </a:t>
             </a:r>
             <a:r>
-              <a:rPr lang="ko-KR" altLang="en-US" sz="1100" dirty="0" smtClean="0">
-                <a:solidFill>
-                  <a:schemeClr val="dk1"/>
-                </a:solidFill>
-                <a:latin typeface="Malgun Gothic"/>
-                <a:ea typeface="Malgun Gothic"/>
-                <a:cs typeface="Malgun Gothic"/>
-                <a:sym typeface="Malgun Gothic"/>
-              </a:rPr>
-              <a:t>방어 </a:t>
-            </a:r>
-            <a:r>
               <a:rPr lang="ko-KR" altLang="en-US" sz="1100" dirty="0">
                 <a:solidFill>
                   <a:schemeClr val="dk1"/>
@@ -18081,19 +18127,7 @@
                 <a:cs typeface="Malgun Gothic"/>
                 <a:sym typeface="Malgun Gothic"/>
               </a:rPr>
-              <a:t>캐릭터는 생존형 정령을 </a:t>
-            </a:r>
-            <a:r>
-              <a:rPr lang="ko-KR" altLang="en-US" sz="1100" dirty="0" smtClean="0">
-                <a:solidFill>
-                  <a:schemeClr val="dk1"/>
-                </a:solidFill>
-                <a:latin typeface="Malgun Gothic"/>
-                <a:ea typeface="Malgun Gothic"/>
-                <a:cs typeface="Malgun Gothic"/>
-                <a:sym typeface="Malgun Gothic"/>
-              </a:rPr>
-              <a:t>사용</a:t>
+              <a:t>방어 캐릭터는 생존형 정령을 사용</a:t>
             </a:r>
             <a:endParaRPr lang="en-US" altLang="ko-KR" sz="1100" dirty="0">
               <a:solidFill>
@@ -18116,7 +18150,7 @@
               <a:buNone/>
             </a:pPr>
             <a:r>
-              <a:rPr lang="en-US" altLang="ko-KR" sz="1100" dirty="0" smtClean="0">
+              <a:rPr lang="en-US" altLang="ko-KR" sz="1100" dirty="0">
                 <a:solidFill>
                   <a:schemeClr val="dk1"/>
                 </a:solidFill>
@@ -18128,18 +18162,6 @@
               <a:t>Type 2: </a:t>
             </a:r>
             <a:r>
-              <a:rPr lang="ko-KR" altLang="en-US" sz="1100" dirty="0" smtClean="0">
-                <a:solidFill>
-                  <a:schemeClr val="dk1"/>
-                </a:solidFill>
-                <a:latin typeface="Malgun Gothic"/>
-                <a:ea typeface="Malgun Gothic"/>
-                <a:cs typeface="Malgun Gothic"/>
-                <a:sym typeface="Malgun Gothic"/>
-              </a:rPr>
-              <a:t>지원 </a:t>
-            </a:r>
-            <a:r>
               <a:rPr lang="ko-KR" altLang="en-US" sz="1100" dirty="0">
                 <a:solidFill>
                   <a:schemeClr val="dk1"/>
@@ -18149,19 +18171,7 @@
                 <a:cs typeface="Malgun Gothic"/>
                 <a:sym typeface="Malgun Gothic"/>
               </a:rPr>
-              <a:t>캐릭터는 지원형 정령을 </a:t>
-            </a:r>
-            <a:r>
-              <a:rPr lang="ko-KR" altLang="en-US" sz="1100" dirty="0" smtClean="0">
-                <a:solidFill>
-                  <a:schemeClr val="dk1"/>
-                </a:solidFill>
-                <a:latin typeface="Malgun Gothic"/>
-                <a:ea typeface="Malgun Gothic"/>
-                <a:cs typeface="Malgun Gothic"/>
-                <a:sym typeface="Malgun Gothic"/>
-              </a:rPr>
-              <a:t>사용</a:t>
+              <a:t>지원 캐릭터는 지원형 정령을 사용</a:t>
             </a:r>
             <a:endParaRPr lang="en-US" altLang="ko-KR" sz="1100" dirty="0">
               <a:solidFill>
@@ -18184,7 +18194,7 @@
               <a:buNone/>
             </a:pPr>
             <a:r>
-              <a:rPr lang="en-US" altLang="ko-KR" sz="1100" dirty="0" smtClean="0">
+              <a:rPr lang="en-US" altLang="ko-KR" sz="1100" dirty="0">
                 <a:solidFill>
                   <a:schemeClr val="dk1"/>
                 </a:solidFill>
@@ -18196,18 +18206,6 @@
               <a:t>Type 3: </a:t>
             </a:r>
             <a:r>
-              <a:rPr lang="ko-KR" altLang="en-US" sz="1100" dirty="0" smtClean="0">
-                <a:solidFill>
-                  <a:schemeClr val="dk1"/>
-                </a:solidFill>
-                <a:latin typeface="Malgun Gothic"/>
-                <a:ea typeface="Malgun Gothic"/>
-                <a:cs typeface="Malgun Gothic"/>
-                <a:sym typeface="Malgun Gothic"/>
-              </a:rPr>
-              <a:t>공격 </a:t>
-            </a:r>
-            <a:r>
               <a:rPr lang="ko-KR" altLang="en-US" sz="1100" dirty="0">
                 <a:solidFill>
                   <a:schemeClr val="dk1"/>
@@ -18217,21 +18215,9 @@
                 <a:cs typeface="Malgun Gothic"/>
                 <a:sym typeface="Malgun Gothic"/>
               </a:rPr>
-              <a:t>캐릭터는 요격형 정령을 </a:t>
+              <a:t>공격 캐릭터는 요격형 정령을 사용</a:t>
             </a:r>
-            <a:r>
-              <a:rPr lang="ko-KR" altLang="en-US" sz="1100" dirty="0" smtClean="0">
-                <a:solidFill>
-                  <a:schemeClr val="dk1"/>
-                </a:solidFill>
-                <a:latin typeface="Malgun Gothic"/>
-                <a:ea typeface="Malgun Gothic"/>
-                <a:cs typeface="Malgun Gothic"/>
-                <a:sym typeface="Malgun Gothic"/>
-              </a:rPr>
-              <a:t>사용</a:t>
-            </a:r>
-            <a:endParaRPr lang="en-US" altLang="ko-KR" sz="1100" dirty="0" smtClean="0">
+            <a:endParaRPr lang="en-US" altLang="ko-KR" sz="1100" dirty="0">
               <a:solidFill>
                 <a:schemeClr val="dk1"/>
               </a:solidFill>
@@ -18252,7 +18238,7 @@
               <a:buNone/>
             </a:pPr>
             <a:r>
-              <a:rPr lang="en-US" altLang="ko-KR" sz="1100" dirty="0" smtClean="0">
+              <a:rPr lang="en-US" altLang="ko-KR" sz="1100" dirty="0">
                 <a:solidFill>
                   <a:schemeClr val="dk1"/>
                 </a:solidFill>
@@ -18264,7 +18250,7 @@
               <a:t>Type 4: </a:t>
             </a:r>
             <a:r>
-              <a:rPr lang="ko-KR" altLang="en-US" sz="1100" dirty="0" smtClean="0">
+              <a:rPr lang="ko-KR" altLang="en-US" sz="1100" dirty="0">
                 <a:solidFill>
                   <a:schemeClr val="dk1"/>
                 </a:solidFill>
@@ -18337,7 +18323,7 @@
           <p:cNvPr id="15" name="Google Shape;116;p3">
             <a:extLst>
               <a:ext uri="{FF2B5EF4-FFF2-40B4-BE49-F238E27FC236}">
-                <a16:creationId xmlns:a16="http://schemas.microsoft.com/office/drawing/2014/main" xmlns="" id="{813A149D-C302-4C1D-A36C-C3E0992FED61}"/>
+                <a16:creationId xmlns:a16="http://schemas.microsoft.com/office/drawing/2014/main" id="{813A149D-C302-4C1D-A36C-C3E0992FED61}"/>
               </a:ext>
             </a:extLst>
           </p:cNvPr>
@@ -18345,7 +18331,7 @@
           <p:nvPr>
             <p:extLst>
               <p:ext uri="{D42A27DB-BD31-4B8C-83A1-F6EECF244321}">
-                <p14:modId xmlns:p14="http://schemas.microsoft.com/office/powerpoint/2010/main" val="2778300488"/>
+                <p14:modId xmlns:p14="http://schemas.microsoft.com/office/powerpoint/2010/main" val="3830723961"/>
               </p:ext>
             </p:extLst>
           </p:nvPr>
@@ -18365,42 +18351,42 @@
                 <a:gridCol w="1281275">
                   <a:extLst>
                     <a:ext uri="{9D8B030D-6E8A-4147-A177-3AD203B41FA5}">
-                      <a16:colId xmlns:a16="http://schemas.microsoft.com/office/drawing/2014/main" xmlns="" val="20000"/>
+                      <a16:colId xmlns:a16="http://schemas.microsoft.com/office/drawing/2014/main" val="20000"/>
                     </a:ext>
                   </a:extLst>
                 </a:gridCol>
                 <a:gridCol w="737175">
                   <a:extLst>
                     <a:ext uri="{9D8B030D-6E8A-4147-A177-3AD203B41FA5}">
-                      <a16:colId xmlns:a16="http://schemas.microsoft.com/office/drawing/2014/main" xmlns="" val="20001"/>
+                      <a16:colId xmlns:a16="http://schemas.microsoft.com/office/drawing/2014/main" val="20001"/>
                     </a:ext>
                   </a:extLst>
                 </a:gridCol>
                 <a:gridCol w="855650">
                   <a:extLst>
                     <a:ext uri="{9D8B030D-6E8A-4147-A177-3AD203B41FA5}">
-                      <a16:colId xmlns:a16="http://schemas.microsoft.com/office/drawing/2014/main" xmlns="" val="20002"/>
+                      <a16:colId xmlns:a16="http://schemas.microsoft.com/office/drawing/2014/main" val="20002"/>
                     </a:ext>
                   </a:extLst>
                 </a:gridCol>
                 <a:gridCol w="860025">
                   <a:extLst>
                     <a:ext uri="{9D8B030D-6E8A-4147-A177-3AD203B41FA5}">
-                      <a16:colId xmlns:a16="http://schemas.microsoft.com/office/drawing/2014/main" xmlns="" val="20003"/>
+                      <a16:colId xmlns:a16="http://schemas.microsoft.com/office/drawing/2014/main" val="20003"/>
                     </a:ext>
                   </a:extLst>
                 </a:gridCol>
                 <a:gridCol w="618275">
                   <a:extLst>
                     <a:ext uri="{9D8B030D-6E8A-4147-A177-3AD203B41FA5}">
-                      <a16:colId xmlns:a16="http://schemas.microsoft.com/office/drawing/2014/main" xmlns="" val="20004"/>
+                      <a16:colId xmlns:a16="http://schemas.microsoft.com/office/drawing/2014/main" val="20004"/>
                     </a:ext>
                   </a:extLst>
                 </a:gridCol>
                 <a:gridCol w="3903500">
                   <a:extLst>
                     <a:ext uri="{9D8B030D-6E8A-4147-A177-3AD203B41FA5}">
-                      <a16:colId xmlns:a16="http://schemas.microsoft.com/office/drawing/2014/main" xmlns="" val="20005"/>
+                      <a16:colId xmlns:a16="http://schemas.microsoft.com/office/drawing/2014/main" val="20005"/>
                     </a:ext>
                   </a:extLst>
                 </a:gridCol>
@@ -18577,7 +18563,7 @@
                 </a:tc>
                 <a:extLst>
                   <a:ext uri="{0D108BD9-81ED-4DB2-BD59-A6C34878D82A}">
-                    <a16:rowId xmlns:a16="http://schemas.microsoft.com/office/drawing/2014/main" xmlns="" val="10000"/>
+                    <a16:rowId xmlns:a16="http://schemas.microsoft.com/office/drawing/2014/main" val="10000"/>
                   </a:ext>
                 </a:extLst>
               </a:tr>
@@ -18728,7 +18714,7 @@
                 </a:tc>
                 <a:extLst>
                   <a:ext uri="{0D108BD9-81ED-4DB2-BD59-A6C34878D82A}">
-                    <a16:rowId xmlns:a16="http://schemas.microsoft.com/office/drawing/2014/main" xmlns="" val="10001"/>
+                    <a16:rowId xmlns:a16="http://schemas.microsoft.com/office/drawing/2014/main" val="10001"/>
                   </a:ext>
                 </a:extLst>
               </a:tr>
@@ -18879,7 +18865,7 @@
                 </a:tc>
                 <a:extLst>
                   <a:ext uri="{0D108BD9-81ED-4DB2-BD59-A6C34878D82A}">
-                    <a16:rowId xmlns:a16="http://schemas.microsoft.com/office/drawing/2014/main" xmlns="" val="10002"/>
+                    <a16:rowId xmlns:a16="http://schemas.microsoft.com/office/drawing/2014/main" val="10002"/>
                   </a:ext>
                 </a:extLst>
               </a:tr>
@@ -18971,23 +18957,52 @@
                     <a:bodyPr/>
                     <a:lstStyle/>
                     <a:p>
-                      <a:pPr marL="0" marR="0" lvl="0" indent="0" algn="ctr" rtl="0">
+                      <a:pPr marL="0" marR="0" lvl="0" indent="0" algn="ctr" defTabSz="914400" rtl="0" eaLnBrk="1" fontAlgn="auto" latinLnBrk="0" hangingPunct="1">
+                        <a:lnSpc>
+                          <a:spcPct val="100000"/>
+                        </a:lnSpc>
                         <a:spcBef>
                           <a:spcPts val="0"/>
                         </a:spcBef>
                         <a:spcAft>
                           <a:spcPts val="0"/>
                         </a:spcAft>
+                        <a:buClr>
+                          <a:srgbClr val="000000"/>
+                        </a:buClr>
+                        <a:buSzTx/>
+                        <a:buFont typeface="Arial"/>
                         <a:buNone/>
+                        <a:tabLst/>
+                        <a:defRPr/>
                       </a:pPr>
                       <a:r>
-                        <a:rPr lang="ko-KR" sz="1000" u="none" strike="noStrike" cap="none"/>
+                        <a:rPr kumimoji="0" lang="en-US" altLang="ko-KR" sz="1000" b="0" i="0" u="none" strike="noStrike" kern="0" cap="none" spc="0" normalizeH="0" baseline="0" noProof="0">
+                          <a:ln>
+                            <a:noFill/>
+                          </a:ln>
+                          <a:solidFill>
+                            <a:srgbClr val="000000"/>
+                          </a:solidFill>
+                          <a:effectLst/>
+                          <a:uLnTx/>
+                          <a:uFillTx/>
+                          <a:latin typeface="맑은 고딕"/>
+                          <a:ea typeface="맑은 고딕"/>
+                          <a:sym typeface="Arial"/>
+                        </a:rPr>
                         <a:t>int</a:t>
                       </a:r>
-                      <a:endParaRPr sz="1000" b="0" i="0" u="none" strike="noStrike" cap="none">
+                      <a:endParaRPr kumimoji="0" lang="en-US" altLang="ko-KR" sz="1000" b="0" i="0" u="none" strike="noStrike" kern="0" cap="none" spc="0" normalizeH="0" baseline="0" noProof="0" dirty="0">
+                        <a:ln>
+                          <a:noFill/>
+                        </a:ln>
                         <a:solidFill>
                           <a:srgbClr val="000000"/>
                         </a:solidFill>
+                        <a:effectLst/>
+                        <a:uLnTx/>
+                        <a:uFillTx/>
                         <a:latin typeface="Malgun Gothic"/>
                         <a:ea typeface="Malgun Gothic"/>
                         <a:cs typeface="Malgun Gothic"/>
@@ -19030,7 +19045,7 @@
                 </a:tc>
                 <a:extLst>
                   <a:ext uri="{0D108BD9-81ED-4DB2-BD59-A6C34878D82A}">
-                    <a16:rowId xmlns:a16="http://schemas.microsoft.com/office/drawing/2014/main" xmlns="" val="10003"/>
+                    <a16:rowId xmlns:a16="http://schemas.microsoft.com/office/drawing/2014/main" val="10003"/>
                   </a:ext>
                 </a:extLst>
               </a:tr>
@@ -19122,23 +19137,52 @@
                     <a:bodyPr/>
                     <a:lstStyle/>
                     <a:p>
-                      <a:pPr marL="0" marR="0" lvl="0" indent="0" algn="ctr" rtl="0">
+                      <a:pPr marL="0" marR="0" lvl="0" indent="0" algn="ctr" defTabSz="914400" rtl="0" eaLnBrk="1" fontAlgn="auto" latinLnBrk="0" hangingPunct="1">
+                        <a:lnSpc>
+                          <a:spcPct val="100000"/>
+                        </a:lnSpc>
                         <a:spcBef>
                           <a:spcPts val="0"/>
                         </a:spcBef>
                         <a:spcAft>
                           <a:spcPts val="0"/>
                         </a:spcAft>
+                        <a:buClr>
+                          <a:srgbClr val="000000"/>
+                        </a:buClr>
+                        <a:buSzTx/>
+                        <a:buFont typeface="Arial"/>
                         <a:buNone/>
+                        <a:tabLst/>
+                        <a:defRPr/>
                       </a:pPr>
                       <a:r>
-                        <a:rPr lang="ko-KR" sz="1000" u="none" strike="noStrike" cap="none"/>
+                        <a:rPr kumimoji="0" lang="en-US" altLang="ko-KR" sz="1000" b="0" i="0" u="none" strike="noStrike" kern="0" cap="none" spc="0" normalizeH="0" baseline="0" noProof="0" dirty="0">
+                          <a:ln>
+                            <a:noFill/>
+                          </a:ln>
+                          <a:solidFill>
+                            <a:srgbClr val="000000"/>
+                          </a:solidFill>
+                          <a:effectLst/>
+                          <a:uLnTx/>
+                          <a:uFillTx/>
+                          <a:latin typeface="맑은 고딕"/>
+                          <a:ea typeface="맑은 고딕"/>
+                          <a:sym typeface="Arial"/>
+                        </a:rPr>
                         <a:t>int</a:t>
                       </a:r>
-                      <a:endParaRPr sz="1000" b="0" i="0" u="none" strike="noStrike" cap="none">
+                      <a:endParaRPr kumimoji="0" lang="en-US" altLang="ko-KR" sz="1000" b="0" i="0" u="none" strike="noStrike" kern="0" cap="none" spc="0" normalizeH="0" baseline="0" noProof="0" dirty="0">
+                        <a:ln>
+                          <a:noFill/>
+                        </a:ln>
                         <a:solidFill>
                           <a:srgbClr val="000000"/>
                         </a:solidFill>
+                        <a:effectLst/>
+                        <a:uLnTx/>
+                        <a:uFillTx/>
                         <a:latin typeface="Malgun Gothic"/>
                         <a:ea typeface="Malgun Gothic"/>
                         <a:cs typeface="Malgun Gothic"/>
@@ -19213,7 +19257,7 @@
                 </a:tc>
                 <a:extLst>
                   <a:ext uri="{0D108BD9-81ED-4DB2-BD59-A6C34878D82A}">
-                    <a16:rowId xmlns:a16="http://schemas.microsoft.com/office/drawing/2014/main" xmlns="" val="10004"/>
+                    <a16:rowId xmlns:a16="http://schemas.microsoft.com/office/drawing/2014/main" val="10004"/>
                   </a:ext>
                 </a:extLst>
               </a:tr>
@@ -19334,23 +19378,52 @@
                     <a:bodyPr/>
                     <a:lstStyle/>
                     <a:p>
-                      <a:pPr marL="0" marR="0" lvl="0" indent="0" algn="ctr" rtl="0">
+                      <a:pPr marL="0" marR="0" lvl="0" indent="0" algn="ctr" defTabSz="914400" rtl="0" eaLnBrk="1" fontAlgn="auto" latinLnBrk="0" hangingPunct="1">
+                        <a:lnSpc>
+                          <a:spcPct val="100000"/>
+                        </a:lnSpc>
                         <a:spcBef>
                           <a:spcPts val="0"/>
                         </a:spcBef>
                         <a:spcAft>
                           <a:spcPts val="0"/>
                         </a:spcAft>
+                        <a:buClr>
+                          <a:srgbClr val="000000"/>
+                        </a:buClr>
+                        <a:buSzTx/>
+                        <a:buFont typeface="Arial"/>
                         <a:buNone/>
+                        <a:tabLst/>
+                        <a:defRPr/>
                       </a:pPr>
                       <a:r>
-                        <a:rPr lang="ko-KR" sz="1000" u="none" strike="noStrike" cap="none"/>
+                        <a:rPr kumimoji="0" lang="en-US" altLang="ko-KR" sz="1000" b="0" i="0" u="none" strike="noStrike" kern="0" cap="none" spc="0" normalizeH="0" baseline="0" noProof="0">
+                          <a:ln>
+                            <a:noFill/>
+                          </a:ln>
+                          <a:solidFill>
+                            <a:srgbClr val="000000"/>
+                          </a:solidFill>
+                          <a:effectLst/>
+                          <a:uLnTx/>
+                          <a:uFillTx/>
+                          <a:latin typeface="맑은 고딕"/>
+                          <a:ea typeface="맑은 고딕"/>
+                          <a:sym typeface="Arial"/>
+                        </a:rPr>
                         <a:t>float</a:t>
                       </a:r>
-                      <a:endParaRPr sz="1000" b="0" i="0" u="none" strike="noStrike" cap="none">
+                      <a:endParaRPr kumimoji="0" lang="en-US" altLang="ko-KR" sz="1000" b="0" i="0" u="none" strike="noStrike" kern="0" cap="none" spc="0" normalizeH="0" baseline="0" noProof="0" dirty="0">
+                        <a:ln>
+                          <a:noFill/>
+                        </a:ln>
                         <a:solidFill>
                           <a:srgbClr val="000000"/>
                         </a:solidFill>
+                        <a:effectLst/>
+                        <a:uLnTx/>
+                        <a:uFillTx/>
                         <a:latin typeface="Malgun Gothic"/>
                         <a:ea typeface="Malgun Gothic"/>
                         <a:cs typeface="Malgun Gothic"/>
@@ -19397,7 +19470,7 @@
                 </a:tc>
                 <a:extLst>
                   <a:ext uri="{0D108BD9-81ED-4DB2-BD59-A6C34878D82A}">
-                    <a16:rowId xmlns:a16="http://schemas.microsoft.com/office/drawing/2014/main" xmlns="" val="10005"/>
+                    <a16:rowId xmlns:a16="http://schemas.microsoft.com/office/drawing/2014/main" val="10005"/>
                   </a:ext>
                 </a:extLst>
               </a:tr>
@@ -19501,23 +19574,52 @@
                     <a:bodyPr/>
                     <a:lstStyle/>
                     <a:p>
-                      <a:pPr marL="0" marR="0" lvl="0" indent="0" algn="ctr" rtl="0">
+                      <a:pPr marL="0" marR="0" lvl="0" indent="0" algn="ctr" defTabSz="914400" rtl="0" eaLnBrk="1" fontAlgn="auto" latinLnBrk="0" hangingPunct="1">
+                        <a:lnSpc>
+                          <a:spcPct val="100000"/>
+                        </a:lnSpc>
                         <a:spcBef>
                           <a:spcPts val="0"/>
                         </a:spcBef>
                         <a:spcAft>
                           <a:spcPts val="0"/>
                         </a:spcAft>
+                        <a:buClr>
+                          <a:srgbClr val="000000"/>
+                        </a:buClr>
+                        <a:buSzTx/>
+                        <a:buFont typeface="Arial"/>
                         <a:buNone/>
+                        <a:tabLst/>
+                        <a:defRPr/>
                       </a:pPr>
                       <a:r>
-                        <a:rPr lang="ko-KR" sz="1000" u="none" strike="noStrike" cap="none" dirty="0" err="1"/>
+                        <a:rPr kumimoji="0" lang="en-US" altLang="ko-KR" sz="1000" b="0" i="0" u="none" strike="noStrike" kern="0" cap="none" spc="0" normalizeH="0" baseline="0" noProof="0">
+                          <a:ln>
+                            <a:noFill/>
+                          </a:ln>
+                          <a:solidFill>
+                            <a:srgbClr val="000000"/>
+                          </a:solidFill>
+                          <a:effectLst/>
+                          <a:uLnTx/>
+                          <a:uFillTx/>
+                          <a:latin typeface="맑은 고딕"/>
+                          <a:ea typeface="맑은 고딕"/>
+                          <a:sym typeface="Arial"/>
+                        </a:rPr>
                         <a:t>float</a:t>
                       </a:r>
-                      <a:endParaRPr sz="1000" b="0" i="0" u="none" strike="noStrike" cap="none" dirty="0">
+                      <a:endParaRPr kumimoji="0" lang="en-US" altLang="ko-KR" sz="1000" b="0" i="0" u="none" strike="noStrike" kern="0" cap="none" spc="0" normalizeH="0" baseline="0" noProof="0" dirty="0">
+                        <a:ln>
+                          <a:noFill/>
+                        </a:ln>
                         <a:solidFill>
                           <a:srgbClr val="000000"/>
                         </a:solidFill>
+                        <a:effectLst/>
+                        <a:uLnTx/>
+                        <a:uFillTx/>
                         <a:latin typeface="Malgun Gothic"/>
                         <a:ea typeface="Malgun Gothic"/>
                         <a:cs typeface="Malgun Gothic"/>
@@ -19592,7 +19694,7 @@
                 </a:tc>
                 <a:extLst>
                   <a:ext uri="{0D108BD9-81ED-4DB2-BD59-A6C34878D82A}">
-                    <a16:rowId xmlns:a16="http://schemas.microsoft.com/office/drawing/2014/main" xmlns="" val="10006"/>
+                    <a16:rowId xmlns:a16="http://schemas.microsoft.com/office/drawing/2014/main" val="10006"/>
                   </a:ext>
                 </a:extLst>
               </a:tr>
@@ -19720,23 +19822,52 @@
                     <a:bodyPr/>
                     <a:lstStyle/>
                     <a:p>
-                      <a:pPr marL="0" marR="0" lvl="0" indent="0" algn="ctr" rtl="0">
+                      <a:pPr marL="0" marR="0" lvl="0" indent="0" algn="ctr" defTabSz="914400" rtl="0" eaLnBrk="1" fontAlgn="auto" latinLnBrk="0" hangingPunct="1">
+                        <a:lnSpc>
+                          <a:spcPct val="100000"/>
+                        </a:lnSpc>
                         <a:spcBef>
                           <a:spcPts val="0"/>
                         </a:spcBef>
                         <a:spcAft>
                           <a:spcPts val="0"/>
                         </a:spcAft>
+                        <a:buClr>
+                          <a:srgbClr val="000000"/>
+                        </a:buClr>
+                        <a:buSzTx/>
+                        <a:buFont typeface="Arial"/>
                         <a:buNone/>
+                        <a:tabLst/>
+                        <a:defRPr/>
                       </a:pPr>
                       <a:r>
-                        <a:rPr lang="en-US" altLang="ko-KR" sz="1000" u="none" strike="noStrike" cap="none" dirty="0"/>
-                        <a:t>int</a:t>
+                        <a:rPr kumimoji="0" lang="en-US" altLang="ko-KR" sz="1000" b="0" i="0" u="none" strike="noStrike" kern="0" cap="none" spc="0" normalizeH="0" baseline="0" noProof="0" dirty="0">
+                          <a:ln>
+                            <a:noFill/>
+                          </a:ln>
+                          <a:solidFill>
+                            <a:srgbClr val="000000"/>
+                          </a:solidFill>
+                          <a:effectLst/>
+                          <a:uLnTx/>
+                          <a:uFillTx/>
+                          <a:latin typeface="맑은 고딕"/>
+                          <a:ea typeface="맑은 고딕"/>
+                          <a:sym typeface="Arial"/>
+                        </a:rPr>
+                        <a:t>float</a:t>
                       </a:r>
-                      <a:endParaRPr lang="en-US" altLang="ko-KR" sz="1000" b="0" i="0" u="none" strike="noStrike" cap="none" dirty="0">
+                      <a:endParaRPr kumimoji="0" lang="en-US" altLang="ko-KR" sz="1000" b="0" i="0" u="none" strike="noStrike" kern="0" cap="none" spc="0" normalizeH="0" baseline="0" noProof="0" dirty="0">
+                        <a:ln>
+                          <a:noFill/>
+                        </a:ln>
                         <a:solidFill>
                           <a:srgbClr val="000000"/>
                         </a:solidFill>
+                        <a:effectLst/>
+                        <a:uLnTx/>
+                        <a:uFillTx/>
                         <a:latin typeface="Malgun Gothic"/>
                         <a:ea typeface="Malgun Gothic"/>
                         <a:cs typeface="Malgun Gothic"/>
@@ -19787,7 +19918,7 @@
                 </a:tc>
                 <a:extLst>
                   <a:ext uri="{0D108BD9-81ED-4DB2-BD59-A6C34878D82A}">
-                    <a16:rowId xmlns:a16="http://schemas.microsoft.com/office/drawing/2014/main" xmlns="" val="3650184020"/>
+                    <a16:rowId xmlns:a16="http://schemas.microsoft.com/office/drawing/2014/main" val="3650184020"/>
                   </a:ext>
                 </a:extLst>
               </a:tr>
@@ -19967,7 +20098,7 @@
                 </a:tc>
                 <a:extLst>
                   <a:ext uri="{0D108BD9-81ED-4DB2-BD59-A6C34878D82A}">
-                    <a16:rowId xmlns:a16="http://schemas.microsoft.com/office/drawing/2014/main" xmlns="" val="10008"/>
+                    <a16:rowId xmlns:a16="http://schemas.microsoft.com/office/drawing/2014/main" val="10008"/>
                   </a:ext>
                 </a:extLst>
               </a:tr>
@@ -20130,7 +20261,7 @@
                 </a:tc>
                 <a:extLst>
                   <a:ext uri="{0D108BD9-81ED-4DB2-BD59-A6C34878D82A}">
-                    <a16:rowId xmlns:a16="http://schemas.microsoft.com/office/drawing/2014/main" xmlns="" val="10011"/>
+                    <a16:rowId xmlns:a16="http://schemas.microsoft.com/office/drawing/2014/main" val="10011"/>
                   </a:ext>
                 </a:extLst>
               </a:tr>
@@ -20767,7 +20898,7 @@
           <p:cNvPr id="32" name="그림 31">
             <a:extLst>
               <a:ext uri="{FF2B5EF4-FFF2-40B4-BE49-F238E27FC236}">
-                <a16:creationId xmlns:a16="http://schemas.microsoft.com/office/drawing/2014/main" xmlns="" id="{AAB76261-8B79-4437-AD8C-F2D9CB31FEAB}"/>
+                <a16:creationId xmlns:a16="http://schemas.microsoft.com/office/drawing/2014/main" id="{AAB76261-8B79-4437-AD8C-F2D9CB31FEAB}"/>
               </a:ext>
             </a:extLst>
           </p:cNvPr>
@@ -20801,7 +20932,7 @@
           <p:cNvPr id="33" name="그림 32">
             <a:extLst>
               <a:ext uri="{FF2B5EF4-FFF2-40B4-BE49-F238E27FC236}">
-                <a16:creationId xmlns:a16="http://schemas.microsoft.com/office/drawing/2014/main" xmlns="" id="{D9F16B63-7CB9-411E-B5B4-37DBE730DC0B}"/>
+                <a16:creationId xmlns:a16="http://schemas.microsoft.com/office/drawing/2014/main" id="{D9F16B63-7CB9-411E-B5B4-37DBE730DC0B}"/>
               </a:ext>
             </a:extLst>
           </p:cNvPr>
@@ -20835,7 +20966,7 @@
           <p:cNvPr id="36" name="Google Shape;194;p7">
             <a:extLst>
               <a:ext uri="{FF2B5EF4-FFF2-40B4-BE49-F238E27FC236}">
-                <a16:creationId xmlns:a16="http://schemas.microsoft.com/office/drawing/2014/main" xmlns="" id="{E90C8B06-383C-4F2B-9A56-555FF628D648}"/>
+                <a16:creationId xmlns:a16="http://schemas.microsoft.com/office/drawing/2014/main" id="{E90C8B06-383C-4F2B-9A56-555FF628D648}"/>
               </a:ext>
             </a:extLst>
           </p:cNvPr>
@@ -21046,7 +21177,7 @@
           <p:cNvPr id="37" name="Google Shape;194;p7">
             <a:extLst>
               <a:ext uri="{FF2B5EF4-FFF2-40B4-BE49-F238E27FC236}">
-                <a16:creationId xmlns:a16="http://schemas.microsoft.com/office/drawing/2014/main" xmlns="" id="{09548E0A-1343-411A-BC73-4D9F3E581645}"/>
+                <a16:creationId xmlns:a16="http://schemas.microsoft.com/office/drawing/2014/main" id="{09548E0A-1343-411A-BC73-4D9F3E581645}"/>
               </a:ext>
             </a:extLst>
           </p:cNvPr>
@@ -21198,7 +21329,7 @@
           <p:nvPr>
             <p:extLst>
               <p:ext uri="{D42A27DB-BD31-4B8C-83A1-F6EECF244321}">
-                <p14:modId xmlns:p14="http://schemas.microsoft.com/office/powerpoint/2010/main" val="3186433243"/>
+                <p14:modId xmlns:p14="http://schemas.microsoft.com/office/powerpoint/2010/main" val="574717054"/>
               </p:ext>
             </p:extLst>
           </p:nvPr>
@@ -21218,42 +21349,42 @@
                 <a:gridCol w="1281275">
                   <a:extLst>
                     <a:ext uri="{9D8B030D-6E8A-4147-A177-3AD203B41FA5}">
-                      <a16:colId xmlns:a16="http://schemas.microsoft.com/office/drawing/2014/main" xmlns="" val="20000"/>
+                      <a16:colId xmlns:a16="http://schemas.microsoft.com/office/drawing/2014/main" val="20000"/>
                     </a:ext>
                   </a:extLst>
                 </a:gridCol>
                 <a:gridCol w="737175">
                   <a:extLst>
                     <a:ext uri="{9D8B030D-6E8A-4147-A177-3AD203B41FA5}">
-                      <a16:colId xmlns:a16="http://schemas.microsoft.com/office/drawing/2014/main" xmlns="" val="20001"/>
+                      <a16:colId xmlns:a16="http://schemas.microsoft.com/office/drawing/2014/main" val="20001"/>
                     </a:ext>
                   </a:extLst>
                 </a:gridCol>
                 <a:gridCol w="855650">
                   <a:extLst>
                     <a:ext uri="{9D8B030D-6E8A-4147-A177-3AD203B41FA5}">
-                      <a16:colId xmlns:a16="http://schemas.microsoft.com/office/drawing/2014/main" xmlns="" val="20002"/>
+                      <a16:colId xmlns:a16="http://schemas.microsoft.com/office/drawing/2014/main" val="20002"/>
                     </a:ext>
                   </a:extLst>
                 </a:gridCol>
                 <a:gridCol w="860025">
                   <a:extLst>
                     <a:ext uri="{9D8B030D-6E8A-4147-A177-3AD203B41FA5}">
-                      <a16:colId xmlns:a16="http://schemas.microsoft.com/office/drawing/2014/main" xmlns="" val="20003"/>
+                      <a16:colId xmlns:a16="http://schemas.microsoft.com/office/drawing/2014/main" val="20003"/>
                     </a:ext>
                   </a:extLst>
                 </a:gridCol>
                 <a:gridCol w="618275">
                   <a:extLst>
                     <a:ext uri="{9D8B030D-6E8A-4147-A177-3AD203B41FA5}">
-                      <a16:colId xmlns:a16="http://schemas.microsoft.com/office/drawing/2014/main" xmlns="" val="20004"/>
+                      <a16:colId xmlns:a16="http://schemas.microsoft.com/office/drawing/2014/main" val="20004"/>
                     </a:ext>
                   </a:extLst>
                 </a:gridCol>
                 <a:gridCol w="3903500">
                   <a:extLst>
                     <a:ext uri="{9D8B030D-6E8A-4147-A177-3AD203B41FA5}">
-                      <a16:colId xmlns:a16="http://schemas.microsoft.com/office/drawing/2014/main" xmlns="" val="20005"/>
+                      <a16:colId xmlns:a16="http://schemas.microsoft.com/office/drawing/2014/main" val="20005"/>
                     </a:ext>
                   </a:extLst>
                 </a:gridCol>
@@ -21430,7 +21561,7 @@
                 </a:tc>
                 <a:extLst>
                   <a:ext uri="{0D108BD9-81ED-4DB2-BD59-A6C34878D82A}">
-                    <a16:rowId xmlns:a16="http://schemas.microsoft.com/office/drawing/2014/main" xmlns="" val="10000"/>
+                    <a16:rowId xmlns:a16="http://schemas.microsoft.com/office/drawing/2014/main" val="10000"/>
                   </a:ext>
                 </a:extLst>
               </a:tr>
@@ -21581,7 +21712,7 @@
                 </a:tc>
                 <a:extLst>
                   <a:ext uri="{0D108BD9-81ED-4DB2-BD59-A6C34878D82A}">
-                    <a16:rowId xmlns:a16="http://schemas.microsoft.com/office/drawing/2014/main" xmlns="" val="10001"/>
+                    <a16:rowId xmlns:a16="http://schemas.microsoft.com/office/drawing/2014/main" val="10001"/>
                   </a:ext>
                 </a:extLst>
               </a:tr>
@@ -21732,7 +21863,7 @@
                 </a:tc>
                 <a:extLst>
                   <a:ext uri="{0D108BD9-81ED-4DB2-BD59-A6C34878D82A}">
-                    <a16:rowId xmlns:a16="http://schemas.microsoft.com/office/drawing/2014/main" xmlns="" val="10002"/>
+                    <a16:rowId xmlns:a16="http://schemas.microsoft.com/office/drawing/2014/main" val="10002"/>
                   </a:ext>
                 </a:extLst>
               </a:tr>
@@ -21824,23 +21955,52 @@
                     <a:bodyPr/>
                     <a:lstStyle/>
                     <a:p>
-                      <a:pPr marL="0" marR="0" lvl="0" indent="0" algn="ctr" rtl="0">
+                      <a:pPr marL="0" marR="0" lvl="0" indent="0" algn="ctr" defTabSz="914400" rtl="0" eaLnBrk="1" fontAlgn="auto" latinLnBrk="0" hangingPunct="1">
+                        <a:lnSpc>
+                          <a:spcPct val="100000"/>
+                        </a:lnSpc>
                         <a:spcBef>
                           <a:spcPts val="0"/>
                         </a:spcBef>
                         <a:spcAft>
                           <a:spcPts val="0"/>
                         </a:spcAft>
+                        <a:buClr>
+                          <a:srgbClr val="000000"/>
+                        </a:buClr>
+                        <a:buSzTx/>
+                        <a:buFont typeface="Arial"/>
                         <a:buNone/>
+                        <a:tabLst/>
+                        <a:defRPr/>
                       </a:pPr>
                       <a:r>
-                        <a:rPr lang="ko-KR" sz="1000" u="none" strike="noStrike" cap="none"/>
+                        <a:rPr kumimoji="0" lang="en-US" altLang="ko-KR" sz="1000" b="0" i="0" u="none" strike="noStrike" kern="0" cap="none" spc="0" normalizeH="0" baseline="0" noProof="0">
+                          <a:ln>
+                            <a:noFill/>
+                          </a:ln>
+                          <a:solidFill>
+                            <a:srgbClr val="000000"/>
+                          </a:solidFill>
+                          <a:effectLst/>
+                          <a:uLnTx/>
+                          <a:uFillTx/>
+                          <a:latin typeface="맑은 고딕"/>
+                          <a:ea typeface="맑은 고딕"/>
+                          <a:sym typeface="Arial"/>
+                        </a:rPr>
                         <a:t>int</a:t>
                       </a:r>
-                      <a:endParaRPr sz="1000" b="0" i="0" u="none" strike="noStrike" cap="none">
+                      <a:endParaRPr kumimoji="0" lang="en-US" altLang="ko-KR" sz="1000" b="0" i="0" u="none" strike="noStrike" kern="0" cap="none" spc="0" normalizeH="0" baseline="0" noProof="0" dirty="0">
+                        <a:ln>
+                          <a:noFill/>
+                        </a:ln>
                         <a:solidFill>
                           <a:srgbClr val="000000"/>
                         </a:solidFill>
+                        <a:effectLst/>
+                        <a:uLnTx/>
+                        <a:uFillTx/>
                         <a:latin typeface="Malgun Gothic"/>
                         <a:ea typeface="Malgun Gothic"/>
                         <a:cs typeface="Malgun Gothic"/>
@@ -21883,7 +22043,7 @@
                 </a:tc>
                 <a:extLst>
                   <a:ext uri="{0D108BD9-81ED-4DB2-BD59-A6C34878D82A}">
-                    <a16:rowId xmlns:a16="http://schemas.microsoft.com/office/drawing/2014/main" xmlns="" val="10003"/>
+                    <a16:rowId xmlns:a16="http://schemas.microsoft.com/office/drawing/2014/main" val="10003"/>
                   </a:ext>
                 </a:extLst>
               </a:tr>
@@ -21975,23 +22135,52 @@
                     <a:bodyPr/>
                     <a:lstStyle/>
                     <a:p>
-                      <a:pPr marL="0" marR="0" lvl="0" indent="0" algn="ctr" rtl="0">
+                      <a:pPr marL="0" marR="0" lvl="0" indent="0" algn="ctr" defTabSz="914400" rtl="0" eaLnBrk="1" fontAlgn="auto" latinLnBrk="0" hangingPunct="1">
+                        <a:lnSpc>
+                          <a:spcPct val="100000"/>
+                        </a:lnSpc>
                         <a:spcBef>
                           <a:spcPts val="0"/>
                         </a:spcBef>
                         <a:spcAft>
                           <a:spcPts val="0"/>
                         </a:spcAft>
+                        <a:buClr>
+                          <a:srgbClr val="000000"/>
+                        </a:buClr>
+                        <a:buSzTx/>
+                        <a:buFont typeface="Arial"/>
                         <a:buNone/>
+                        <a:tabLst/>
+                        <a:defRPr/>
                       </a:pPr>
                       <a:r>
-                        <a:rPr lang="ko-KR" sz="1000" u="none" strike="noStrike" cap="none"/>
+                        <a:rPr kumimoji="0" lang="en-US" altLang="ko-KR" sz="1000" b="0" i="0" u="none" strike="noStrike" kern="0" cap="none" spc="0" normalizeH="0" baseline="0" noProof="0" dirty="0">
+                          <a:ln>
+                            <a:noFill/>
+                          </a:ln>
+                          <a:solidFill>
+                            <a:srgbClr val="000000"/>
+                          </a:solidFill>
+                          <a:effectLst/>
+                          <a:uLnTx/>
+                          <a:uFillTx/>
+                          <a:latin typeface="맑은 고딕"/>
+                          <a:ea typeface="맑은 고딕"/>
+                          <a:sym typeface="Arial"/>
+                        </a:rPr>
                         <a:t>int</a:t>
                       </a:r>
-                      <a:endParaRPr sz="1000" b="0" i="0" u="none" strike="noStrike" cap="none">
+                      <a:endParaRPr kumimoji="0" lang="en-US" altLang="ko-KR" sz="1000" b="0" i="0" u="none" strike="noStrike" kern="0" cap="none" spc="0" normalizeH="0" baseline="0" noProof="0" dirty="0">
+                        <a:ln>
+                          <a:noFill/>
+                        </a:ln>
                         <a:solidFill>
                           <a:srgbClr val="000000"/>
                         </a:solidFill>
+                        <a:effectLst/>
+                        <a:uLnTx/>
+                        <a:uFillTx/>
                         <a:latin typeface="Malgun Gothic"/>
                         <a:ea typeface="Malgun Gothic"/>
                         <a:cs typeface="Malgun Gothic"/>
@@ -22066,7 +22255,7 @@
                 </a:tc>
                 <a:extLst>
                   <a:ext uri="{0D108BD9-81ED-4DB2-BD59-A6C34878D82A}">
-                    <a16:rowId xmlns:a16="http://schemas.microsoft.com/office/drawing/2014/main" xmlns="" val="10004"/>
+                    <a16:rowId xmlns:a16="http://schemas.microsoft.com/office/drawing/2014/main" val="10004"/>
                   </a:ext>
                 </a:extLst>
               </a:tr>
@@ -22187,23 +22376,52 @@
                     <a:bodyPr/>
                     <a:lstStyle/>
                     <a:p>
-                      <a:pPr marL="0" marR="0" lvl="0" indent="0" algn="ctr" rtl="0">
+                      <a:pPr marL="0" marR="0" lvl="0" indent="0" algn="ctr" defTabSz="914400" rtl="0" eaLnBrk="1" fontAlgn="auto" latinLnBrk="0" hangingPunct="1">
+                        <a:lnSpc>
+                          <a:spcPct val="100000"/>
+                        </a:lnSpc>
                         <a:spcBef>
                           <a:spcPts val="0"/>
                         </a:spcBef>
                         <a:spcAft>
                           <a:spcPts val="0"/>
                         </a:spcAft>
+                        <a:buClr>
+                          <a:srgbClr val="000000"/>
+                        </a:buClr>
+                        <a:buSzTx/>
+                        <a:buFont typeface="Arial"/>
                         <a:buNone/>
+                        <a:tabLst/>
+                        <a:defRPr/>
                       </a:pPr>
                       <a:r>
-                        <a:rPr lang="ko-KR" sz="1000" u="none" strike="noStrike" cap="none"/>
+                        <a:rPr kumimoji="0" lang="en-US" altLang="ko-KR" sz="1000" b="0" i="0" u="none" strike="noStrike" kern="0" cap="none" spc="0" normalizeH="0" baseline="0" noProof="0">
+                          <a:ln>
+                            <a:noFill/>
+                          </a:ln>
+                          <a:solidFill>
+                            <a:srgbClr val="000000"/>
+                          </a:solidFill>
+                          <a:effectLst/>
+                          <a:uLnTx/>
+                          <a:uFillTx/>
+                          <a:latin typeface="맑은 고딕"/>
+                          <a:ea typeface="맑은 고딕"/>
+                          <a:sym typeface="Arial"/>
+                        </a:rPr>
                         <a:t>float</a:t>
                       </a:r>
-                      <a:endParaRPr sz="1000" b="0" i="0" u="none" strike="noStrike" cap="none">
+                      <a:endParaRPr kumimoji="0" lang="en-US" altLang="ko-KR" sz="1000" b="0" i="0" u="none" strike="noStrike" kern="0" cap="none" spc="0" normalizeH="0" baseline="0" noProof="0" dirty="0">
+                        <a:ln>
+                          <a:noFill/>
+                        </a:ln>
                         <a:solidFill>
                           <a:srgbClr val="000000"/>
                         </a:solidFill>
+                        <a:effectLst/>
+                        <a:uLnTx/>
+                        <a:uFillTx/>
                         <a:latin typeface="Malgun Gothic"/>
                         <a:ea typeface="Malgun Gothic"/>
                         <a:cs typeface="Malgun Gothic"/>
@@ -22250,7 +22468,7 @@
                 </a:tc>
                 <a:extLst>
                   <a:ext uri="{0D108BD9-81ED-4DB2-BD59-A6C34878D82A}">
-                    <a16:rowId xmlns:a16="http://schemas.microsoft.com/office/drawing/2014/main" xmlns="" val="10005"/>
+                    <a16:rowId xmlns:a16="http://schemas.microsoft.com/office/drawing/2014/main" val="10005"/>
                   </a:ext>
                 </a:extLst>
               </a:tr>
@@ -22354,23 +22572,52 @@
                     <a:bodyPr/>
                     <a:lstStyle/>
                     <a:p>
-                      <a:pPr marL="0" marR="0" lvl="0" indent="0" algn="ctr" rtl="0">
+                      <a:pPr marL="0" marR="0" lvl="0" indent="0" algn="ctr" defTabSz="914400" rtl="0" eaLnBrk="1" fontAlgn="auto" latinLnBrk="0" hangingPunct="1">
+                        <a:lnSpc>
+                          <a:spcPct val="100000"/>
+                        </a:lnSpc>
                         <a:spcBef>
                           <a:spcPts val="0"/>
                         </a:spcBef>
                         <a:spcAft>
                           <a:spcPts val="0"/>
                         </a:spcAft>
+                        <a:buClr>
+                          <a:srgbClr val="000000"/>
+                        </a:buClr>
+                        <a:buSzTx/>
+                        <a:buFont typeface="Arial"/>
                         <a:buNone/>
+                        <a:tabLst/>
+                        <a:defRPr/>
                       </a:pPr>
                       <a:r>
-                        <a:rPr lang="ko-KR" sz="1000" u="none" strike="noStrike" cap="none" dirty="0" err="1"/>
+                        <a:rPr kumimoji="0" lang="en-US" altLang="ko-KR" sz="1000" b="0" i="0" u="none" strike="noStrike" kern="0" cap="none" spc="0" normalizeH="0" baseline="0" noProof="0">
+                          <a:ln>
+                            <a:noFill/>
+                          </a:ln>
+                          <a:solidFill>
+                            <a:srgbClr val="000000"/>
+                          </a:solidFill>
+                          <a:effectLst/>
+                          <a:uLnTx/>
+                          <a:uFillTx/>
+                          <a:latin typeface="맑은 고딕"/>
+                          <a:ea typeface="맑은 고딕"/>
+                          <a:sym typeface="Arial"/>
+                        </a:rPr>
                         <a:t>float</a:t>
                       </a:r>
-                      <a:endParaRPr sz="1000" b="0" i="0" u="none" strike="noStrike" cap="none" dirty="0">
+                      <a:endParaRPr kumimoji="0" lang="en-US" altLang="ko-KR" sz="1000" b="0" i="0" u="none" strike="noStrike" kern="0" cap="none" spc="0" normalizeH="0" baseline="0" noProof="0" dirty="0">
+                        <a:ln>
+                          <a:noFill/>
+                        </a:ln>
                         <a:solidFill>
                           <a:srgbClr val="000000"/>
                         </a:solidFill>
+                        <a:effectLst/>
+                        <a:uLnTx/>
+                        <a:uFillTx/>
                         <a:latin typeface="Malgun Gothic"/>
                         <a:ea typeface="Malgun Gothic"/>
                         <a:cs typeface="Malgun Gothic"/>
@@ -22445,7 +22692,7 @@
                 </a:tc>
                 <a:extLst>
                   <a:ext uri="{0D108BD9-81ED-4DB2-BD59-A6C34878D82A}">
-                    <a16:rowId xmlns:a16="http://schemas.microsoft.com/office/drawing/2014/main" xmlns="" val="10006"/>
+                    <a16:rowId xmlns:a16="http://schemas.microsoft.com/office/drawing/2014/main" val="10006"/>
                   </a:ext>
                 </a:extLst>
               </a:tr>
@@ -22573,23 +22820,52 @@
                     <a:bodyPr/>
                     <a:lstStyle/>
                     <a:p>
-                      <a:pPr marL="0" marR="0" lvl="0" indent="0" algn="ctr" rtl="0">
+                      <a:pPr marL="0" marR="0" lvl="0" indent="0" algn="ctr" defTabSz="914400" rtl="0" eaLnBrk="1" fontAlgn="auto" latinLnBrk="0" hangingPunct="1">
+                        <a:lnSpc>
+                          <a:spcPct val="100000"/>
+                        </a:lnSpc>
                         <a:spcBef>
                           <a:spcPts val="0"/>
                         </a:spcBef>
                         <a:spcAft>
                           <a:spcPts val="0"/>
                         </a:spcAft>
+                        <a:buClr>
+                          <a:srgbClr val="000000"/>
+                        </a:buClr>
+                        <a:buSzTx/>
+                        <a:buFont typeface="Arial"/>
                         <a:buNone/>
+                        <a:tabLst/>
+                        <a:defRPr/>
                       </a:pPr>
                       <a:r>
-                        <a:rPr lang="en-US" altLang="ko-KR" sz="1000" u="none" strike="noStrike" cap="none" dirty="0"/>
-                        <a:t>int</a:t>
+                        <a:rPr kumimoji="0" lang="en-US" altLang="ko-KR" sz="1000" b="0" i="0" u="none" strike="noStrike" kern="0" cap="none" spc="0" normalizeH="0" baseline="0" noProof="0" dirty="0">
+                          <a:ln>
+                            <a:noFill/>
+                          </a:ln>
+                          <a:solidFill>
+                            <a:srgbClr val="000000"/>
+                          </a:solidFill>
+                          <a:effectLst/>
+                          <a:uLnTx/>
+                          <a:uFillTx/>
+                          <a:latin typeface="맑은 고딕"/>
+                          <a:ea typeface="맑은 고딕"/>
+                          <a:sym typeface="Arial"/>
+                        </a:rPr>
+                        <a:t>float</a:t>
                       </a:r>
-                      <a:endParaRPr lang="en-US" altLang="ko-KR" sz="1000" b="0" i="0" u="none" strike="noStrike" cap="none" dirty="0">
+                      <a:endParaRPr kumimoji="0" lang="en-US" altLang="ko-KR" sz="1000" b="0" i="0" u="none" strike="noStrike" kern="0" cap="none" spc="0" normalizeH="0" baseline="0" noProof="0" dirty="0">
+                        <a:ln>
+                          <a:noFill/>
+                        </a:ln>
                         <a:solidFill>
                           <a:srgbClr val="000000"/>
                         </a:solidFill>
+                        <a:effectLst/>
+                        <a:uLnTx/>
+                        <a:uFillTx/>
                         <a:latin typeface="Malgun Gothic"/>
                         <a:ea typeface="Malgun Gothic"/>
                         <a:cs typeface="Malgun Gothic"/>
@@ -22640,7 +22916,7 @@
                 </a:tc>
                 <a:extLst>
                   <a:ext uri="{0D108BD9-81ED-4DB2-BD59-A6C34878D82A}">
-                    <a16:rowId xmlns:a16="http://schemas.microsoft.com/office/drawing/2014/main" xmlns="" val="3650184020"/>
+                    <a16:rowId xmlns:a16="http://schemas.microsoft.com/office/drawing/2014/main" val="3650184020"/>
                   </a:ext>
                 </a:extLst>
               </a:tr>
@@ -22820,7 +23096,7 @@
                 </a:tc>
                 <a:extLst>
                   <a:ext uri="{0D108BD9-81ED-4DB2-BD59-A6C34878D82A}">
-                    <a16:rowId xmlns:a16="http://schemas.microsoft.com/office/drawing/2014/main" xmlns="" val="10008"/>
+                    <a16:rowId xmlns:a16="http://schemas.microsoft.com/office/drawing/2014/main" val="10008"/>
                   </a:ext>
                 </a:extLst>
               </a:tr>
@@ -22983,7 +23259,7 @@
                 </a:tc>
                 <a:extLst>
                   <a:ext uri="{0D108BD9-81ED-4DB2-BD59-A6C34878D82A}">
-                    <a16:rowId xmlns:a16="http://schemas.microsoft.com/office/drawing/2014/main" xmlns="" val="10011"/>
+                    <a16:rowId xmlns:a16="http://schemas.microsoft.com/office/drawing/2014/main" val="10011"/>
                   </a:ext>
                 </a:extLst>
               </a:tr>
@@ -23821,7 +24097,7 @@
           <p:cNvPr id="173" name="직사각형 172">
             <a:extLst>
               <a:ext uri="{FF2B5EF4-FFF2-40B4-BE49-F238E27FC236}">
-                <a16:creationId xmlns:a16="http://schemas.microsoft.com/office/drawing/2014/main" xmlns="" id="{5B6487C3-23AD-4D11-B6B4-052E7CB653C8}"/>
+                <a16:creationId xmlns:a16="http://schemas.microsoft.com/office/drawing/2014/main" id="{5B6487C3-23AD-4D11-B6B4-052E7CB653C8}"/>
               </a:ext>
             </a:extLst>
           </p:cNvPr>
@@ -23893,7 +24169,7 @@
           <p:cNvPr id="174" name="육각형 173">
             <a:extLst>
               <a:ext uri="{FF2B5EF4-FFF2-40B4-BE49-F238E27FC236}">
-                <a16:creationId xmlns:a16="http://schemas.microsoft.com/office/drawing/2014/main" xmlns="" id="{0494E30E-3230-4313-B992-1CFA4E1473D7}"/>
+                <a16:creationId xmlns:a16="http://schemas.microsoft.com/office/drawing/2014/main" id="{0494E30E-3230-4313-B992-1CFA4E1473D7}"/>
               </a:ext>
             </a:extLst>
           </p:cNvPr>
@@ -23966,7 +24242,7 @@
           <p:cNvPr id="175" name="육각형 174">
             <a:extLst>
               <a:ext uri="{FF2B5EF4-FFF2-40B4-BE49-F238E27FC236}">
-                <a16:creationId xmlns:a16="http://schemas.microsoft.com/office/drawing/2014/main" xmlns="" id="{10F100B0-106B-46DB-A698-BB36A0FCA65C}"/>
+                <a16:creationId xmlns:a16="http://schemas.microsoft.com/office/drawing/2014/main" id="{10F100B0-106B-46DB-A698-BB36A0FCA65C}"/>
               </a:ext>
             </a:extLst>
           </p:cNvPr>
@@ -24039,7 +24315,7 @@
           <p:cNvPr id="181" name="육각형 180">
             <a:extLst>
               <a:ext uri="{FF2B5EF4-FFF2-40B4-BE49-F238E27FC236}">
-                <a16:creationId xmlns:a16="http://schemas.microsoft.com/office/drawing/2014/main" xmlns="" id="{44D2D10C-A1F9-4893-ACBB-C9FEA7452438}"/>
+                <a16:creationId xmlns:a16="http://schemas.microsoft.com/office/drawing/2014/main" id="{44D2D10C-A1F9-4893-ACBB-C9FEA7452438}"/>
               </a:ext>
             </a:extLst>
           </p:cNvPr>
@@ -24109,7 +24385,7 @@
           <p:cNvPr id="201" name="육각형 200">
             <a:extLst>
               <a:ext uri="{FF2B5EF4-FFF2-40B4-BE49-F238E27FC236}">
-                <a16:creationId xmlns:a16="http://schemas.microsoft.com/office/drawing/2014/main" xmlns="" id="{C064DA44-92ED-4462-A2A9-D9FA47D3B69D}"/>
+                <a16:creationId xmlns:a16="http://schemas.microsoft.com/office/drawing/2014/main" id="{C064DA44-92ED-4462-A2A9-D9FA47D3B69D}"/>
               </a:ext>
             </a:extLst>
           </p:cNvPr>
@@ -24179,7 +24455,7 @@
           <p:cNvPr id="202" name="육각형 201">
             <a:extLst>
               <a:ext uri="{FF2B5EF4-FFF2-40B4-BE49-F238E27FC236}">
-                <a16:creationId xmlns:a16="http://schemas.microsoft.com/office/drawing/2014/main" xmlns="" id="{90DFD328-3465-4768-A605-B2EE3566E6CD}"/>
+                <a16:creationId xmlns:a16="http://schemas.microsoft.com/office/drawing/2014/main" id="{90DFD328-3465-4768-A605-B2EE3566E6CD}"/>
               </a:ext>
             </a:extLst>
           </p:cNvPr>
@@ -24252,7 +24528,7 @@
           <p:cNvPr id="203" name="육각형 202">
             <a:extLst>
               <a:ext uri="{FF2B5EF4-FFF2-40B4-BE49-F238E27FC236}">
-                <a16:creationId xmlns:a16="http://schemas.microsoft.com/office/drawing/2014/main" xmlns="" id="{478EEA2C-A08A-4463-921D-15824D5B2591}"/>
+                <a16:creationId xmlns:a16="http://schemas.microsoft.com/office/drawing/2014/main" id="{478EEA2C-A08A-4463-921D-15824D5B2591}"/>
               </a:ext>
             </a:extLst>
           </p:cNvPr>
@@ -24325,7 +24601,7 @@
           <p:cNvPr id="204" name="육각형 203">
             <a:extLst>
               <a:ext uri="{FF2B5EF4-FFF2-40B4-BE49-F238E27FC236}">
-                <a16:creationId xmlns:a16="http://schemas.microsoft.com/office/drawing/2014/main" xmlns="" id="{77B9E116-4063-4C4D-9A3B-106F1E0299B0}"/>
+                <a16:creationId xmlns:a16="http://schemas.microsoft.com/office/drawing/2014/main" id="{77B9E116-4063-4C4D-9A3B-106F1E0299B0}"/>
               </a:ext>
             </a:extLst>
           </p:cNvPr>
@@ -24398,7 +24674,7 @@
           <p:cNvPr id="205" name="육각형 204">
             <a:extLst>
               <a:ext uri="{FF2B5EF4-FFF2-40B4-BE49-F238E27FC236}">
-                <a16:creationId xmlns:a16="http://schemas.microsoft.com/office/drawing/2014/main" xmlns="" id="{99C96727-7CD4-4462-A878-930D8322BFE6}"/>
+                <a16:creationId xmlns:a16="http://schemas.microsoft.com/office/drawing/2014/main" id="{99C96727-7CD4-4462-A878-930D8322BFE6}"/>
               </a:ext>
             </a:extLst>
           </p:cNvPr>
@@ -24468,7 +24744,7 @@
           <p:cNvPr id="206" name="육각형 205">
             <a:extLst>
               <a:ext uri="{FF2B5EF4-FFF2-40B4-BE49-F238E27FC236}">
-                <a16:creationId xmlns:a16="http://schemas.microsoft.com/office/drawing/2014/main" xmlns="" id="{792EAC3C-B082-4636-86E5-8B0BA89EE448}"/>
+                <a16:creationId xmlns:a16="http://schemas.microsoft.com/office/drawing/2014/main" id="{792EAC3C-B082-4636-86E5-8B0BA89EE448}"/>
               </a:ext>
             </a:extLst>
           </p:cNvPr>
@@ -24538,7 +24814,7 @@
           <p:cNvPr id="207" name="육각형 206">
             <a:extLst>
               <a:ext uri="{FF2B5EF4-FFF2-40B4-BE49-F238E27FC236}">
-                <a16:creationId xmlns:a16="http://schemas.microsoft.com/office/drawing/2014/main" xmlns="" id="{8F0966E7-5B0B-4ED9-A44C-606724EED3DB}"/>
+                <a16:creationId xmlns:a16="http://schemas.microsoft.com/office/drawing/2014/main" id="{8F0966E7-5B0B-4ED9-A44C-606724EED3DB}"/>
               </a:ext>
             </a:extLst>
           </p:cNvPr>
@@ -24608,7 +24884,7 @@
           <p:cNvPr id="208" name="육각형 207">
             <a:extLst>
               <a:ext uri="{FF2B5EF4-FFF2-40B4-BE49-F238E27FC236}">
-                <a16:creationId xmlns:a16="http://schemas.microsoft.com/office/drawing/2014/main" xmlns="" id="{7C94DA51-9ECB-40B8-9998-BF32C38D8E5F}"/>
+                <a16:creationId xmlns:a16="http://schemas.microsoft.com/office/drawing/2014/main" id="{7C94DA51-9ECB-40B8-9998-BF32C38D8E5F}"/>
               </a:ext>
             </a:extLst>
           </p:cNvPr>
@@ -24681,7 +24957,7 @@
           <p:cNvPr id="209" name="육각형 208">
             <a:extLst>
               <a:ext uri="{FF2B5EF4-FFF2-40B4-BE49-F238E27FC236}">
-                <a16:creationId xmlns:a16="http://schemas.microsoft.com/office/drawing/2014/main" xmlns="" id="{4EE7A0FE-F084-4CDB-ADED-CEDAB1A12FE7}"/>
+                <a16:creationId xmlns:a16="http://schemas.microsoft.com/office/drawing/2014/main" id="{4EE7A0FE-F084-4CDB-ADED-CEDAB1A12FE7}"/>
               </a:ext>
             </a:extLst>
           </p:cNvPr>
@@ -24754,7 +25030,7 @@
           <p:cNvPr id="210" name="육각형 209">
             <a:extLst>
               <a:ext uri="{FF2B5EF4-FFF2-40B4-BE49-F238E27FC236}">
-                <a16:creationId xmlns:a16="http://schemas.microsoft.com/office/drawing/2014/main" xmlns="" id="{9D519654-2632-4C07-A47A-FA14700A05BB}"/>
+                <a16:creationId xmlns:a16="http://schemas.microsoft.com/office/drawing/2014/main" id="{9D519654-2632-4C07-A47A-FA14700A05BB}"/>
               </a:ext>
             </a:extLst>
           </p:cNvPr>
@@ -24827,7 +25103,7 @@
           <p:cNvPr id="211" name="육각형 210">
             <a:extLst>
               <a:ext uri="{FF2B5EF4-FFF2-40B4-BE49-F238E27FC236}">
-                <a16:creationId xmlns:a16="http://schemas.microsoft.com/office/drawing/2014/main" xmlns="" id="{79B1D371-9EDA-4213-B8D1-EBEA69B46452}"/>
+                <a16:creationId xmlns:a16="http://schemas.microsoft.com/office/drawing/2014/main" id="{79B1D371-9EDA-4213-B8D1-EBEA69B46452}"/>
               </a:ext>
             </a:extLst>
           </p:cNvPr>
@@ -24900,7 +25176,7 @@
           <p:cNvPr id="212" name="육각형 211">
             <a:extLst>
               <a:ext uri="{FF2B5EF4-FFF2-40B4-BE49-F238E27FC236}">
-                <a16:creationId xmlns:a16="http://schemas.microsoft.com/office/drawing/2014/main" xmlns="" id="{340716B6-D234-4FD1-85E6-952F655FD78B}"/>
+                <a16:creationId xmlns:a16="http://schemas.microsoft.com/office/drawing/2014/main" id="{340716B6-D234-4FD1-85E6-952F655FD78B}"/>
               </a:ext>
             </a:extLst>
           </p:cNvPr>
@@ -24970,7 +25246,7 @@
           <p:cNvPr id="213" name="육각형 212">
             <a:extLst>
               <a:ext uri="{FF2B5EF4-FFF2-40B4-BE49-F238E27FC236}">
-                <a16:creationId xmlns:a16="http://schemas.microsoft.com/office/drawing/2014/main" xmlns="" id="{68239BD3-7106-4767-8366-77BA3EF57DA7}"/>
+                <a16:creationId xmlns:a16="http://schemas.microsoft.com/office/drawing/2014/main" id="{68239BD3-7106-4767-8366-77BA3EF57DA7}"/>
               </a:ext>
             </a:extLst>
           </p:cNvPr>
@@ -25040,7 +25316,7 @@
           <p:cNvPr id="214" name="육각형 213">
             <a:extLst>
               <a:ext uri="{FF2B5EF4-FFF2-40B4-BE49-F238E27FC236}">
-                <a16:creationId xmlns:a16="http://schemas.microsoft.com/office/drawing/2014/main" xmlns="" id="{693ED86F-2997-45BD-AA37-80C2A83C8678}"/>
+                <a16:creationId xmlns:a16="http://schemas.microsoft.com/office/drawing/2014/main" id="{693ED86F-2997-45BD-AA37-80C2A83C8678}"/>
               </a:ext>
             </a:extLst>
           </p:cNvPr>
@@ -25110,7 +25386,7 @@
           <p:cNvPr id="215" name="육각형 214">
             <a:extLst>
               <a:ext uri="{FF2B5EF4-FFF2-40B4-BE49-F238E27FC236}">
-                <a16:creationId xmlns:a16="http://schemas.microsoft.com/office/drawing/2014/main" xmlns="" id="{21114191-55BA-40B1-ADD7-0993382C1B3D}"/>
+                <a16:creationId xmlns:a16="http://schemas.microsoft.com/office/drawing/2014/main" id="{21114191-55BA-40B1-ADD7-0993382C1B3D}"/>
               </a:ext>
             </a:extLst>
           </p:cNvPr>
@@ -25183,7 +25459,7 @@
           <p:cNvPr id="216" name="육각형 215">
             <a:extLst>
               <a:ext uri="{FF2B5EF4-FFF2-40B4-BE49-F238E27FC236}">
-                <a16:creationId xmlns:a16="http://schemas.microsoft.com/office/drawing/2014/main" xmlns="" id="{E393354E-6717-46DC-A3D2-25EA9296B12E}"/>
+                <a16:creationId xmlns:a16="http://schemas.microsoft.com/office/drawing/2014/main" id="{E393354E-6717-46DC-A3D2-25EA9296B12E}"/>
               </a:ext>
             </a:extLst>
           </p:cNvPr>
@@ -25256,7 +25532,7 @@
           <p:cNvPr id="217" name="육각형 216">
             <a:extLst>
               <a:ext uri="{FF2B5EF4-FFF2-40B4-BE49-F238E27FC236}">
-                <a16:creationId xmlns:a16="http://schemas.microsoft.com/office/drawing/2014/main" xmlns="" id="{563E3514-CDE1-4C27-821D-CE18401C1983}"/>
+                <a16:creationId xmlns:a16="http://schemas.microsoft.com/office/drawing/2014/main" id="{563E3514-CDE1-4C27-821D-CE18401C1983}"/>
               </a:ext>
             </a:extLst>
           </p:cNvPr>
@@ -25329,7 +25605,7 @@
           <p:cNvPr id="218" name="육각형 217">
             <a:extLst>
               <a:ext uri="{FF2B5EF4-FFF2-40B4-BE49-F238E27FC236}">
-                <a16:creationId xmlns:a16="http://schemas.microsoft.com/office/drawing/2014/main" xmlns="" id="{EC93E1CB-1164-46C2-BEE1-C5763A2F7612}"/>
+                <a16:creationId xmlns:a16="http://schemas.microsoft.com/office/drawing/2014/main" id="{EC93E1CB-1164-46C2-BEE1-C5763A2F7612}"/>
               </a:ext>
             </a:extLst>
           </p:cNvPr>
@@ -25399,7 +25675,7 @@
           <p:cNvPr id="219" name="육각형 218">
             <a:extLst>
               <a:ext uri="{FF2B5EF4-FFF2-40B4-BE49-F238E27FC236}">
-                <a16:creationId xmlns:a16="http://schemas.microsoft.com/office/drawing/2014/main" xmlns="" id="{18BBE693-7075-472C-9FB7-1E2CFB29B0FD}"/>
+                <a16:creationId xmlns:a16="http://schemas.microsoft.com/office/drawing/2014/main" id="{18BBE693-7075-472C-9FB7-1E2CFB29B0FD}"/>
               </a:ext>
             </a:extLst>
           </p:cNvPr>
@@ -25469,7 +25745,7 @@
           <p:cNvPr id="220" name="육각형 219">
             <a:extLst>
               <a:ext uri="{FF2B5EF4-FFF2-40B4-BE49-F238E27FC236}">
-                <a16:creationId xmlns:a16="http://schemas.microsoft.com/office/drawing/2014/main" xmlns="" id="{8D64816D-5234-4626-8671-752AE66D6067}"/>
+                <a16:creationId xmlns:a16="http://schemas.microsoft.com/office/drawing/2014/main" id="{8D64816D-5234-4626-8671-752AE66D6067}"/>
               </a:ext>
             </a:extLst>
           </p:cNvPr>
@@ -25539,7 +25815,7 @@
           <p:cNvPr id="221" name="육각형 220">
             <a:extLst>
               <a:ext uri="{FF2B5EF4-FFF2-40B4-BE49-F238E27FC236}">
-                <a16:creationId xmlns:a16="http://schemas.microsoft.com/office/drawing/2014/main" xmlns="" id="{F4C88F76-C614-490B-AC2D-BC93B8E71989}"/>
+                <a16:creationId xmlns:a16="http://schemas.microsoft.com/office/drawing/2014/main" id="{F4C88F76-C614-490B-AC2D-BC93B8E71989}"/>
               </a:ext>
             </a:extLst>
           </p:cNvPr>
@@ -25612,7 +25888,7 @@
           <p:cNvPr id="222" name="육각형 221">
             <a:extLst>
               <a:ext uri="{FF2B5EF4-FFF2-40B4-BE49-F238E27FC236}">
-                <a16:creationId xmlns:a16="http://schemas.microsoft.com/office/drawing/2014/main" xmlns="" id="{65FEBCD8-BD11-4A53-843C-3E8CE95D253E}"/>
+                <a16:creationId xmlns:a16="http://schemas.microsoft.com/office/drawing/2014/main" id="{65FEBCD8-BD11-4A53-843C-3E8CE95D253E}"/>
               </a:ext>
             </a:extLst>
           </p:cNvPr>
@@ -25685,7 +25961,7 @@
           <p:cNvPr id="223" name="육각형 222">
             <a:extLst>
               <a:ext uri="{FF2B5EF4-FFF2-40B4-BE49-F238E27FC236}">
-                <a16:creationId xmlns:a16="http://schemas.microsoft.com/office/drawing/2014/main" xmlns="" id="{47B91BDE-A613-4F19-A68E-C555C4547A84}"/>
+                <a16:creationId xmlns:a16="http://schemas.microsoft.com/office/drawing/2014/main" id="{47B91BDE-A613-4F19-A68E-C555C4547A84}"/>
               </a:ext>
             </a:extLst>
           </p:cNvPr>
@@ -25758,7 +26034,7 @@
           <p:cNvPr id="224" name="육각형 223">
             <a:extLst>
               <a:ext uri="{FF2B5EF4-FFF2-40B4-BE49-F238E27FC236}">
-                <a16:creationId xmlns:a16="http://schemas.microsoft.com/office/drawing/2014/main" xmlns="" id="{EC431FEB-4F83-4912-A246-CD3E301722A1}"/>
+                <a16:creationId xmlns:a16="http://schemas.microsoft.com/office/drawing/2014/main" id="{EC431FEB-4F83-4912-A246-CD3E301722A1}"/>
               </a:ext>
             </a:extLst>
           </p:cNvPr>
@@ -25831,7 +26107,7 @@
           <p:cNvPr id="225" name="육각형 224">
             <a:extLst>
               <a:ext uri="{FF2B5EF4-FFF2-40B4-BE49-F238E27FC236}">
-                <a16:creationId xmlns:a16="http://schemas.microsoft.com/office/drawing/2014/main" xmlns="" id="{4B5B297B-0052-465E-ADE2-321891551959}"/>
+                <a16:creationId xmlns:a16="http://schemas.microsoft.com/office/drawing/2014/main" id="{4B5B297B-0052-465E-ADE2-321891551959}"/>
               </a:ext>
             </a:extLst>
           </p:cNvPr>
@@ -25901,7 +26177,7 @@
           <p:cNvPr id="226" name="육각형 225">
             <a:extLst>
               <a:ext uri="{FF2B5EF4-FFF2-40B4-BE49-F238E27FC236}">
-                <a16:creationId xmlns:a16="http://schemas.microsoft.com/office/drawing/2014/main" xmlns="" id="{989ACD9D-F9D6-49AB-A31E-FAEFC10B8DC2}"/>
+                <a16:creationId xmlns:a16="http://schemas.microsoft.com/office/drawing/2014/main" id="{989ACD9D-F9D6-49AB-A31E-FAEFC10B8DC2}"/>
               </a:ext>
             </a:extLst>
           </p:cNvPr>
@@ -25971,7 +26247,7 @@
           <p:cNvPr id="227" name="육각형 226">
             <a:extLst>
               <a:ext uri="{FF2B5EF4-FFF2-40B4-BE49-F238E27FC236}">
-                <a16:creationId xmlns:a16="http://schemas.microsoft.com/office/drawing/2014/main" xmlns="" id="{B3B0E35F-C5B8-4465-8037-7C79850114B8}"/>
+                <a16:creationId xmlns:a16="http://schemas.microsoft.com/office/drawing/2014/main" id="{B3B0E35F-C5B8-4465-8037-7C79850114B8}"/>
               </a:ext>
             </a:extLst>
           </p:cNvPr>
@@ -26044,7 +26320,7 @@
           <p:cNvPr id="228" name="타원 227">
             <a:extLst>
               <a:ext uri="{FF2B5EF4-FFF2-40B4-BE49-F238E27FC236}">
-                <a16:creationId xmlns:a16="http://schemas.microsoft.com/office/drawing/2014/main" xmlns="" id="{430BA80A-4C63-4B78-90D1-1968AAC5EF9C}"/>
+                <a16:creationId xmlns:a16="http://schemas.microsoft.com/office/drawing/2014/main" id="{430BA80A-4C63-4B78-90D1-1968AAC5EF9C}"/>
               </a:ext>
             </a:extLst>
           </p:cNvPr>
@@ -26134,7 +26410,7 @@
           <p:cNvPr id="229" name="타원 228">
             <a:extLst>
               <a:ext uri="{FF2B5EF4-FFF2-40B4-BE49-F238E27FC236}">
-                <a16:creationId xmlns:a16="http://schemas.microsoft.com/office/drawing/2014/main" xmlns="" id="{1D11CF79-244F-45B9-B3E1-C5376C43FDA9}"/>
+                <a16:creationId xmlns:a16="http://schemas.microsoft.com/office/drawing/2014/main" id="{1D11CF79-244F-45B9-B3E1-C5376C43FDA9}"/>
               </a:ext>
             </a:extLst>
           </p:cNvPr>
@@ -26224,7 +26500,7 @@
           <p:cNvPr id="231" name="직사각형 230">
             <a:extLst>
               <a:ext uri="{FF2B5EF4-FFF2-40B4-BE49-F238E27FC236}">
-                <a16:creationId xmlns:a16="http://schemas.microsoft.com/office/drawing/2014/main" xmlns="" id="{81E1A1A7-0354-4B2D-9070-861CE42CA7A0}"/>
+                <a16:creationId xmlns:a16="http://schemas.microsoft.com/office/drawing/2014/main" id="{81E1A1A7-0354-4B2D-9070-861CE42CA7A0}"/>
               </a:ext>
             </a:extLst>
           </p:cNvPr>
@@ -26296,7 +26572,7 @@
           <p:cNvPr id="232" name="육각형 231">
             <a:extLst>
               <a:ext uri="{FF2B5EF4-FFF2-40B4-BE49-F238E27FC236}">
-                <a16:creationId xmlns:a16="http://schemas.microsoft.com/office/drawing/2014/main" xmlns="" id="{855647CB-5050-442F-B533-403E5D543289}"/>
+                <a16:creationId xmlns:a16="http://schemas.microsoft.com/office/drawing/2014/main" id="{855647CB-5050-442F-B533-403E5D543289}"/>
               </a:ext>
             </a:extLst>
           </p:cNvPr>
@@ -26369,7 +26645,7 @@
           <p:cNvPr id="233" name="육각형 232">
             <a:extLst>
               <a:ext uri="{FF2B5EF4-FFF2-40B4-BE49-F238E27FC236}">
-                <a16:creationId xmlns:a16="http://schemas.microsoft.com/office/drawing/2014/main" xmlns="" id="{1F2E038E-A8C5-4A7B-B58F-60FBEC6DC206}"/>
+                <a16:creationId xmlns:a16="http://schemas.microsoft.com/office/drawing/2014/main" id="{1F2E038E-A8C5-4A7B-B58F-60FBEC6DC206}"/>
               </a:ext>
             </a:extLst>
           </p:cNvPr>
@@ -26442,7 +26718,7 @@
           <p:cNvPr id="234" name="육각형 233">
             <a:extLst>
               <a:ext uri="{FF2B5EF4-FFF2-40B4-BE49-F238E27FC236}">
-                <a16:creationId xmlns:a16="http://schemas.microsoft.com/office/drawing/2014/main" xmlns="" id="{84586B3A-B9DA-4EAF-8E27-DAF57AAF1FD8}"/>
+                <a16:creationId xmlns:a16="http://schemas.microsoft.com/office/drawing/2014/main" id="{84586B3A-B9DA-4EAF-8E27-DAF57AAF1FD8}"/>
               </a:ext>
             </a:extLst>
           </p:cNvPr>
@@ -26512,7 +26788,7 @@
           <p:cNvPr id="235" name="육각형 234">
             <a:extLst>
               <a:ext uri="{FF2B5EF4-FFF2-40B4-BE49-F238E27FC236}">
-                <a16:creationId xmlns:a16="http://schemas.microsoft.com/office/drawing/2014/main" xmlns="" id="{BBA2F77F-022E-4972-A96F-A87D770A6E10}"/>
+                <a16:creationId xmlns:a16="http://schemas.microsoft.com/office/drawing/2014/main" id="{BBA2F77F-022E-4972-A96F-A87D770A6E10}"/>
               </a:ext>
             </a:extLst>
           </p:cNvPr>
@@ -26582,7 +26858,7 @@
           <p:cNvPr id="236" name="육각형 235">
             <a:extLst>
               <a:ext uri="{FF2B5EF4-FFF2-40B4-BE49-F238E27FC236}">
-                <a16:creationId xmlns:a16="http://schemas.microsoft.com/office/drawing/2014/main" xmlns="" id="{00B79C73-049B-44B4-ACF2-6EC9628D4B2D}"/>
+                <a16:creationId xmlns:a16="http://schemas.microsoft.com/office/drawing/2014/main" id="{00B79C73-049B-44B4-ACF2-6EC9628D4B2D}"/>
               </a:ext>
             </a:extLst>
           </p:cNvPr>
@@ -26655,7 +26931,7 @@
           <p:cNvPr id="237" name="육각형 236">
             <a:extLst>
               <a:ext uri="{FF2B5EF4-FFF2-40B4-BE49-F238E27FC236}">
-                <a16:creationId xmlns:a16="http://schemas.microsoft.com/office/drawing/2014/main" xmlns="" id="{96F6A30C-E73E-4906-932A-9BC6E38E2D39}"/>
+                <a16:creationId xmlns:a16="http://schemas.microsoft.com/office/drawing/2014/main" id="{96F6A30C-E73E-4906-932A-9BC6E38E2D39}"/>
               </a:ext>
             </a:extLst>
           </p:cNvPr>
@@ -26728,7 +27004,7 @@
           <p:cNvPr id="238" name="육각형 237">
             <a:extLst>
               <a:ext uri="{FF2B5EF4-FFF2-40B4-BE49-F238E27FC236}">
-                <a16:creationId xmlns:a16="http://schemas.microsoft.com/office/drawing/2014/main" xmlns="" id="{CF698ABD-BB12-44E8-8FC6-F24548F5F184}"/>
+                <a16:creationId xmlns:a16="http://schemas.microsoft.com/office/drawing/2014/main" id="{CF698ABD-BB12-44E8-8FC6-F24548F5F184}"/>
               </a:ext>
             </a:extLst>
           </p:cNvPr>
@@ -26801,7 +27077,7 @@
           <p:cNvPr id="239" name="육각형 238">
             <a:extLst>
               <a:ext uri="{FF2B5EF4-FFF2-40B4-BE49-F238E27FC236}">
-                <a16:creationId xmlns:a16="http://schemas.microsoft.com/office/drawing/2014/main" xmlns="" id="{4B19F9CB-888A-4416-8C1A-E48D0C1A305D}"/>
+                <a16:creationId xmlns:a16="http://schemas.microsoft.com/office/drawing/2014/main" id="{4B19F9CB-888A-4416-8C1A-E48D0C1A305D}"/>
               </a:ext>
             </a:extLst>
           </p:cNvPr>
@@ -26871,7 +27147,7 @@
           <p:cNvPr id="240" name="육각형 239">
             <a:extLst>
               <a:ext uri="{FF2B5EF4-FFF2-40B4-BE49-F238E27FC236}">
-                <a16:creationId xmlns:a16="http://schemas.microsoft.com/office/drawing/2014/main" xmlns="" id="{E59B7AAD-CD57-4982-BD1A-698EAB0357A5}"/>
+                <a16:creationId xmlns:a16="http://schemas.microsoft.com/office/drawing/2014/main" id="{E59B7AAD-CD57-4982-BD1A-698EAB0357A5}"/>
               </a:ext>
             </a:extLst>
           </p:cNvPr>
@@ -26941,7 +27217,7 @@
           <p:cNvPr id="241" name="육각형 240">
             <a:extLst>
               <a:ext uri="{FF2B5EF4-FFF2-40B4-BE49-F238E27FC236}">
-                <a16:creationId xmlns:a16="http://schemas.microsoft.com/office/drawing/2014/main" xmlns="" id="{30654625-8C30-4147-AB41-24676E732B54}"/>
+                <a16:creationId xmlns:a16="http://schemas.microsoft.com/office/drawing/2014/main" id="{30654625-8C30-4147-AB41-24676E732B54}"/>
               </a:ext>
             </a:extLst>
           </p:cNvPr>
@@ -27011,7 +27287,7 @@
           <p:cNvPr id="242" name="육각형 241">
             <a:extLst>
               <a:ext uri="{FF2B5EF4-FFF2-40B4-BE49-F238E27FC236}">
-                <a16:creationId xmlns:a16="http://schemas.microsoft.com/office/drawing/2014/main" xmlns="" id="{346DB5C5-47CB-4CFE-A3EE-21FCBBE4674E}"/>
+                <a16:creationId xmlns:a16="http://schemas.microsoft.com/office/drawing/2014/main" id="{346DB5C5-47CB-4CFE-A3EE-21FCBBE4674E}"/>
               </a:ext>
             </a:extLst>
           </p:cNvPr>
@@ -27084,7 +27360,7 @@
           <p:cNvPr id="243" name="육각형 242">
             <a:extLst>
               <a:ext uri="{FF2B5EF4-FFF2-40B4-BE49-F238E27FC236}">
-                <a16:creationId xmlns:a16="http://schemas.microsoft.com/office/drawing/2014/main" xmlns="" id="{7CCF5871-587F-4240-981F-4F3546ADD2D9}"/>
+                <a16:creationId xmlns:a16="http://schemas.microsoft.com/office/drawing/2014/main" id="{7CCF5871-587F-4240-981F-4F3546ADD2D9}"/>
               </a:ext>
             </a:extLst>
           </p:cNvPr>
@@ -27157,7 +27433,7 @@
           <p:cNvPr id="244" name="육각형 243">
             <a:extLst>
               <a:ext uri="{FF2B5EF4-FFF2-40B4-BE49-F238E27FC236}">
-                <a16:creationId xmlns:a16="http://schemas.microsoft.com/office/drawing/2014/main" xmlns="" id="{973E4B5B-D81C-4617-9210-9622445E125D}"/>
+                <a16:creationId xmlns:a16="http://schemas.microsoft.com/office/drawing/2014/main" id="{973E4B5B-D81C-4617-9210-9622445E125D}"/>
               </a:ext>
             </a:extLst>
           </p:cNvPr>
@@ -27230,7 +27506,7 @@
           <p:cNvPr id="245" name="육각형 244">
             <a:extLst>
               <a:ext uri="{FF2B5EF4-FFF2-40B4-BE49-F238E27FC236}">
-                <a16:creationId xmlns:a16="http://schemas.microsoft.com/office/drawing/2014/main" xmlns="" id="{CC9C3930-93F4-49AF-9E5C-328F41EA9B51}"/>
+                <a16:creationId xmlns:a16="http://schemas.microsoft.com/office/drawing/2014/main" id="{CC9C3930-93F4-49AF-9E5C-328F41EA9B51}"/>
               </a:ext>
             </a:extLst>
           </p:cNvPr>
@@ -27303,7 +27579,7 @@
           <p:cNvPr id="246" name="육각형 245">
             <a:extLst>
               <a:ext uri="{FF2B5EF4-FFF2-40B4-BE49-F238E27FC236}">
-                <a16:creationId xmlns:a16="http://schemas.microsoft.com/office/drawing/2014/main" xmlns="" id="{72BA8932-D249-4F22-A5B5-8921B45FAC77}"/>
+                <a16:creationId xmlns:a16="http://schemas.microsoft.com/office/drawing/2014/main" id="{72BA8932-D249-4F22-A5B5-8921B45FAC77}"/>
               </a:ext>
             </a:extLst>
           </p:cNvPr>
@@ -27373,7 +27649,7 @@
           <p:cNvPr id="247" name="육각형 246">
             <a:extLst>
               <a:ext uri="{FF2B5EF4-FFF2-40B4-BE49-F238E27FC236}">
-                <a16:creationId xmlns:a16="http://schemas.microsoft.com/office/drawing/2014/main" xmlns="" id="{3D2313BF-63A2-4A83-B4C6-3276A98A33C0}"/>
+                <a16:creationId xmlns:a16="http://schemas.microsoft.com/office/drawing/2014/main" id="{3D2313BF-63A2-4A83-B4C6-3276A98A33C0}"/>
               </a:ext>
             </a:extLst>
           </p:cNvPr>
@@ -27443,7 +27719,7 @@
           <p:cNvPr id="248" name="육각형 247">
             <a:extLst>
               <a:ext uri="{FF2B5EF4-FFF2-40B4-BE49-F238E27FC236}">
-                <a16:creationId xmlns:a16="http://schemas.microsoft.com/office/drawing/2014/main" xmlns="" id="{6A760A11-2A44-41DE-B2A6-1BD82966FADC}"/>
+                <a16:creationId xmlns:a16="http://schemas.microsoft.com/office/drawing/2014/main" id="{6A760A11-2A44-41DE-B2A6-1BD82966FADC}"/>
               </a:ext>
             </a:extLst>
           </p:cNvPr>
@@ -27513,7 +27789,7 @@
           <p:cNvPr id="249" name="육각형 248">
             <a:extLst>
               <a:ext uri="{FF2B5EF4-FFF2-40B4-BE49-F238E27FC236}">
-                <a16:creationId xmlns:a16="http://schemas.microsoft.com/office/drawing/2014/main" xmlns="" id="{41997C6D-F50A-4DAF-9EBD-041A10F9AD39}"/>
+                <a16:creationId xmlns:a16="http://schemas.microsoft.com/office/drawing/2014/main" id="{41997C6D-F50A-4DAF-9EBD-041A10F9AD39}"/>
               </a:ext>
             </a:extLst>
           </p:cNvPr>
@@ -27586,7 +27862,7 @@
           <p:cNvPr id="250" name="육각형 249">
             <a:extLst>
               <a:ext uri="{FF2B5EF4-FFF2-40B4-BE49-F238E27FC236}">
-                <a16:creationId xmlns:a16="http://schemas.microsoft.com/office/drawing/2014/main" xmlns="" id="{D638C54C-8006-4010-8072-6733B3DEAB62}"/>
+                <a16:creationId xmlns:a16="http://schemas.microsoft.com/office/drawing/2014/main" id="{D638C54C-8006-4010-8072-6733B3DEAB62}"/>
               </a:ext>
             </a:extLst>
           </p:cNvPr>
@@ -27659,7 +27935,7 @@
           <p:cNvPr id="251" name="육각형 250">
             <a:extLst>
               <a:ext uri="{FF2B5EF4-FFF2-40B4-BE49-F238E27FC236}">
-                <a16:creationId xmlns:a16="http://schemas.microsoft.com/office/drawing/2014/main" xmlns="" id="{F6FC17A9-4DF8-4CBA-A348-39403B9FEDCF}"/>
+                <a16:creationId xmlns:a16="http://schemas.microsoft.com/office/drawing/2014/main" id="{F6FC17A9-4DF8-4CBA-A348-39403B9FEDCF}"/>
               </a:ext>
             </a:extLst>
           </p:cNvPr>
@@ -27732,7 +28008,7 @@
           <p:cNvPr id="252" name="육각형 251">
             <a:extLst>
               <a:ext uri="{FF2B5EF4-FFF2-40B4-BE49-F238E27FC236}">
-                <a16:creationId xmlns:a16="http://schemas.microsoft.com/office/drawing/2014/main" xmlns="" id="{DCAD2E62-7D62-4D79-9749-4E8BFCB26516}"/>
+                <a16:creationId xmlns:a16="http://schemas.microsoft.com/office/drawing/2014/main" id="{DCAD2E62-7D62-4D79-9749-4E8BFCB26516}"/>
               </a:ext>
             </a:extLst>
           </p:cNvPr>
@@ -27802,7 +28078,7 @@
           <p:cNvPr id="253" name="육각형 252">
             <a:extLst>
               <a:ext uri="{FF2B5EF4-FFF2-40B4-BE49-F238E27FC236}">
-                <a16:creationId xmlns:a16="http://schemas.microsoft.com/office/drawing/2014/main" xmlns="" id="{AA8BE11C-B1ED-404A-B6D7-714D59DF7537}"/>
+                <a16:creationId xmlns:a16="http://schemas.microsoft.com/office/drawing/2014/main" id="{AA8BE11C-B1ED-404A-B6D7-714D59DF7537}"/>
               </a:ext>
             </a:extLst>
           </p:cNvPr>
@@ -27872,7 +28148,7 @@
           <p:cNvPr id="254" name="육각형 253">
             <a:extLst>
               <a:ext uri="{FF2B5EF4-FFF2-40B4-BE49-F238E27FC236}">
-                <a16:creationId xmlns:a16="http://schemas.microsoft.com/office/drawing/2014/main" xmlns="" id="{E78E602A-77BE-4A7D-A89A-1553A2578DEB}"/>
+                <a16:creationId xmlns:a16="http://schemas.microsoft.com/office/drawing/2014/main" id="{E78E602A-77BE-4A7D-A89A-1553A2578DEB}"/>
               </a:ext>
             </a:extLst>
           </p:cNvPr>
@@ -27942,7 +28218,7 @@
           <p:cNvPr id="255" name="육각형 254">
             <a:extLst>
               <a:ext uri="{FF2B5EF4-FFF2-40B4-BE49-F238E27FC236}">
-                <a16:creationId xmlns:a16="http://schemas.microsoft.com/office/drawing/2014/main" xmlns="" id="{1122EA48-6D5B-4F10-9D2F-1F1A78B71E99}"/>
+                <a16:creationId xmlns:a16="http://schemas.microsoft.com/office/drawing/2014/main" id="{1122EA48-6D5B-4F10-9D2F-1F1A78B71E99}"/>
               </a:ext>
             </a:extLst>
           </p:cNvPr>
@@ -28015,7 +28291,7 @@
           <p:cNvPr id="256" name="육각형 255">
             <a:extLst>
               <a:ext uri="{FF2B5EF4-FFF2-40B4-BE49-F238E27FC236}">
-                <a16:creationId xmlns:a16="http://schemas.microsoft.com/office/drawing/2014/main" xmlns="" id="{FF9463F8-02A2-4A66-8198-40C9CCB3339D}"/>
+                <a16:creationId xmlns:a16="http://schemas.microsoft.com/office/drawing/2014/main" id="{FF9463F8-02A2-4A66-8198-40C9CCB3339D}"/>
               </a:ext>
             </a:extLst>
           </p:cNvPr>
@@ -28088,7 +28364,7 @@
           <p:cNvPr id="257" name="육각형 256">
             <a:extLst>
               <a:ext uri="{FF2B5EF4-FFF2-40B4-BE49-F238E27FC236}">
-                <a16:creationId xmlns:a16="http://schemas.microsoft.com/office/drawing/2014/main" xmlns="" id="{F300A52D-E2DD-43CC-A6BF-66DB38CB9F4F}"/>
+                <a16:creationId xmlns:a16="http://schemas.microsoft.com/office/drawing/2014/main" id="{F300A52D-E2DD-43CC-A6BF-66DB38CB9F4F}"/>
               </a:ext>
             </a:extLst>
           </p:cNvPr>
@@ -28161,7 +28437,7 @@
           <p:cNvPr id="258" name="육각형 257">
             <a:extLst>
               <a:ext uri="{FF2B5EF4-FFF2-40B4-BE49-F238E27FC236}">
-                <a16:creationId xmlns:a16="http://schemas.microsoft.com/office/drawing/2014/main" xmlns="" id="{FEA64357-19FD-412E-9313-9B5AE720046D}"/>
+                <a16:creationId xmlns:a16="http://schemas.microsoft.com/office/drawing/2014/main" id="{FEA64357-19FD-412E-9313-9B5AE720046D}"/>
               </a:ext>
             </a:extLst>
           </p:cNvPr>
@@ -28234,7 +28510,7 @@
           <p:cNvPr id="259" name="육각형 258">
             <a:extLst>
               <a:ext uri="{FF2B5EF4-FFF2-40B4-BE49-F238E27FC236}">
-                <a16:creationId xmlns:a16="http://schemas.microsoft.com/office/drawing/2014/main" xmlns="" id="{37301557-AD34-46C6-8276-3407A1A82B18}"/>
+                <a16:creationId xmlns:a16="http://schemas.microsoft.com/office/drawing/2014/main" id="{37301557-AD34-46C6-8276-3407A1A82B18}"/>
               </a:ext>
             </a:extLst>
           </p:cNvPr>
@@ -28304,7 +28580,7 @@
           <p:cNvPr id="260" name="육각형 259">
             <a:extLst>
               <a:ext uri="{FF2B5EF4-FFF2-40B4-BE49-F238E27FC236}">
-                <a16:creationId xmlns:a16="http://schemas.microsoft.com/office/drawing/2014/main" xmlns="" id="{232E938C-3E10-4E5B-9130-E19F232EB35F}"/>
+                <a16:creationId xmlns:a16="http://schemas.microsoft.com/office/drawing/2014/main" id="{232E938C-3E10-4E5B-9130-E19F232EB35F}"/>
               </a:ext>
             </a:extLst>
           </p:cNvPr>
@@ -28374,7 +28650,7 @@
           <p:cNvPr id="261" name="육각형 260">
             <a:extLst>
               <a:ext uri="{FF2B5EF4-FFF2-40B4-BE49-F238E27FC236}">
-                <a16:creationId xmlns:a16="http://schemas.microsoft.com/office/drawing/2014/main" xmlns="" id="{D60D261A-1063-4F0D-8CEC-8704654F6D2E}"/>
+                <a16:creationId xmlns:a16="http://schemas.microsoft.com/office/drawing/2014/main" id="{D60D261A-1063-4F0D-8CEC-8704654F6D2E}"/>
               </a:ext>
             </a:extLst>
           </p:cNvPr>
@@ -28447,7 +28723,7 @@
           <p:cNvPr id="262" name="타원 261">
             <a:extLst>
               <a:ext uri="{FF2B5EF4-FFF2-40B4-BE49-F238E27FC236}">
-                <a16:creationId xmlns:a16="http://schemas.microsoft.com/office/drawing/2014/main" xmlns="" id="{20106D75-5C21-4BDF-96DC-7474BB9B0216}"/>
+                <a16:creationId xmlns:a16="http://schemas.microsoft.com/office/drawing/2014/main" id="{20106D75-5C21-4BDF-96DC-7474BB9B0216}"/>
               </a:ext>
             </a:extLst>
           </p:cNvPr>
@@ -28537,7 +28813,7 @@
           <p:cNvPr id="263" name="타원 262">
             <a:extLst>
               <a:ext uri="{FF2B5EF4-FFF2-40B4-BE49-F238E27FC236}">
-                <a16:creationId xmlns:a16="http://schemas.microsoft.com/office/drawing/2014/main" xmlns="" id="{C742E8F7-42AC-4621-BF68-AA376F5EAD0F}"/>
+                <a16:creationId xmlns:a16="http://schemas.microsoft.com/office/drawing/2014/main" id="{C742E8F7-42AC-4621-BF68-AA376F5EAD0F}"/>
               </a:ext>
             </a:extLst>
           </p:cNvPr>
@@ -28627,7 +28903,7 @@
           <p:cNvPr id="265" name="직선 화살표 연결선 264">
             <a:extLst>
               <a:ext uri="{FF2B5EF4-FFF2-40B4-BE49-F238E27FC236}">
-                <a16:creationId xmlns:a16="http://schemas.microsoft.com/office/drawing/2014/main" xmlns="" id="{C3CF0AC6-DE70-4AB3-A887-D747EB394F8C}"/>
+                <a16:creationId xmlns:a16="http://schemas.microsoft.com/office/drawing/2014/main" id="{C3CF0AC6-DE70-4AB3-A887-D747EB394F8C}"/>
               </a:ext>
             </a:extLst>
           </p:cNvPr>
@@ -28663,7 +28939,7 @@
           <p:cNvPr id="266" name="Google Shape;194;p7">
             <a:extLst>
               <a:ext uri="{FF2B5EF4-FFF2-40B4-BE49-F238E27FC236}">
-                <a16:creationId xmlns:a16="http://schemas.microsoft.com/office/drawing/2014/main" xmlns="" id="{25D6D6FA-1637-4FAD-89BC-3C2139B5388C}"/>
+                <a16:creationId xmlns:a16="http://schemas.microsoft.com/office/drawing/2014/main" id="{25D6D6FA-1637-4FAD-89BC-3C2139B5388C}"/>
               </a:ext>
             </a:extLst>
           </p:cNvPr>
@@ -28739,7 +29015,7 @@
           <p:cNvPr id="267" name="Google Shape;194;p7">
             <a:extLst>
               <a:ext uri="{FF2B5EF4-FFF2-40B4-BE49-F238E27FC236}">
-                <a16:creationId xmlns:a16="http://schemas.microsoft.com/office/drawing/2014/main" xmlns="" id="{C2919A6F-151D-4B85-8962-ECC98B7BE9C6}"/>
+                <a16:creationId xmlns:a16="http://schemas.microsoft.com/office/drawing/2014/main" id="{C2919A6F-151D-4B85-8962-ECC98B7BE9C6}"/>
               </a:ext>
             </a:extLst>
           </p:cNvPr>
@@ -28845,7 +29121,7 @@
           <p:cNvPr id="150" name="Google Shape;116;p3">
             <a:extLst>
               <a:ext uri="{FF2B5EF4-FFF2-40B4-BE49-F238E27FC236}">
-                <a16:creationId xmlns:a16="http://schemas.microsoft.com/office/drawing/2014/main" xmlns="" id="{B74FE745-2250-4F41-83C6-DB5E09CED8D3}"/>
+                <a16:creationId xmlns:a16="http://schemas.microsoft.com/office/drawing/2014/main" id="{B74FE745-2250-4F41-83C6-DB5E09CED8D3}"/>
               </a:ext>
             </a:extLst>
           </p:cNvPr>
@@ -28853,7 +29129,7 @@
           <p:nvPr>
             <p:extLst>
               <p:ext uri="{D42A27DB-BD31-4B8C-83A1-F6EECF244321}">
-                <p14:modId xmlns:p14="http://schemas.microsoft.com/office/powerpoint/2010/main" val="1621953175"/>
+                <p14:modId xmlns:p14="http://schemas.microsoft.com/office/powerpoint/2010/main" val="3655215900"/>
               </p:ext>
             </p:extLst>
           </p:nvPr>
@@ -28873,42 +29149,42 @@
                 <a:gridCol w="1281275">
                   <a:extLst>
                     <a:ext uri="{9D8B030D-6E8A-4147-A177-3AD203B41FA5}">
-                      <a16:colId xmlns:a16="http://schemas.microsoft.com/office/drawing/2014/main" xmlns="" val="20000"/>
+                      <a16:colId xmlns:a16="http://schemas.microsoft.com/office/drawing/2014/main" val="20000"/>
                     </a:ext>
                   </a:extLst>
                 </a:gridCol>
                 <a:gridCol w="737175">
                   <a:extLst>
                     <a:ext uri="{9D8B030D-6E8A-4147-A177-3AD203B41FA5}">
-                      <a16:colId xmlns:a16="http://schemas.microsoft.com/office/drawing/2014/main" xmlns="" val="20001"/>
+                      <a16:colId xmlns:a16="http://schemas.microsoft.com/office/drawing/2014/main" val="20001"/>
                     </a:ext>
                   </a:extLst>
                 </a:gridCol>
                 <a:gridCol w="855650">
                   <a:extLst>
                     <a:ext uri="{9D8B030D-6E8A-4147-A177-3AD203B41FA5}">
-                      <a16:colId xmlns:a16="http://schemas.microsoft.com/office/drawing/2014/main" xmlns="" val="20002"/>
+                      <a16:colId xmlns:a16="http://schemas.microsoft.com/office/drawing/2014/main" val="20002"/>
                     </a:ext>
                   </a:extLst>
                 </a:gridCol>
                 <a:gridCol w="860025">
                   <a:extLst>
                     <a:ext uri="{9D8B030D-6E8A-4147-A177-3AD203B41FA5}">
-                      <a16:colId xmlns:a16="http://schemas.microsoft.com/office/drawing/2014/main" xmlns="" val="20003"/>
+                      <a16:colId xmlns:a16="http://schemas.microsoft.com/office/drawing/2014/main" val="20003"/>
                     </a:ext>
                   </a:extLst>
                 </a:gridCol>
                 <a:gridCol w="618275">
                   <a:extLst>
                     <a:ext uri="{9D8B030D-6E8A-4147-A177-3AD203B41FA5}">
-                      <a16:colId xmlns:a16="http://schemas.microsoft.com/office/drawing/2014/main" xmlns="" val="20004"/>
+                      <a16:colId xmlns:a16="http://schemas.microsoft.com/office/drawing/2014/main" val="20004"/>
                     </a:ext>
                   </a:extLst>
                 </a:gridCol>
                 <a:gridCol w="3903500">
                   <a:extLst>
                     <a:ext uri="{9D8B030D-6E8A-4147-A177-3AD203B41FA5}">
-                      <a16:colId xmlns:a16="http://schemas.microsoft.com/office/drawing/2014/main" xmlns="" val="20005"/>
+                      <a16:colId xmlns:a16="http://schemas.microsoft.com/office/drawing/2014/main" val="20005"/>
                     </a:ext>
                   </a:extLst>
                 </a:gridCol>
@@ -29085,7 +29361,7 @@
                 </a:tc>
                 <a:extLst>
                   <a:ext uri="{0D108BD9-81ED-4DB2-BD59-A6C34878D82A}">
-                    <a16:rowId xmlns:a16="http://schemas.microsoft.com/office/drawing/2014/main" xmlns="" val="10000"/>
+                    <a16:rowId xmlns:a16="http://schemas.microsoft.com/office/drawing/2014/main" val="10000"/>
                   </a:ext>
                 </a:extLst>
               </a:tr>
@@ -29236,7 +29512,7 @@
                 </a:tc>
                 <a:extLst>
                   <a:ext uri="{0D108BD9-81ED-4DB2-BD59-A6C34878D82A}">
-                    <a16:rowId xmlns:a16="http://schemas.microsoft.com/office/drawing/2014/main" xmlns="" val="10001"/>
+                    <a16:rowId xmlns:a16="http://schemas.microsoft.com/office/drawing/2014/main" val="10001"/>
                   </a:ext>
                 </a:extLst>
               </a:tr>
@@ -29387,7 +29663,7 @@
                 </a:tc>
                 <a:extLst>
                   <a:ext uri="{0D108BD9-81ED-4DB2-BD59-A6C34878D82A}">
-                    <a16:rowId xmlns:a16="http://schemas.microsoft.com/office/drawing/2014/main" xmlns="" val="10002"/>
+                    <a16:rowId xmlns:a16="http://schemas.microsoft.com/office/drawing/2014/main" val="10002"/>
                   </a:ext>
                 </a:extLst>
               </a:tr>
@@ -29479,23 +29755,52 @@
                     <a:bodyPr/>
                     <a:lstStyle/>
                     <a:p>
-                      <a:pPr marL="0" marR="0" lvl="0" indent="0" algn="ctr" rtl="0">
+                      <a:pPr marL="0" marR="0" lvl="0" indent="0" algn="ctr" defTabSz="914400" rtl="0" eaLnBrk="1" fontAlgn="auto" latinLnBrk="0" hangingPunct="1">
+                        <a:lnSpc>
+                          <a:spcPct val="100000"/>
+                        </a:lnSpc>
                         <a:spcBef>
                           <a:spcPts val="0"/>
                         </a:spcBef>
                         <a:spcAft>
                           <a:spcPts val="0"/>
                         </a:spcAft>
+                        <a:buClr>
+                          <a:srgbClr val="000000"/>
+                        </a:buClr>
+                        <a:buSzTx/>
+                        <a:buFont typeface="Arial"/>
                         <a:buNone/>
+                        <a:tabLst/>
+                        <a:defRPr/>
                       </a:pPr>
                       <a:r>
-                        <a:rPr lang="ko-KR" sz="1000" u="none" strike="noStrike" cap="none"/>
+                        <a:rPr kumimoji="0" lang="en-US" altLang="ko-KR" sz="1000" b="0" i="0" u="none" strike="noStrike" kern="0" cap="none" spc="0" normalizeH="0" baseline="0" noProof="0">
+                          <a:ln>
+                            <a:noFill/>
+                          </a:ln>
+                          <a:solidFill>
+                            <a:srgbClr val="000000"/>
+                          </a:solidFill>
+                          <a:effectLst/>
+                          <a:uLnTx/>
+                          <a:uFillTx/>
+                          <a:latin typeface="맑은 고딕"/>
+                          <a:ea typeface="맑은 고딕"/>
+                          <a:sym typeface="Arial"/>
+                        </a:rPr>
                         <a:t>int</a:t>
                       </a:r>
-                      <a:endParaRPr sz="1000" b="0" i="0" u="none" strike="noStrike" cap="none">
+                      <a:endParaRPr kumimoji="0" lang="en-US" altLang="ko-KR" sz="1000" b="0" i="0" u="none" strike="noStrike" kern="0" cap="none" spc="0" normalizeH="0" baseline="0" noProof="0" dirty="0">
+                        <a:ln>
+                          <a:noFill/>
+                        </a:ln>
                         <a:solidFill>
                           <a:srgbClr val="000000"/>
                         </a:solidFill>
+                        <a:effectLst/>
+                        <a:uLnTx/>
+                        <a:uFillTx/>
                         <a:latin typeface="Malgun Gothic"/>
                         <a:ea typeface="Malgun Gothic"/>
                         <a:cs typeface="Malgun Gothic"/>
@@ -29538,7 +29843,7 @@
                 </a:tc>
                 <a:extLst>
                   <a:ext uri="{0D108BD9-81ED-4DB2-BD59-A6C34878D82A}">
-                    <a16:rowId xmlns:a16="http://schemas.microsoft.com/office/drawing/2014/main" xmlns="" val="10003"/>
+                    <a16:rowId xmlns:a16="http://schemas.microsoft.com/office/drawing/2014/main" val="10003"/>
                   </a:ext>
                 </a:extLst>
               </a:tr>
@@ -29630,23 +29935,52 @@
                     <a:bodyPr/>
                     <a:lstStyle/>
                     <a:p>
-                      <a:pPr marL="0" marR="0" lvl="0" indent="0" algn="ctr" rtl="0">
+                      <a:pPr marL="0" marR="0" lvl="0" indent="0" algn="ctr" defTabSz="914400" rtl="0" eaLnBrk="1" fontAlgn="auto" latinLnBrk="0" hangingPunct="1">
+                        <a:lnSpc>
+                          <a:spcPct val="100000"/>
+                        </a:lnSpc>
                         <a:spcBef>
                           <a:spcPts val="0"/>
                         </a:spcBef>
                         <a:spcAft>
                           <a:spcPts val="0"/>
                         </a:spcAft>
+                        <a:buClr>
+                          <a:srgbClr val="000000"/>
+                        </a:buClr>
+                        <a:buSzTx/>
+                        <a:buFont typeface="Arial"/>
                         <a:buNone/>
+                        <a:tabLst/>
+                        <a:defRPr/>
                       </a:pPr>
                       <a:r>
-                        <a:rPr lang="ko-KR" sz="1000" u="none" strike="noStrike" cap="none"/>
+                        <a:rPr kumimoji="0" lang="en-US" altLang="ko-KR" sz="1000" b="0" i="0" u="none" strike="noStrike" kern="0" cap="none" spc="0" normalizeH="0" baseline="0" noProof="0" dirty="0">
+                          <a:ln>
+                            <a:noFill/>
+                          </a:ln>
+                          <a:solidFill>
+                            <a:srgbClr val="000000"/>
+                          </a:solidFill>
+                          <a:effectLst/>
+                          <a:uLnTx/>
+                          <a:uFillTx/>
+                          <a:latin typeface="맑은 고딕"/>
+                          <a:ea typeface="맑은 고딕"/>
+                          <a:sym typeface="Arial"/>
+                        </a:rPr>
                         <a:t>int</a:t>
                       </a:r>
-                      <a:endParaRPr sz="1000" b="0" i="0" u="none" strike="noStrike" cap="none">
+                      <a:endParaRPr kumimoji="0" lang="en-US" altLang="ko-KR" sz="1000" b="0" i="0" u="none" strike="noStrike" kern="0" cap="none" spc="0" normalizeH="0" baseline="0" noProof="0" dirty="0">
+                        <a:ln>
+                          <a:noFill/>
+                        </a:ln>
                         <a:solidFill>
                           <a:srgbClr val="000000"/>
                         </a:solidFill>
+                        <a:effectLst/>
+                        <a:uLnTx/>
+                        <a:uFillTx/>
                         <a:latin typeface="Malgun Gothic"/>
                         <a:ea typeface="Malgun Gothic"/>
                         <a:cs typeface="Malgun Gothic"/>
@@ -29721,7 +30055,7 @@
                 </a:tc>
                 <a:extLst>
                   <a:ext uri="{0D108BD9-81ED-4DB2-BD59-A6C34878D82A}">
-                    <a16:rowId xmlns:a16="http://schemas.microsoft.com/office/drawing/2014/main" xmlns="" val="10004"/>
+                    <a16:rowId xmlns:a16="http://schemas.microsoft.com/office/drawing/2014/main" val="10004"/>
                   </a:ext>
                 </a:extLst>
               </a:tr>
@@ -29842,23 +30176,52 @@
                     <a:bodyPr/>
                     <a:lstStyle/>
                     <a:p>
-                      <a:pPr marL="0" marR="0" lvl="0" indent="0" algn="ctr" rtl="0">
+                      <a:pPr marL="0" marR="0" lvl="0" indent="0" algn="ctr" defTabSz="914400" rtl="0" eaLnBrk="1" fontAlgn="auto" latinLnBrk="0" hangingPunct="1">
+                        <a:lnSpc>
+                          <a:spcPct val="100000"/>
+                        </a:lnSpc>
                         <a:spcBef>
                           <a:spcPts val="0"/>
                         </a:spcBef>
                         <a:spcAft>
                           <a:spcPts val="0"/>
                         </a:spcAft>
+                        <a:buClr>
+                          <a:srgbClr val="000000"/>
+                        </a:buClr>
+                        <a:buSzTx/>
+                        <a:buFont typeface="Arial"/>
                         <a:buNone/>
+                        <a:tabLst/>
+                        <a:defRPr/>
                       </a:pPr>
                       <a:r>
-                        <a:rPr lang="ko-KR" sz="1000" u="none" strike="noStrike" cap="none"/>
+                        <a:rPr kumimoji="0" lang="en-US" altLang="ko-KR" sz="1000" b="0" i="0" u="none" strike="noStrike" kern="0" cap="none" spc="0" normalizeH="0" baseline="0" noProof="0">
+                          <a:ln>
+                            <a:noFill/>
+                          </a:ln>
+                          <a:solidFill>
+                            <a:srgbClr val="000000"/>
+                          </a:solidFill>
+                          <a:effectLst/>
+                          <a:uLnTx/>
+                          <a:uFillTx/>
+                          <a:latin typeface="맑은 고딕"/>
+                          <a:ea typeface="맑은 고딕"/>
+                          <a:sym typeface="Arial"/>
+                        </a:rPr>
                         <a:t>float</a:t>
                       </a:r>
-                      <a:endParaRPr sz="1000" b="0" i="0" u="none" strike="noStrike" cap="none">
+                      <a:endParaRPr kumimoji="0" lang="en-US" altLang="ko-KR" sz="1000" b="0" i="0" u="none" strike="noStrike" kern="0" cap="none" spc="0" normalizeH="0" baseline="0" noProof="0" dirty="0">
+                        <a:ln>
+                          <a:noFill/>
+                        </a:ln>
                         <a:solidFill>
                           <a:srgbClr val="000000"/>
                         </a:solidFill>
+                        <a:effectLst/>
+                        <a:uLnTx/>
+                        <a:uFillTx/>
                         <a:latin typeface="Malgun Gothic"/>
                         <a:ea typeface="Malgun Gothic"/>
                         <a:cs typeface="Malgun Gothic"/>
@@ -29905,7 +30268,7 @@
                 </a:tc>
                 <a:extLst>
                   <a:ext uri="{0D108BD9-81ED-4DB2-BD59-A6C34878D82A}">
-                    <a16:rowId xmlns:a16="http://schemas.microsoft.com/office/drawing/2014/main" xmlns="" val="10005"/>
+                    <a16:rowId xmlns:a16="http://schemas.microsoft.com/office/drawing/2014/main" val="10005"/>
                   </a:ext>
                 </a:extLst>
               </a:tr>
@@ -30009,23 +30372,52 @@
                     <a:bodyPr/>
                     <a:lstStyle/>
                     <a:p>
-                      <a:pPr marL="0" marR="0" lvl="0" indent="0" algn="ctr" rtl="0">
+                      <a:pPr marL="0" marR="0" lvl="0" indent="0" algn="ctr" defTabSz="914400" rtl="0" eaLnBrk="1" fontAlgn="auto" latinLnBrk="0" hangingPunct="1">
+                        <a:lnSpc>
+                          <a:spcPct val="100000"/>
+                        </a:lnSpc>
                         <a:spcBef>
                           <a:spcPts val="0"/>
                         </a:spcBef>
                         <a:spcAft>
                           <a:spcPts val="0"/>
                         </a:spcAft>
+                        <a:buClr>
+                          <a:srgbClr val="000000"/>
+                        </a:buClr>
+                        <a:buSzTx/>
+                        <a:buFont typeface="Arial"/>
                         <a:buNone/>
+                        <a:tabLst/>
+                        <a:defRPr/>
                       </a:pPr>
                       <a:r>
-                        <a:rPr lang="ko-KR" sz="1000" u="none" strike="noStrike" cap="none" dirty="0" err="1"/>
+                        <a:rPr kumimoji="0" lang="en-US" altLang="ko-KR" sz="1000" b="0" i="0" u="none" strike="noStrike" kern="0" cap="none" spc="0" normalizeH="0" baseline="0" noProof="0">
+                          <a:ln>
+                            <a:noFill/>
+                          </a:ln>
+                          <a:solidFill>
+                            <a:srgbClr val="000000"/>
+                          </a:solidFill>
+                          <a:effectLst/>
+                          <a:uLnTx/>
+                          <a:uFillTx/>
+                          <a:latin typeface="맑은 고딕"/>
+                          <a:ea typeface="맑은 고딕"/>
+                          <a:sym typeface="Arial"/>
+                        </a:rPr>
                         <a:t>float</a:t>
                       </a:r>
-                      <a:endParaRPr sz="1000" b="0" i="0" u="none" strike="noStrike" cap="none" dirty="0">
+                      <a:endParaRPr kumimoji="0" lang="en-US" altLang="ko-KR" sz="1000" b="0" i="0" u="none" strike="noStrike" kern="0" cap="none" spc="0" normalizeH="0" baseline="0" noProof="0" dirty="0">
+                        <a:ln>
+                          <a:noFill/>
+                        </a:ln>
                         <a:solidFill>
                           <a:srgbClr val="000000"/>
                         </a:solidFill>
+                        <a:effectLst/>
+                        <a:uLnTx/>
+                        <a:uFillTx/>
                         <a:latin typeface="Malgun Gothic"/>
                         <a:ea typeface="Malgun Gothic"/>
                         <a:cs typeface="Malgun Gothic"/>
@@ -30100,7 +30492,7 @@
                 </a:tc>
                 <a:extLst>
                   <a:ext uri="{0D108BD9-81ED-4DB2-BD59-A6C34878D82A}">
-                    <a16:rowId xmlns:a16="http://schemas.microsoft.com/office/drawing/2014/main" xmlns="" val="10006"/>
+                    <a16:rowId xmlns:a16="http://schemas.microsoft.com/office/drawing/2014/main" val="10006"/>
                   </a:ext>
                 </a:extLst>
               </a:tr>
@@ -30228,23 +30620,52 @@
                     <a:bodyPr/>
                     <a:lstStyle/>
                     <a:p>
-                      <a:pPr marL="0" marR="0" lvl="0" indent="0" algn="ctr" rtl="0">
+                      <a:pPr marL="0" marR="0" lvl="0" indent="0" algn="ctr" defTabSz="914400" rtl="0" eaLnBrk="1" fontAlgn="auto" latinLnBrk="0" hangingPunct="1">
+                        <a:lnSpc>
+                          <a:spcPct val="100000"/>
+                        </a:lnSpc>
                         <a:spcBef>
                           <a:spcPts val="0"/>
                         </a:spcBef>
                         <a:spcAft>
                           <a:spcPts val="0"/>
                         </a:spcAft>
+                        <a:buClr>
+                          <a:srgbClr val="000000"/>
+                        </a:buClr>
+                        <a:buSzTx/>
+                        <a:buFont typeface="Arial"/>
                         <a:buNone/>
+                        <a:tabLst/>
+                        <a:defRPr/>
                       </a:pPr>
                       <a:r>
-                        <a:rPr lang="en-US" altLang="ko-KR" sz="1000" u="none" strike="noStrike" cap="none" dirty="0"/>
-                        <a:t>int</a:t>
+                        <a:rPr kumimoji="0" lang="en-US" altLang="ko-KR" sz="1000" b="0" i="0" u="none" strike="noStrike" kern="0" cap="none" spc="0" normalizeH="0" baseline="0" noProof="0" dirty="0">
+                          <a:ln>
+                            <a:noFill/>
+                          </a:ln>
+                          <a:solidFill>
+                            <a:srgbClr val="000000"/>
+                          </a:solidFill>
+                          <a:effectLst/>
+                          <a:uLnTx/>
+                          <a:uFillTx/>
+                          <a:latin typeface="맑은 고딕"/>
+                          <a:ea typeface="맑은 고딕"/>
+                          <a:sym typeface="Arial"/>
+                        </a:rPr>
+                        <a:t>float</a:t>
                       </a:r>
-                      <a:endParaRPr lang="en-US" altLang="ko-KR" sz="1000" b="0" i="0" u="none" strike="noStrike" cap="none" dirty="0">
+                      <a:endParaRPr kumimoji="0" lang="en-US" altLang="ko-KR" sz="1000" b="0" i="0" u="none" strike="noStrike" kern="0" cap="none" spc="0" normalizeH="0" baseline="0" noProof="0" dirty="0">
+                        <a:ln>
+                          <a:noFill/>
+                        </a:ln>
                         <a:solidFill>
                           <a:srgbClr val="000000"/>
                         </a:solidFill>
+                        <a:effectLst/>
+                        <a:uLnTx/>
+                        <a:uFillTx/>
                         <a:latin typeface="Malgun Gothic"/>
                         <a:ea typeface="Malgun Gothic"/>
                         <a:cs typeface="Malgun Gothic"/>
@@ -30295,7 +30716,7 @@
                 </a:tc>
                 <a:extLst>
                   <a:ext uri="{0D108BD9-81ED-4DB2-BD59-A6C34878D82A}">
-                    <a16:rowId xmlns:a16="http://schemas.microsoft.com/office/drawing/2014/main" xmlns="" val="3650184020"/>
+                    <a16:rowId xmlns:a16="http://schemas.microsoft.com/office/drawing/2014/main" val="3650184020"/>
                   </a:ext>
                 </a:extLst>
               </a:tr>
@@ -30475,7 +30896,7 @@
                 </a:tc>
                 <a:extLst>
                   <a:ext uri="{0D108BD9-81ED-4DB2-BD59-A6C34878D82A}">
-                    <a16:rowId xmlns:a16="http://schemas.microsoft.com/office/drawing/2014/main" xmlns="" val="10008"/>
+                    <a16:rowId xmlns:a16="http://schemas.microsoft.com/office/drawing/2014/main" val="10008"/>
                   </a:ext>
                 </a:extLst>
               </a:tr>
@@ -30638,7 +31059,7 @@
                 </a:tc>
                 <a:extLst>
                   <a:ext uri="{0D108BD9-81ED-4DB2-BD59-A6C34878D82A}">
-                    <a16:rowId xmlns:a16="http://schemas.microsoft.com/office/drawing/2014/main" xmlns="" val="10011"/>
+                    <a16:rowId xmlns:a16="http://schemas.microsoft.com/office/drawing/2014/main" val="10011"/>
                   </a:ext>
                 </a:extLst>
               </a:tr>
@@ -31222,7 +31643,7 @@
           <p:cNvPr id="116" name="직사각형 115">
             <a:extLst>
               <a:ext uri="{FF2B5EF4-FFF2-40B4-BE49-F238E27FC236}">
-                <a16:creationId xmlns:a16="http://schemas.microsoft.com/office/drawing/2014/main" xmlns="" id="{1EBD1139-3E9B-4595-B5CD-C161D5538EFA}"/>
+                <a16:creationId xmlns:a16="http://schemas.microsoft.com/office/drawing/2014/main" id="{1EBD1139-3E9B-4595-B5CD-C161D5538EFA}"/>
               </a:ext>
             </a:extLst>
           </p:cNvPr>
@@ -31294,7 +31715,7 @@
           <p:cNvPr id="117" name="육각형 116">
             <a:extLst>
               <a:ext uri="{FF2B5EF4-FFF2-40B4-BE49-F238E27FC236}">
-                <a16:creationId xmlns:a16="http://schemas.microsoft.com/office/drawing/2014/main" xmlns="" id="{CF2B208A-CCE1-4327-860E-E7E33E297DA6}"/>
+                <a16:creationId xmlns:a16="http://schemas.microsoft.com/office/drawing/2014/main" id="{CF2B208A-CCE1-4327-860E-E7E33E297DA6}"/>
               </a:ext>
             </a:extLst>
           </p:cNvPr>
@@ -31367,7 +31788,7 @@
           <p:cNvPr id="118" name="육각형 117">
             <a:extLst>
               <a:ext uri="{FF2B5EF4-FFF2-40B4-BE49-F238E27FC236}">
-                <a16:creationId xmlns:a16="http://schemas.microsoft.com/office/drawing/2014/main" xmlns="" id="{C23A1E90-8221-48E7-B2CE-98179F560E8B}"/>
+                <a16:creationId xmlns:a16="http://schemas.microsoft.com/office/drawing/2014/main" id="{C23A1E90-8221-48E7-B2CE-98179F560E8B}"/>
               </a:ext>
             </a:extLst>
           </p:cNvPr>
@@ -31440,7 +31861,7 @@
           <p:cNvPr id="119" name="육각형 118">
             <a:extLst>
               <a:ext uri="{FF2B5EF4-FFF2-40B4-BE49-F238E27FC236}">
-                <a16:creationId xmlns:a16="http://schemas.microsoft.com/office/drawing/2014/main" xmlns="" id="{B285EEA9-96C9-41C2-A194-B12019C4F15C}"/>
+                <a16:creationId xmlns:a16="http://schemas.microsoft.com/office/drawing/2014/main" id="{B285EEA9-96C9-41C2-A194-B12019C4F15C}"/>
               </a:ext>
             </a:extLst>
           </p:cNvPr>
@@ -31513,7 +31934,7 @@
           <p:cNvPr id="120" name="육각형 119">
             <a:extLst>
               <a:ext uri="{FF2B5EF4-FFF2-40B4-BE49-F238E27FC236}">
-                <a16:creationId xmlns:a16="http://schemas.microsoft.com/office/drawing/2014/main" xmlns="" id="{2BE7EC91-F357-4928-AFBD-FDC0085D2805}"/>
+                <a16:creationId xmlns:a16="http://schemas.microsoft.com/office/drawing/2014/main" id="{2BE7EC91-F357-4928-AFBD-FDC0085D2805}"/>
               </a:ext>
             </a:extLst>
           </p:cNvPr>
@@ -31586,7 +32007,7 @@
           <p:cNvPr id="121" name="육각형 120">
             <a:extLst>
               <a:ext uri="{FF2B5EF4-FFF2-40B4-BE49-F238E27FC236}">
-                <a16:creationId xmlns:a16="http://schemas.microsoft.com/office/drawing/2014/main" xmlns="" id="{9658EFD5-1256-45C9-BF6E-02497F2C34E3}"/>
+                <a16:creationId xmlns:a16="http://schemas.microsoft.com/office/drawing/2014/main" id="{9658EFD5-1256-45C9-BF6E-02497F2C34E3}"/>
               </a:ext>
             </a:extLst>
           </p:cNvPr>
@@ -31659,7 +32080,7 @@
           <p:cNvPr id="122" name="육각형 121">
             <a:extLst>
               <a:ext uri="{FF2B5EF4-FFF2-40B4-BE49-F238E27FC236}">
-                <a16:creationId xmlns:a16="http://schemas.microsoft.com/office/drawing/2014/main" xmlns="" id="{6BE6A739-840E-4C1F-B3B1-C8190C22B12A}"/>
+                <a16:creationId xmlns:a16="http://schemas.microsoft.com/office/drawing/2014/main" id="{6BE6A739-840E-4C1F-B3B1-C8190C22B12A}"/>
               </a:ext>
             </a:extLst>
           </p:cNvPr>
@@ -31732,7 +32153,7 @@
           <p:cNvPr id="123" name="육각형 122">
             <a:extLst>
               <a:ext uri="{FF2B5EF4-FFF2-40B4-BE49-F238E27FC236}">
-                <a16:creationId xmlns:a16="http://schemas.microsoft.com/office/drawing/2014/main" xmlns="" id="{C65A4318-58DC-42A7-A670-A22DFA9C0395}"/>
+                <a16:creationId xmlns:a16="http://schemas.microsoft.com/office/drawing/2014/main" id="{C65A4318-58DC-42A7-A670-A22DFA9C0395}"/>
               </a:ext>
             </a:extLst>
           </p:cNvPr>
@@ -31805,7 +32226,7 @@
           <p:cNvPr id="124" name="육각형 123">
             <a:extLst>
               <a:ext uri="{FF2B5EF4-FFF2-40B4-BE49-F238E27FC236}">
-                <a16:creationId xmlns:a16="http://schemas.microsoft.com/office/drawing/2014/main" xmlns="" id="{CBA26E3D-1118-442F-AFD3-A6987B26D6E7}"/>
+                <a16:creationId xmlns:a16="http://schemas.microsoft.com/office/drawing/2014/main" id="{CBA26E3D-1118-442F-AFD3-A6987B26D6E7}"/>
               </a:ext>
             </a:extLst>
           </p:cNvPr>
@@ -31878,7 +32299,7 @@
           <p:cNvPr id="125" name="육각형 124">
             <a:extLst>
               <a:ext uri="{FF2B5EF4-FFF2-40B4-BE49-F238E27FC236}">
-                <a16:creationId xmlns:a16="http://schemas.microsoft.com/office/drawing/2014/main" xmlns="" id="{317148D5-613A-4560-B038-9D88F7EC3792}"/>
+                <a16:creationId xmlns:a16="http://schemas.microsoft.com/office/drawing/2014/main" id="{317148D5-613A-4560-B038-9D88F7EC3792}"/>
               </a:ext>
             </a:extLst>
           </p:cNvPr>
@@ -31948,7 +32369,7 @@
           <p:cNvPr id="126" name="육각형 125">
             <a:extLst>
               <a:ext uri="{FF2B5EF4-FFF2-40B4-BE49-F238E27FC236}">
-                <a16:creationId xmlns:a16="http://schemas.microsoft.com/office/drawing/2014/main" xmlns="" id="{C6A1898D-E2F9-42E5-8817-DAC0D08B146E}"/>
+                <a16:creationId xmlns:a16="http://schemas.microsoft.com/office/drawing/2014/main" id="{C6A1898D-E2F9-42E5-8817-DAC0D08B146E}"/>
               </a:ext>
             </a:extLst>
           </p:cNvPr>
@@ -32018,7 +32439,7 @@
           <p:cNvPr id="127" name="육각형 126">
             <a:extLst>
               <a:ext uri="{FF2B5EF4-FFF2-40B4-BE49-F238E27FC236}">
-                <a16:creationId xmlns:a16="http://schemas.microsoft.com/office/drawing/2014/main" xmlns="" id="{909C1C35-694D-469C-8C8E-3C77823B0564}"/>
+                <a16:creationId xmlns:a16="http://schemas.microsoft.com/office/drawing/2014/main" id="{909C1C35-694D-469C-8C8E-3C77823B0564}"/>
               </a:ext>
             </a:extLst>
           </p:cNvPr>
@@ -32091,7 +32512,7 @@
           <p:cNvPr id="128" name="육각형 127">
             <a:extLst>
               <a:ext uri="{FF2B5EF4-FFF2-40B4-BE49-F238E27FC236}">
-                <a16:creationId xmlns:a16="http://schemas.microsoft.com/office/drawing/2014/main" xmlns="" id="{BEEFC095-918E-4164-B2FC-0A558D64C9FB}"/>
+                <a16:creationId xmlns:a16="http://schemas.microsoft.com/office/drawing/2014/main" id="{BEEFC095-918E-4164-B2FC-0A558D64C9FB}"/>
               </a:ext>
             </a:extLst>
           </p:cNvPr>
@@ -32164,7 +32585,7 @@
           <p:cNvPr id="129" name="육각형 128">
             <a:extLst>
               <a:ext uri="{FF2B5EF4-FFF2-40B4-BE49-F238E27FC236}">
-                <a16:creationId xmlns:a16="http://schemas.microsoft.com/office/drawing/2014/main" xmlns="" id="{72140762-81F8-450C-9F86-071E5B2E9196}"/>
+                <a16:creationId xmlns:a16="http://schemas.microsoft.com/office/drawing/2014/main" id="{72140762-81F8-450C-9F86-071E5B2E9196}"/>
               </a:ext>
             </a:extLst>
           </p:cNvPr>
@@ -32237,7 +32658,7 @@
           <p:cNvPr id="130" name="육각형 129">
             <a:extLst>
               <a:ext uri="{FF2B5EF4-FFF2-40B4-BE49-F238E27FC236}">
-                <a16:creationId xmlns:a16="http://schemas.microsoft.com/office/drawing/2014/main" xmlns="" id="{CDF5D5A5-7491-4CCD-9C35-54609DCF4ED6}"/>
+                <a16:creationId xmlns:a16="http://schemas.microsoft.com/office/drawing/2014/main" id="{CDF5D5A5-7491-4CCD-9C35-54609DCF4ED6}"/>
               </a:ext>
             </a:extLst>
           </p:cNvPr>
@@ -32310,7 +32731,7 @@
           <p:cNvPr id="131" name="육각형 130">
             <a:extLst>
               <a:ext uri="{FF2B5EF4-FFF2-40B4-BE49-F238E27FC236}">
-                <a16:creationId xmlns:a16="http://schemas.microsoft.com/office/drawing/2014/main" xmlns="" id="{160B1A94-F200-4343-AFDA-309C58045A74}"/>
+                <a16:creationId xmlns:a16="http://schemas.microsoft.com/office/drawing/2014/main" id="{160B1A94-F200-4343-AFDA-309C58045A74}"/>
               </a:ext>
             </a:extLst>
           </p:cNvPr>
@@ -32380,7 +32801,7 @@
           <p:cNvPr id="132" name="육각형 131">
             <a:extLst>
               <a:ext uri="{FF2B5EF4-FFF2-40B4-BE49-F238E27FC236}">
-                <a16:creationId xmlns:a16="http://schemas.microsoft.com/office/drawing/2014/main" xmlns="" id="{29D3B6F5-B24F-45A8-9F07-60F373249CA4}"/>
+                <a16:creationId xmlns:a16="http://schemas.microsoft.com/office/drawing/2014/main" id="{29D3B6F5-B24F-45A8-9F07-60F373249CA4}"/>
               </a:ext>
             </a:extLst>
           </p:cNvPr>
@@ -32450,7 +32871,7 @@
           <p:cNvPr id="133" name="육각형 132">
             <a:extLst>
               <a:ext uri="{FF2B5EF4-FFF2-40B4-BE49-F238E27FC236}">
-                <a16:creationId xmlns:a16="http://schemas.microsoft.com/office/drawing/2014/main" xmlns="" id="{98D42201-BB37-462A-BAD7-C889BB223A77}"/>
+                <a16:creationId xmlns:a16="http://schemas.microsoft.com/office/drawing/2014/main" id="{98D42201-BB37-462A-BAD7-C889BB223A77}"/>
               </a:ext>
             </a:extLst>
           </p:cNvPr>
@@ -32520,7 +32941,7 @@
           <p:cNvPr id="134" name="육각형 133">
             <a:extLst>
               <a:ext uri="{FF2B5EF4-FFF2-40B4-BE49-F238E27FC236}">
-                <a16:creationId xmlns:a16="http://schemas.microsoft.com/office/drawing/2014/main" xmlns="" id="{DD9127B3-D106-4BBE-A61A-138F8BAC1806}"/>
+                <a16:creationId xmlns:a16="http://schemas.microsoft.com/office/drawing/2014/main" id="{DD9127B3-D106-4BBE-A61A-138F8BAC1806}"/>
               </a:ext>
             </a:extLst>
           </p:cNvPr>
@@ -32593,7 +33014,7 @@
           <p:cNvPr id="135" name="육각형 134">
             <a:extLst>
               <a:ext uri="{FF2B5EF4-FFF2-40B4-BE49-F238E27FC236}">
-                <a16:creationId xmlns:a16="http://schemas.microsoft.com/office/drawing/2014/main" xmlns="" id="{4C2A3120-61D1-4C5C-8EED-C2CF4F9E14EB}"/>
+                <a16:creationId xmlns:a16="http://schemas.microsoft.com/office/drawing/2014/main" id="{4C2A3120-61D1-4C5C-8EED-C2CF4F9E14EB}"/>
               </a:ext>
             </a:extLst>
           </p:cNvPr>
@@ -32666,7 +33087,7 @@
           <p:cNvPr id="136" name="육각형 135">
             <a:extLst>
               <a:ext uri="{FF2B5EF4-FFF2-40B4-BE49-F238E27FC236}">
-                <a16:creationId xmlns:a16="http://schemas.microsoft.com/office/drawing/2014/main" xmlns="" id="{7EC0CCAA-23C1-479E-BEEC-C2A57CAB8740}"/>
+                <a16:creationId xmlns:a16="http://schemas.microsoft.com/office/drawing/2014/main" id="{7EC0CCAA-23C1-479E-BEEC-C2A57CAB8740}"/>
               </a:ext>
             </a:extLst>
           </p:cNvPr>
@@ -32739,7 +33160,7 @@
           <p:cNvPr id="137" name="육각형 136">
             <a:extLst>
               <a:ext uri="{FF2B5EF4-FFF2-40B4-BE49-F238E27FC236}">
-                <a16:creationId xmlns:a16="http://schemas.microsoft.com/office/drawing/2014/main" xmlns="" id="{5F755D26-F071-4C6C-9968-99DFBA54A27B}"/>
+                <a16:creationId xmlns:a16="http://schemas.microsoft.com/office/drawing/2014/main" id="{5F755D26-F071-4C6C-9968-99DFBA54A27B}"/>
               </a:ext>
             </a:extLst>
           </p:cNvPr>
@@ -32809,7 +33230,7 @@
           <p:cNvPr id="138" name="육각형 137">
             <a:extLst>
               <a:ext uri="{FF2B5EF4-FFF2-40B4-BE49-F238E27FC236}">
-                <a16:creationId xmlns:a16="http://schemas.microsoft.com/office/drawing/2014/main" xmlns="" id="{40EBD5A1-0B10-45F0-82DA-F7BBBAC0B082}"/>
+                <a16:creationId xmlns:a16="http://schemas.microsoft.com/office/drawing/2014/main" id="{40EBD5A1-0B10-45F0-82DA-F7BBBAC0B082}"/>
               </a:ext>
             </a:extLst>
           </p:cNvPr>
@@ -32879,7 +33300,7 @@
           <p:cNvPr id="139" name="육각형 138">
             <a:extLst>
               <a:ext uri="{FF2B5EF4-FFF2-40B4-BE49-F238E27FC236}">
-                <a16:creationId xmlns:a16="http://schemas.microsoft.com/office/drawing/2014/main" xmlns="" id="{D9B6F226-7A4D-4816-9364-9BE3BE9E635D}"/>
+                <a16:creationId xmlns:a16="http://schemas.microsoft.com/office/drawing/2014/main" id="{D9B6F226-7A4D-4816-9364-9BE3BE9E635D}"/>
               </a:ext>
             </a:extLst>
           </p:cNvPr>
@@ -32952,7 +33373,7 @@
           <p:cNvPr id="140" name="육각형 139">
             <a:extLst>
               <a:ext uri="{FF2B5EF4-FFF2-40B4-BE49-F238E27FC236}">
-                <a16:creationId xmlns:a16="http://schemas.microsoft.com/office/drawing/2014/main" xmlns="" id="{57277917-A07B-4509-99C2-87CF88603182}"/>
+                <a16:creationId xmlns:a16="http://schemas.microsoft.com/office/drawing/2014/main" id="{57277917-A07B-4509-99C2-87CF88603182}"/>
               </a:ext>
             </a:extLst>
           </p:cNvPr>
@@ -33025,7 +33446,7 @@
           <p:cNvPr id="141" name="육각형 140">
             <a:extLst>
               <a:ext uri="{FF2B5EF4-FFF2-40B4-BE49-F238E27FC236}">
-                <a16:creationId xmlns:a16="http://schemas.microsoft.com/office/drawing/2014/main" xmlns="" id="{77420538-C0C7-4CB5-83B0-0383A93F9F55}"/>
+                <a16:creationId xmlns:a16="http://schemas.microsoft.com/office/drawing/2014/main" id="{77420538-C0C7-4CB5-83B0-0383A93F9F55}"/>
               </a:ext>
             </a:extLst>
           </p:cNvPr>
@@ -33098,7 +33519,7 @@
           <p:cNvPr id="142" name="육각형 141">
             <a:extLst>
               <a:ext uri="{FF2B5EF4-FFF2-40B4-BE49-F238E27FC236}">
-                <a16:creationId xmlns:a16="http://schemas.microsoft.com/office/drawing/2014/main" xmlns="" id="{2E18F901-D972-421D-8665-E865CC794D33}"/>
+                <a16:creationId xmlns:a16="http://schemas.microsoft.com/office/drawing/2014/main" id="{2E18F901-D972-421D-8665-E865CC794D33}"/>
               </a:ext>
             </a:extLst>
           </p:cNvPr>
@@ -33171,7 +33592,7 @@
           <p:cNvPr id="143" name="육각형 142">
             <a:extLst>
               <a:ext uri="{FF2B5EF4-FFF2-40B4-BE49-F238E27FC236}">
-                <a16:creationId xmlns:a16="http://schemas.microsoft.com/office/drawing/2014/main" xmlns="" id="{3C7CF402-B256-4E6D-89F3-6D3DEE59987D}"/>
+                <a16:creationId xmlns:a16="http://schemas.microsoft.com/office/drawing/2014/main" id="{3C7CF402-B256-4E6D-89F3-6D3DEE59987D}"/>
               </a:ext>
             </a:extLst>
           </p:cNvPr>
@@ -33244,7 +33665,7 @@
           <p:cNvPr id="144" name="육각형 143">
             <a:extLst>
               <a:ext uri="{FF2B5EF4-FFF2-40B4-BE49-F238E27FC236}">
-                <a16:creationId xmlns:a16="http://schemas.microsoft.com/office/drawing/2014/main" xmlns="" id="{6DC53354-E6AF-4C76-96B7-0FCE96386201}"/>
+                <a16:creationId xmlns:a16="http://schemas.microsoft.com/office/drawing/2014/main" id="{6DC53354-E6AF-4C76-96B7-0FCE96386201}"/>
               </a:ext>
             </a:extLst>
           </p:cNvPr>
@@ -33317,7 +33738,7 @@
           <p:cNvPr id="145" name="육각형 144">
             <a:extLst>
               <a:ext uri="{FF2B5EF4-FFF2-40B4-BE49-F238E27FC236}">
-                <a16:creationId xmlns:a16="http://schemas.microsoft.com/office/drawing/2014/main" xmlns="" id="{45DCDC72-A097-4C73-9F5F-68B560DF84F0}"/>
+                <a16:creationId xmlns:a16="http://schemas.microsoft.com/office/drawing/2014/main" id="{45DCDC72-A097-4C73-9F5F-68B560DF84F0}"/>
               </a:ext>
             </a:extLst>
           </p:cNvPr>
@@ -33390,7 +33811,7 @@
           <p:cNvPr id="146" name="육각형 145">
             <a:extLst>
               <a:ext uri="{FF2B5EF4-FFF2-40B4-BE49-F238E27FC236}">
-                <a16:creationId xmlns:a16="http://schemas.microsoft.com/office/drawing/2014/main" xmlns="" id="{EED9BB11-E325-4383-9514-896D20878534}"/>
+                <a16:creationId xmlns:a16="http://schemas.microsoft.com/office/drawing/2014/main" id="{EED9BB11-E325-4383-9514-896D20878534}"/>
               </a:ext>
             </a:extLst>
           </p:cNvPr>
@@ -33463,7 +33884,7 @@
           <p:cNvPr id="147" name="타원 146">
             <a:extLst>
               <a:ext uri="{FF2B5EF4-FFF2-40B4-BE49-F238E27FC236}">
-                <a16:creationId xmlns:a16="http://schemas.microsoft.com/office/drawing/2014/main" xmlns="" id="{DC2F8C80-7D32-4E9A-964A-5BF3C0621D54}"/>
+                <a16:creationId xmlns:a16="http://schemas.microsoft.com/office/drawing/2014/main" id="{DC2F8C80-7D32-4E9A-964A-5BF3C0621D54}"/>
               </a:ext>
             </a:extLst>
           </p:cNvPr>
@@ -33553,7 +33974,7 @@
           <p:cNvPr id="148" name="타원 147">
             <a:extLst>
               <a:ext uri="{FF2B5EF4-FFF2-40B4-BE49-F238E27FC236}">
-                <a16:creationId xmlns:a16="http://schemas.microsoft.com/office/drawing/2014/main" xmlns="" id="{36BE9323-5EC5-44C9-8DA8-A3DA226172FF}"/>
+                <a16:creationId xmlns:a16="http://schemas.microsoft.com/office/drawing/2014/main" id="{36BE9323-5EC5-44C9-8DA8-A3DA226172FF}"/>
               </a:ext>
             </a:extLst>
           </p:cNvPr>
@@ -33643,7 +34064,7 @@
           <p:cNvPr id="153" name="직선 화살표 연결선 152">
             <a:extLst>
               <a:ext uri="{FF2B5EF4-FFF2-40B4-BE49-F238E27FC236}">
-                <a16:creationId xmlns:a16="http://schemas.microsoft.com/office/drawing/2014/main" xmlns="" id="{F815330C-5AB9-4530-9EBE-A22DE320E5C1}"/>
+                <a16:creationId xmlns:a16="http://schemas.microsoft.com/office/drawing/2014/main" id="{F815330C-5AB9-4530-9EBE-A22DE320E5C1}"/>
               </a:ext>
             </a:extLst>
           </p:cNvPr>
@@ -33679,7 +34100,7 @@
           <p:cNvPr id="155" name="타원 154">
             <a:extLst>
               <a:ext uri="{FF2B5EF4-FFF2-40B4-BE49-F238E27FC236}">
-                <a16:creationId xmlns:a16="http://schemas.microsoft.com/office/drawing/2014/main" xmlns="" id="{B04DC9CA-5872-4BA7-808E-9440E6FBA588}"/>
+                <a16:creationId xmlns:a16="http://schemas.microsoft.com/office/drawing/2014/main" id="{B04DC9CA-5872-4BA7-808E-9440E6FBA588}"/>
               </a:ext>
             </a:extLst>
           </p:cNvPr>
@@ -33769,7 +34190,7 @@
           <p:cNvPr id="156" name="타원 155">
             <a:extLst>
               <a:ext uri="{FF2B5EF4-FFF2-40B4-BE49-F238E27FC236}">
-                <a16:creationId xmlns:a16="http://schemas.microsoft.com/office/drawing/2014/main" xmlns="" id="{EEE1C24F-B16B-4788-B6CB-E51E789E9CE6}"/>
+                <a16:creationId xmlns:a16="http://schemas.microsoft.com/office/drawing/2014/main" id="{EEE1C24F-B16B-4788-B6CB-E51E789E9CE6}"/>
               </a:ext>
             </a:extLst>
           </p:cNvPr>
@@ -33859,7 +34280,7 @@
           <p:cNvPr id="158" name="직사각형 157">
             <a:extLst>
               <a:ext uri="{FF2B5EF4-FFF2-40B4-BE49-F238E27FC236}">
-                <a16:creationId xmlns:a16="http://schemas.microsoft.com/office/drawing/2014/main" xmlns="" id="{8D0E04BF-39C4-4CAA-B5D4-27EF3B989C5F}"/>
+                <a16:creationId xmlns:a16="http://schemas.microsoft.com/office/drawing/2014/main" id="{8D0E04BF-39C4-4CAA-B5D4-27EF3B989C5F}"/>
               </a:ext>
             </a:extLst>
           </p:cNvPr>
@@ -33931,7 +34352,7 @@
           <p:cNvPr id="159" name="육각형 158">
             <a:extLst>
               <a:ext uri="{FF2B5EF4-FFF2-40B4-BE49-F238E27FC236}">
-                <a16:creationId xmlns:a16="http://schemas.microsoft.com/office/drawing/2014/main" xmlns="" id="{623D7A25-36CE-4884-9207-4F7E9AEA9AF1}"/>
+                <a16:creationId xmlns:a16="http://schemas.microsoft.com/office/drawing/2014/main" id="{623D7A25-36CE-4884-9207-4F7E9AEA9AF1}"/>
               </a:ext>
             </a:extLst>
           </p:cNvPr>
@@ -34004,7 +34425,7 @@
           <p:cNvPr id="160" name="육각형 159">
             <a:extLst>
               <a:ext uri="{FF2B5EF4-FFF2-40B4-BE49-F238E27FC236}">
-                <a16:creationId xmlns:a16="http://schemas.microsoft.com/office/drawing/2014/main" xmlns="" id="{0E27E891-8DCB-4A7A-A8EA-207EF70EE1FF}"/>
+                <a16:creationId xmlns:a16="http://schemas.microsoft.com/office/drawing/2014/main" id="{0E27E891-8DCB-4A7A-A8EA-207EF70EE1FF}"/>
               </a:ext>
             </a:extLst>
           </p:cNvPr>
@@ -34077,7 +34498,7 @@
           <p:cNvPr id="161" name="육각형 160">
             <a:extLst>
               <a:ext uri="{FF2B5EF4-FFF2-40B4-BE49-F238E27FC236}">
-                <a16:creationId xmlns:a16="http://schemas.microsoft.com/office/drawing/2014/main" xmlns="" id="{396F9CD0-52C9-402F-BAE5-93A469268EA9}"/>
+                <a16:creationId xmlns:a16="http://schemas.microsoft.com/office/drawing/2014/main" id="{396F9CD0-52C9-402F-BAE5-93A469268EA9}"/>
               </a:ext>
             </a:extLst>
           </p:cNvPr>
@@ -34150,7 +34571,7 @@
           <p:cNvPr id="162" name="육각형 161">
             <a:extLst>
               <a:ext uri="{FF2B5EF4-FFF2-40B4-BE49-F238E27FC236}">
-                <a16:creationId xmlns:a16="http://schemas.microsoft.com/office/drawing/2014/main" xmlns="" id="{9A1AEAE8-2730-4CD3-A34D-8195280C924E}"/>
+                <a16:creationId xmlns:a16="http://schemas.microsoft.com/office/drawing/2014/main" id="{9A1AEAE8-2730-4CD3-A34D-8195280C924E}"/>
               </a:ext>
             </a:extLst>
           </p:cNvPr>
@@ -34223,7 +34644,7 @@
           <p:cNvPr id="163" name="육각형 162">
             <a:extLst>
               <a:ext uri="{FF2B5EF4-FFF2-40B4-BE49-F238E27FC236}">
-                <a16:creationId xmlns:a16="http://schemas.microsoft.com/office/drawing/2014/main" xmlns="" id="{79754C48-8D5C-4ACC-A206-ACFF640FD736}"/>
+                <a16:creationId xmlns:a16="http://schemas.microsoft.com/office/drawing/2014/main" id="{79754C48-8D5C-4ACC-A206-ACFF640FD736}"/>
               </a:ext>
             </a:extLst>
           </p:cNvPr>
@@ -34296,7 +34717,7 @@
           <p:cNvPr id="164" name="육각형 163">
             <a:extLst>
               <a:ext uri="{FF2B5EF4-FFF2-40B4-BE49-F238E27FC236}">
-                <a16:creationId xmlns:a16="http://schemas.microsoft.com/office/drawing/2014/main" xmlns="" id="{F61EA259-C82C-4B48-8F49-1B3FB55A3830}"/>
+                <a16:creationId xmlns:a16="http://schemas.microsoft.com/office/drawing/2014/main" id="{F61EA259-C82C-4B48-8F49-1B3FB55A3830}"/>
               </a:ext>
             </a:extLst>
           </p:cNvPr>
@@ -34369,7 +34790,7 @@
           <p:cNvPr id="165" name="육각형 164">
             <a:extLst>
               <a:ext uri="{FF2B5EF4-FFF2-40B4-BE49-F238E27FC236}">
-                <a16:creationId xmlns:a16="http://schemas.microsoft.com/office/drawing/2014/main" xmlns="" id="{5287E2EE-020D-4FBF-A219-492ADF04D202}"/>
+                <a16:creationId xmlns:a16="http://schemas.microsoft.com/office/drawing/2014/main" id="{5287E2EE-020D-4FBF-A219-492ADF04D202}"/>
               </a:ext>
             </a:extLst>
           </p:cNvPr>
@@ -34442,7 +34863,7 @@
           <p:cNvPr id="166" name="육각형 165">
             <a:extLst>
               <a:ext uri="{FF2B5EF4-FFF2-40B4-BE49-F238E27FC236}">
-                <a16:creationId xmlns:a16="http://schemas.microsoft.com/office/drawing/2014/main" xmlns="" id="{6E527D36-57ED-4999-BE33-71447BA436B0}"/>
+                <a16:creationId xmlns:a16="http://schemas.microsoft.com/office/drawing/2014/main" id="{6E527D36-57ED-4999-BE33-71447BA436B0}"/>
               </a:ext>
             </a:extLst>
           </p:cNvPr>
@@ -34515,7 +34936,7 @@
           <p:cNvPr id="167" name="육각형 166">
             <a:extLst>
               <a:ext uri="{FF2B5EF4-FFF2-40B4-BE49-F238E27FC236}">
-                <a16:creationId xmlns:a16="http://schemas.microsoft.com/office/drawing/2014/main" xmlns="" id="{7DAA30F2-02B4-418E-86B1-EB7F1ACE522D}"/>
+                <a16:creationId xmlns:a16="http://schemas.microsoft.com/office/drawing/2014/main" id="{7DAA30F2-02B4-418E-86B1-EB7F1ACE522D}"/>
               </a:ext>
             </a:extLst>
           </p:cNvPr>
@@ -34585,7 +35006,7 @@
           <p:cNvPr id="168" name="육각형 167">
             <a:extLst>
               <a:ext uri="{FF2B5EF4-FFF2-40B4-BE49-F238E27FC236}">
-                <a16:creationId xmlns:a16="http://schemas.microsoft.com/office/drawing/2014/main" xmlns="" id="{A5322A56-6254-4596-8AF5-2B79B60AB14D}"/>
+                <a16:creationId xmlns:a16="http://schemas.microsoft.com/office/drawing/2014/main" id="{A5322A56-6254-4596-8AF5-2B79B60AB14D}"/>
               </a:ext>
             </a:extLst>
           </p:cNvPr>
@@ -34655,7 +35076,7 @@
           <p:cNvPr id="169" name="육각형 168">
             <a:extLst>
               <a:ext uri="{FF2B5EF4-FFF2-40B4-BE49-F238E27FC236}">
-                <a16:creationId xmlns:a16="http://schemas.microsoft.com/office/drawing/2014/main" xmlns="" id="{546FE32F-6591-4E14-B76D-C6AF1B321DF3}"/>
+                <a16:creationId xmlns:a16="http://schemas.microsoft.com/office/drawing/2014/main" id="{546FE32F-6591-4E14-B76D-C6AF1B321DF3}"/>
               </a:ext>
             </a:extLst>
           </p:cNvPr>
@@ -34728,7 +35149,7 @@
           <p:cNvPr id="170" name="육각형 169">
             <a:extLst>
               <a:ext uri="{FF2B5EF4-FFF2-40B4-BE49-F238E27FC236}">
-                <a16:creationId xmlns:a16="http://schemas.microsoft.com/office/drawing/2014/main" xmlns="" id="{84615EEA-193F-4629-A194-090DD3C5968F}"/>
+                <a16:creationId xmlns:a16="http://schemas.microsoft.com/office/drawing/2014/main" id="{84615EEA-193F-4629-A194-090DD3C5968F}"/>
               </a:ext>
             </a:extLst>
           </p:cNvPr>
@@ -34801,7 +35222,7 @@
           <p:cNvPr id="171" name="육각형 170">
             <a:extLst>
               <a:ext uri="{FF2B5EF4-FFF2-40B4-BE49-F238E27FC236}">
-                <a16:creationId xmlns:a16="http://schemas.microsoft.com/office/drawing/2014/main" xmlns="" id="{218B0364-69EC-4E16-BE8C-4C264E7E13AE}"/>
+                <a16:creationId xmlns:a16="http://schemas.microsoft.com/office/drawing/2014/main" id="{218B0364-69EC-4E16-BE8C-4C264E7E13AE}"/>
               </a:ext>
             </a:extLst>
           </p:cNvPr>
@@ -34874,7 +35295,7 @@
           <p:cNvPr id="172" name="육각형 171">
             <a:extLst>
               <a:ext uri="{FF2B5EF4-FFF2-40B4-BE49-F238E27FC236}">
-                <a16:creationId xmlns:a16="http://schemas.microsoft.com/office/drawing/2014/main" xmlns="" id="{8D37B2A8-80E6-4CFB-A0BD-74DA06AB239E}"/>
+                <a16:creationId xmlns:a16="http://schemas.microsoft.com/office/drawing/2014/main" id="{8D37B2A8-80E6-4CFB-A0BD-74DA06AB239E}"/>
               </a:ext>
             </a:extLst>
           </p:cNvPr>
@@ -34947,7 +35368,7 @@
           <p:cNvPr id="173" name="육각형 172">
             <a:extLst>
               <a:ext uri="{FF2B5EF4-FFF2-40B4-BE49-F238E27FC236}">
-                <a16:creationId xmlns:a16="http://schemas.microsoft.com/office/drawing/2014/main" xmlns="" id="{9C342F68-4D79-485D-83B9-23424D67B7AE}"/>
+                <a16:creationId xmlns:a16="http://schemas.microsoft.com/office/drawing/2014/main" id="{9C342F68-4D79-485D-83B9-23424D67B7AE}"/>
               </a:ext>
             </a:extLst>
           </p:cNvPr>
@@ -35017,7 +35438,7 @@
           <p:cNvPr id="174" name="육각형 173">
             <a:extLst>
               <a:ext uri="{FF2B5EF4-FFF2-40B4-BE49-F238E27FC236}">
-                <a16:creationId xmlns:a16="http://schemas.microsoft.com/office/drawing/2014/main" xmlns="" id="{5D1126B6-F394-4425-80DD-04CCF1A7B7F4}"/>
+                <a16:creationId xmlns:a16="http://schemas.microsoft.com/office/drawing/2014/main" id="{5D1126B6-F394-4425-80DD-04CCF1A7B7F4}"/>
               </a:ext>
             </a:extLst>
           </p:cNvPr>
@@ -35087,7 +35508,7 @@
           <p:cNvPr id="175" name="육각형 174">
             <a:extLst>
               <a:ext uri="{FF2B5EF4-FFF2-40B4-BE49-F238E27FC236}">
-                <a16:creationId xmlns:a16="http://schemas.microsoft.com/office/drawing/2014/main" xmlns="" id="{E1F8826A-40CF-4F13-8925-37ACCE5C81DB}"/>
+                <a16:creationId xmlns:a16="http://schemas.microsoft.com/office/drawing/2014/main" id="{E1F8826A-40CF-4F13-8925-37ACCE5C81DB}"/>
               </a:ext>
             </a:extLst>
           </p:cNvPr>
@@ -35157,7 +35578,7 @@
           <p:cNvPr id="181" name="육각형 180">
             <a:extLst>
               <a:ext uri="{FF2B5EF4-FFF2-40B4-BE49-F238E27FC236}">
-                <a16:creationId xmlns:a16="http://schemas.microsoft.com/office/drawing/2014/main" xmlns="" id="{A648B334-EBC6-4646-9F4B-9D3B7DB09C5C}"/>
+                <a16:creationId xmlns:a16="http://schemas.microsoft.com/office/drawing/2014/main" id="{A648B334-EBC6-4646-9F4B-9D3B7DB09C5C}"/>
               </a:ext>
             </a:extLst>
           </p:cNvPr>
@@ -35230,7 +35651,7 @@
           <p:cNvPr id="201" name="육각형 200">
             <a:extLst>
               <a:ext uri="{FF2B5EF4-FFF2-40B4-BE49-F238E27FC236}">
-                <a16:creationId xmlns:a16="http://schemas.microsoft.com/office/drawing/2014/main" xmlns="" id="{2140505B-D10F-4CE1-9E48-08646097CDCC}"/>
+                <a16:creationId xmlns:a16="http://schemas.microsoft.com/office/drawing/2014/main" id="{2140505B-D10F-4CE1-9E48-08646097CDCC}"/>
               </a:ext>
             </a:extLst>
           </p:cNvPr>
@@ -35303,7 +35724,7 @@
           <p:cNvPr id="202" name="육각형 201">
             <a:extLst>
               <a:ext uri="{FF2B5EF4-FFF2-40B4-BE49-F238E27FC236}">
-                <a16:creationId xmlns:a16="http://schemas.microsoft.com/office/drawing/2014/main" xmlns="" id="{81750E6D-4035-4301-AE11-00198679561B}"/>
+                <a16:creationId xmlns:a16="http://schemas.microsoft.com/office/drawing/2014/main" id="{81750E6D-4035-4301-AE11-00198679561B}"/>
               </a:ext>
             </a:extLst>
           </p:cNvPr>
@@ -35376,7 +35797,7 @@
           <p:cNvPr id="203" name="육각형 202">
             <a:extLst>
               <a:ext uri="{FF2B5EF4-FFF2-40B4-BE49-F238E27FC236}">
-                <a16:creationId xmlns:a16="http://schemas.microsoft.com/office/drawing/2014/main" xmlns="" id="{12070477-DACA-414C-BD4E-766993594010}"/>
+                <a16:creationId xmlns:a16="http://schemas.microsoft.com/office/drawing/2014/main" id="{12070477-DACA-414C-BD4E-766993594010}"/>
               </a:ext>
             </a:extLst>
           </p:cNvPr>
@@ -35446,7 +35867,7 @@
           <p:cNvPr id="204" name="육각형 203">
             <a:extLst>
               <a:ext uri="{FF2B5EF4-FFF2-40B4-BE49-F238E27FC236}">
-                <a16:creationId xmlns:a16="http://schemas.microsoft.com/office/drawing/2014/main" xmlns="" id="{5428F50B-7F41-4EB1-9737-E0194C18333F}"/>
+                <a16:creationId xmlns:a16="http://schemas.microsoft.com/office/drawing/2014/main" id="{5428F50B-7F41-4EB1-9737-E0194C18333F}"/>
               </a:ext>
             </a:extLst>
           </p:cNvPr>
@@ -35516,7 +35937,7 @@
           <p:cNvPr id="205" name="육각형 204">
             <a:extLst>
               <a:ext uri="{FF2B5EF4-FFF2-40B4-BE49-F238E27FC236}">
-                <a16:creationId xmlns:a16="http://schemas.microsoft.com/office/drawing/2014/main" xmlns="" id="{AB78D478-059A-4B29-9336-14B5C2BDA75B}"/>
+                <a16:creationId xmlns:a16="http://schemas.microsoft.com/office/drawing/2014/main" id="{AB78D478-059A-4B29-9336-14B5C2BDA75B}"/>
               </a:ext>
             </a:extLst>
           </p:cNvPr>
@@ -35589,7 +36010,7 @@
           <p:cNvPr id="206" name="육각형 205">
             <a:extLst>
               <a:ext uri="{FF2B5EF4-FFF2-40B4-BE49-F238E27FC236}">
-                <a16:creationId xmlns:a16="http://schemas.microsoft.com/office/drawing/2014/main" xmlns="" id="{0BBF488E-C1DF-4E86-B6F2-DAB2B66EA4EB}"/>
+                <a16:creationId xmlns:a16="http://schemas.microsoft.com/office/drawing/2014/main" id="{0BBF488E-C1DF-4E86-B6F2-DAB2B66EA4EB}"/>
               </a:ext>
             </a:extLst>
           </p:cNvPr>
@@ -35662,7 +36083,7 @@
           <p:cNvPr id="207" name="육각형 206">
             <a:extLst>
               <a:ext uri="{FF2B5EF4-FFF2-40B4-BE49-F238E27FC236}">
-                <a16:creationId xmlns:a16="http://schemas.microsoft.com/office/drawing/2014/main" xmlns="" id="{FEB4C4C3-7178-408D-B199-E77CF5D184BE}"/>
+                <a16:creationId xmlns:a16="http://schemas.microsoft.com/office/drawing/2014/main" id="{FEB4C4C3-7178-408D-B199-E77CF5D184BE}"/>
               </a:ext>
             </a:extLst>
           </p:cNvPr>
@@ -35735,7 +36156,7 @@
           <p:cNvPr id="208" name="육각형 207">
             <a:extLst>
               <a:ext uri="{FF2B5EF4-FFF2-40B4-BE49-F238E27FC236}">
-                <a16:creationId xmlns:a16="http://schemas.microsoft.com/office/drawing/2014/main" xmlns="" id="{A7255099-2729-46C9-95EE-2ED41ED022DA}"/>
+                <a16:creationId xmlns:a16="http://schemas.microsoft.com/office/drawing/2014/main" id="{A7255099-2729-46C9-95EE-2ED41ED022DA}"/>
               </a:ext>
             </a:extLst>
           </p:cNvPr>
@@ -35808,7 +36229,7 @@
           <p:cNvPr id="209" name="육각형 208">
             <a:extLst>
               <a:ext uri="{FF2B5EF4-FFF2-40B4-BE49-F238E27FC236}">
-                <a16:creationId xmlns:a16="http://schemas.microsoft.com/office/drawing/2014/main" xmlns="" id="{99BEAB64-1E43-44E7-BE1A-9FAFF737719B}"/>
+                <a16:creationId xmlns:a16="http://schemas.microsoft.com/office/drawing/2014/main" id="{99BEAB64-1E43-44E7-BE1A-9FAFF737719B}"/>
               </a:ext>
             </a:extLst>
           </p:cNvPr>
@@ -35881,7 +36302,7 @@
           <p:cNvPr id="210" name="육각형 209">
             <a:extLst>
               <a:ext uri="{FF2B5EF4-FFF2-40B4-BE49-F238E27FC236}">
-                <a16:creationId xmlns:a16="http://schemas.microsoft.com/office/drawing/2014/main" xmlns="" id="{F68C7665-6867-4E01-BA94-86C096B03583}"/>
+                <a16:creationId xmlns:a16="http://schemas.microsoft.com/office/drawing/2014/main" id="{F68C7665-6867-4E01-BA94-86C096B03583}"/>
               </a:ext>
             </a:extLst>
           </p:cNvPr>
@@ -35954,7 +36375,7 @@
           <p:cNvPr id="211" name="육각형 210">
             <a:extLst>
               <a:ext uri="{FF2B5EF4-FFF2-40B4-BE49-F238E27FC236}">
-                <a16:creationId xmlns:a16="http://schemas.microsoft.com/office/drawing/2014/main" xmlns="" id="{F2EC44E1-3699-4C7E-B78E-4BDC6F7E972D}"/>
+                <a16:creationId xmlns:a16="http://schemas.microsoft.com/office/drawing/2014/main" id="{F2EC44E1-3699-4C7E-B78E-4BDC6F7E972D}"/>
               </a:ext>
             </a:extLst>
           </p:cNvPr>
@@ -36027,7 +36448,7 @@
           <p:cNvPr id="212" name="육각형 211">
             <a:extLst>
               <a:ext uri="{FF2B5EF4-FFF2-40B4-BE49-F238E27FC236}">
-                <a16:creationId xmlns:a16="http://schemas.microsoft.com/office/drawing/2014/main" xmlns="" id="{F6D03340-EE8C-425C-94C6-95F514B48DE7}"/>
+                <a16:creationId xmlns:a16="http://schemas.microsoft.com/office/drawing/2014/main" id="{F6D03340-EE8C-425C-94C6-95F514B48DE7}"/>
               </a:ext>
             </a:extLst>
           </p:cNvPr>
@@ -36100,7 +36521,7 @@
           <p:cNvPr id="213" name="타원 212">
             <a:extLst>
               <a:ext uri="{FF2B5EF4-FFF2-40B4-BE49-F238E27FC236}">
-                <a16:creationId xmlns:a16="http://schemas.microsoft.com/office/drawing/2014/main" xmlns="" id="{5CC24CAF-CB2A-4D33-8143-CAEAF51C92DE}"/>
+                <a16:creationId xmlns:a16="http://schemas.microsoft.com/office/drawing/2014/main" id="{5CC24CAF-CB2A-4D33-8143-CAEAF51C92DE}"/>
               </a:ext>
             </a:extLst>
           </p:cNvPr>
@@ -36190,7 +36611,7 @@
           <p:cNvPr id="214" name="타원 213">
             <a:extLst>
               <a:ext uri="{FF2B5EF4-FFF2-40B4-BE49-F238E27FC236}">
-                <a16:creationId xmlns:a16="http://schemas.microsoft.com/office/drawing/2014/main" xmlns="" id="{A940CE67-279A-4260-B82B-AC58BB83991E}"/>
+                <a16:creationId xmlns:a16="http://schemas.microsoft.com/office/drawing/2014/main" id="{A940CE67-279A-4260-B82B-AC58BB83991E}"/>
               </a:ext>
             </a:extLst>
           </p:cNvPr>
@@ -36280,7 +36701,7 @@
           <p:cNvPr id="215" name="직선 화살표 연결선 214">
             <a:extLst>
               <a:ext uri="{FF2B5EF4-FFF2-40B4-BE49-F238E27FC236}">
-                <a16:creationId xmlns:a16="http://schemas.microsoft.com/office/drawing/2014/main" xmlns="" id="{4CCF53C9-E0F4-4E86-B70A-6B72CA87F694}"/>
+                <a16:creationId xmlns:a16="http://schemas.microsoft.com/office/drawing/2014/main" id="{4CCF53C9-E0F4-4E86-B70A-6B72CA87F694}"/>
               </a:ext>
             </a:extLst>
           </p:cNvPr>
@@ -36314,7 +36735,7 @@
           <p:cNvPr id="216" name="직선 화살표 연결선 215">
             <a:extLst>
               <a:ext uri="{FF2B5EF4-FFF2-40B4-BE49-F238E27FC236}">
-                <a16:creationId xmlns:a16="http://schemas.microsoft.com/office/drawing/2014/main" xmlns="" id="{C35D0949-4057-4C0E-AABE-88FD6FCA2934}"/>
+                <a16:creationId xmlns:a16="http://schemas.microsoft.com/office/drawing/2014/main" id="{C35D0949-4057-4C0E-AABE-88FD6FCA2934}"/>
               </a:ext>
             </a:extLst>
           </p:cNvPr>
@@ -36348,7 +36769,7 @@
           <p:cNvPr id="217" name="직선 화살표 연결선 216">
             <a:extLst>
               <a:ext uri="{FF2B5EF4-FFF2-40B4-BE49-F238E27FC236}">
-                <a16:creationId xmlns:a16="http://schemas.microsoft.com/office/drawing/2014/main" xmlns="" id="{3CA423BD-B9F7-41D6-B2DA-23B0E3A98612}"/>
+                <a16:creationId xmlns:a16="http://schemas.microsoft.com/office/drawing/2014/main" id="{3CA423BD-B9F7-41D6-B2DA-23B0E3A98612}"/>
               </a:ext>
             </a:extLst>
           </p:cNvPr>
@@ -36382,7 +36803,7 @@
           <p:cNvPr id="218" name="직선 화살표 연결선 217">
             <a:extLst>
               <a:ext uri="{FF2B5EF4-FFF2-40B4-BE49-F238E27FC236}">
-                <a16:creationId xmlns:a16="http://schemas.microsoft.com/office/drawing/2014/main" xmlns="" id="{5C80DF73-EB4F-4D2A-895C-7E9BB6039FD0}"/>
+                <a16:creationId xmlns:a16="http://schemas.microsoft.com/office/drawing/2014/main" id="{5C80DF73-EB4F-4D2A-895C-7E9BB6039FD0}"/>
               </a:ext>
             </a:extLst>
           </p:cNvPr>
@@ -36416,7 +36837,7 @@
           <p:cNvPr id="219" name="직선 화살표 연결선 218">
             <a:extLst>
               <a:ext uri="{FF2B5EF4-FFF2-40B4-BE49-F238E27FC236}">
-                <a16:creationId xmlns:a16="http://schemas.microsoft.com/office/drawing/2014/main" xmlns="" id="{D9FAB3D8-4AB4-4AD4-BB35-A2ABE7C104AF}"/>
+                <a16:creationId xmlns:a16="http://schemas.microsoft.com/office/drawing/2014/main" id="{D9FAB3D8-4AB4-4AD4-BB35-A2ABE7C104AF}"/>
               </a:ext>
             </a:extLst>
           </p:cNvPr>
@@ -36450,7 +36871,7 @@
           <p:cNvPr id="220" name="직선 화살표 연결선 219">
             <a:extLst>
               <a:ext uri="{FF2B5EF4-FFF2-40B4-BE49-F238E27FC236}">
-                <a16:creationId xmlns:a16="http://schemas.microsoft.com/office/drawing/2014/main" xmlns="" id="{D6210F98-5D5E-4B14-B6AD-DDBFA757FD50}"/>
+                <a16:creationId xmlns:a16="http://schemas.microsoft.com/office/drawing/2014/main" id="{D6210F98-5D5E-4B14-B6AD-DDBFA757FD50}"/>
               </a:ext>
             </a:extLst>
           </p:cNvPr>
@@ -36484,7 +36905,7 @@
           <p:cNvPr id="221" name="타원 220">
             <a:extLst>
               <a:ext uri="{FF2B5EF4-FFF2-40B4-BE49-F238E27FC236}">
-                <a16:creationId xmlns:a16="http://schemas.microsoft.com/office/drawing/2014/main" xmlns="" id="{69308B4D-6BAB-444F-9A4E-2B728061435F}"/>
+                <a16:creationId xmlns:a16="http://schemas.microsoft.com/office/drawing/2014/main" id="{69308B4D-6BAB-444F-9A4E-2B728061435F}"/>
               </a:ext>
             </a:extLst>
           </p:cNvPr>
@@ -36574,7 +36995,7 @@
           <p:cNvPr id="222" name="타원 221">
             <a:extLst>
               <a:ext uri="{FF2B5EF4-FFF2-40B4-BE49-F238E27FC236}">
-                <a16:creationId xmlns:a16="http://schemas.microsoft.com/office/drawing/2014/main" xmlns="" id="{9B4068B7-F49F-4085-997B-5F06107F7738}"/>
+                <a16:creationId xmlns:a16="http://schemas.microsoft.com/office/drawing/2014/main" id="{9B4068B7-F49F-4085-997B-5F06107F7738}"/>
               </a:ext>
             </a:extLst>
           </p:cNvPr>
@@ -36664,7 +37085,7 @@
           <p:cNvPr id="224" name="직사각형 223">
             <a:extLst>
               <a:ext uri="{FF2B5EF4-FFF2-40B4-BE49-F238E27FC236}">
-                <a16:creationId xmlns:a16="http://schemas.microsoft.com/office/drawing/2014/main" xmlns="" id="{2F997B07-F9A6-40CD-BB0A-5B559F606E04}"/>
+                <a16:creationId xmlns:a16="http://schemas.microsoft.com/office/drawing/2014/main" id="{2F997B07-F9A6-40CD-BB0A-5B559F606E04}"/>
               </a:ext>
             </a:extLst>
           </p:cNvPr>
@@ -36736,7 +37157,7 @@
           <p:cNvPr id="225" name="육각형 224">
             <a:extLst>
               <a:ext uri="{FF2B5EF4-FFF2-40B4-BE49-F238E27FC236}">
-                <a16:creationId xmlns:a16="http://schemas.microsoft.com/office/drawing/2014/main" xmlns="" id="{07B33664-4E4D-4CEA-8818-3B2565E5C8A7}"/>
+                <a16:creationId xmlns:a16="http://schemas.microsoft.com/office/drawing/2014/main" id="{07B33664-4E4D-4CEA-8818-3B2565E5C8A7}"/>
               </a:ext>
             </a:extLst>
           </p:cNvPr>
@@ -36809,7 +37230,7 @@
           <p:cNvPr id="226" name="육각형 225">
             <a:extLst>
               <a:ext uri="{FF2B5EF4-FFF2-40B4-BE49-F238E27FC236}">
-                <a16:creationId xmlns:a16="http://schemas.microsoft.com/office/drawing/2014/main" xmlns="" id="{85336DF1-3CD4-444E-8E2A-054E8B5C5382}"/>
+                <a16:creationId xmlns:a16="http://schemas.microsoft.com/office/drawing/2014/main" id="{85336DF1-3CD4-444E-8E2A-054E8B5C5382}"/>
               </a:ext>
             </a:extLst>
           </p:cNvPr>
@@ -36882,7 +37303,7 @@
           <p:cNvPr id="227" name="육각형 226">
             <a:extLst>
               <a:ext uri="{FF2B5EF4-FFF2-40B4-BE49-F238E27FC236}">
-                <a16:creationId xmlns:a16="http://schemas.microsoft.com/office/drawing/2014/main" xmlns="" id="{2910CB06-A228-4C75-872D-D3169B4AD9DC}"/>
+                <a16:creationId xmlns:a16="http://schemas.microsoft.com/office/drawing/2014/main" id="{2910CB06-A228-4C75-872D-D3169B4AD9DC}"/>
               </a:ext>
             </a:extLst>
           </p:cNvPr>
@@ -36955,7 +37376,7 @@
           <p:cNvPr id="228" name="육각형 227">
             <a:extLst>
               <a:ext uri="{FF2B5EF4-FFF2-40B4-BE49-F238E27FC236}">
-                <a16:creationId xmlns:a16="http://schemas.microsoft.com/office/drawing/2014/main" xmlns="" id="{54034D08-D749-474E-A367-54ECF26D075F}"/>
+                <a16:creationId xmlns:a16="http://schemas.microsoft.com/office/drawing/2014/main" id="{54034D08-D749-474E-A367-54ECF26D075F}"/>
               </a:ext>
             </a:extLst>
           </p:cNvPr>
@@ -37028,7 +37449,7 @@
           <p:cNvPr id="229" name="육각형 228">
             <a:extLst>
               <a:ext uri="{FF2B5EF4-FFF2-40B4-BE49-F238E27FC236}">
-                <a16:creationId xmlns:a16="http://schemas.microsoft.com/office/drawing/2014/main" xmlns="" id="{2E45782A-78AD-40B9-97C8-986311B8347A}"/>
+                <a16:creationId xmlns:a16="http://schemas.microsoft.com/office/drawing/2014/main" id="{2E45782A-78AD-40B9-97C8-986311B8347A}"/>
               </a:ext>
             </a:extLst>
           </p:cNvPr>
@@ -37101,7 +37522,7 @@
           <p:cNvPr id="230" name="육각형 229">
             <a:extLst>
               <a:ext uri="{FF2B5EF4-FFF2-40B4-BE49-F238E27FC236}">
-                <a16:creationId xmlns:a16="http://schemas.microsoft.com/office/drawing/2014/main" xmlns="" id="{1CABCDCF-28BC-4F63-B21C-451D5BB037BF}"/>
+                <a16:creationId xmlns:a16="http://schemas.microsoft.com/office/drawing/2014/main" id="{1CABCDCF-28BC-4F63-B21C-451D5BB037BF}"/>
               </a:ext>
             </a:extLst>
           </p:cNvPr>
@@ -37174,7 +37595,7 @@
           <p:cNvPr id="231" name="육각형 230">
             <a:extLst>
               <a:ext uri="{FF2B5EF4-FFF2-40B4-BE49-F238E27FC236}">
-                <a16:creationId xmlns:a16="http://schemas.microsoft.com/office/drawing/2014/main" xmlns="" id="{E7848563-5D74-4FD7-A511-F7D0DCB6CC26}"/>
+                <a16:creationId xmlns:a16="http://schemas.microsoft.com/office/drawing/2014/main" id="{E7848563-5D74-4FD7-A511-F7D0DCB6CC26}"/>
               </a:ext>
             </a:extLst>
           </p:cNvPr>
@@ -37247,7 +37668,7 @@
           <p:cNvPr id="232" name="육각형 231">
             <a:extLst>
               <a:ext uri="{FF2B5EF4-FFF2-40B4-BE49-F238E27FC236}">
-                <a16:creationId xmlns:a16="http://schemas.microsoft.com/office/drawing/2014/main" xmlns="" id="{D8405805-0611-4291-8EFB-9701797A0D1A}"/>
+                <a16:creationId xmlns:a16="http://schemas.microsoft.com/office/drawing/2014/main" id="{D8405805-0611-4291-8EFB-9701797A0D1A}"/>
               </a:ext>
             </a:extLst>
           </p:cNvPr>
@@ -37320,7 +37741,7 @@
           <p:cNvPr id="233" name="육각형 232">
             <a:extLst>
               <a:ext uri="{FF2B5EF4-FFF2-40B4-BE49-F238E27FC236}">
-                <a16:creationId xmlns:a16="http://schemas.microsoft.com/office/drawing/2014/main" xmlns="" id="{FF1302FA-9351-46F2-9DE2-FC2F439E47C7}"/>
+                <a16:creationId xmlns:a16="http://schemas.microsoft.com/office/drawing/2014/main" id="{FF1302FA-9351-46F2-9DE2-FC2F439E47C7}"/>
               </a:ext>
             </a:extLst>
           </p:cNvPr>
@@ -37390,7 +37811,7 @@
           <p:cNvPr id="234" name="육각형 233">
             <a:extLst>
               <a:ext uri="{FF2B5EF4-FFF2-40B4-BE49-F238E27FC236}">
-                <a16:creationId xmlns:a16="http://schemas.microsoft.com/office/drawing/2014/main" xmlns="" id="{50E8DE31-C474-47E8-B8E7-D0A799169DD0}"/>
+                <a16:creationId xmlns:a16="http://schemas.microsoft.com/office/drawing/2014/main" id="{50E8DE31-C474-47E8-B8E7-D0A799169DD0}"/>
               </a:ext>
             </a:extLst>
           </p:cNvPr>
@@ -37460,7 +37881,7 @@
           <p:cNvPr id="235" name="육각형 234">
             <a:extLst>
               <a:ext uri="{FF2B5EF4-FFF2-40B4-BE49-F238E27FC236}">
-                <a16:creationId xmlns:a16="http://schemas.microsoft.com/office/drawing/2014/main" xmlns="" id="{5BD9105E-F10E-4C83-8DCF-1F57F7ACFA69}"/>
+                <a16:creationId xmlns:a16="http://schemas.microsoft.com/office/drawing/2014/main" id="{5BD9105E-F10E-4C83-8DCF-1F57F7ACFA69}"/>
               </a:ext>
             </a:extLst>
           </p:cNvPr>
@@ -37533,7 +37954,7 @@
           <p:cNvPr id="236" name="육각형 235">
             <a:extLst>
               <a:ext uri="{FF2B5EF4-FFF2-40B4-BE49-F238E27FC236}">
-                <a16:creationId xmlns:a16="http://schemas.microsoft.com/office/drawing/2014/main" xmlns="" id="{97555F4B-AB1C-4334-B7D5-6B6210A19188}"/>
+                <a16:creationId xmlns:a16="http://schemas.microsoft.com/office/drawing/2014/main" id="{97555F4B-AB1C-4334-B7D5-6B6210A19188}"/>
               </a:ext>
             </a:extLst>
           </p:cNvPr>
@@ -37606,7 +38027,7 @@
           <p:cNvPr id="237" name="육각형 236">
             <a:extLst>
               <a:ext uri="{FF2B5EF4-FFF2-40B4-BE49-F238E27FC236}">
-                <a16:creationId xmlns:a16="http://schemas.microsoft.com/office/drawing/2014/main" xmlns="" id="{C1F6BE43-F095-41F2-AC02-C045D8575809}"/>
+                <a16:creationId xmlns:a16="http://schemas.microsoft.com/office/drawing/2014/main" id="{C1F6BE43-F095-41F2-AC02-C045D8575809}"/>
               </a:ext>
             </a:extLst>
           </p:cNvPr>
@@ -37679,7 +38100,7 @@
           <p:cNvPr id="238" name="육각형 237">
             <a:extLst>
               <a:ext uri="{FF2B5EF4-FFF2-40B4-BE49-F238E27FC236}">
-                <a16:creationId xmlns:a16="http://schemas.microsoft.com/office/drawing/2014/main" xmlns="" id="{20C47C09-7455-4D4A-B0D6-83EAB67901CE}"/>
+                <a16:creationId xmlns:a16="http://schemas.microsoft.com/office/drawing/2014/main" id="{20C47C09-7455-4D4A-B0D6-83EAB67901CE}"/>
               </a:ext>
             </a:extLst>
           </p:cNvPr>
@@ -37752,7 +38173,7 @@
           <p:cNvPr id="239" name="육각형 238">
             <a:extLst>
               <a:ext uri="{FF2B5EF4-FFF2-40B4-BE49-F238E27FC236}">
-                <a16:creationId xmlns:a16="http://schemas.microsoft.com/office/drawing/2014/main" xmlns="" id="{E2FD51CD-3D71-4159-8DDD-BFFFA019ACA1}"/>
+                <a16:creationId xmlns:a16="http://schemas.microsoft.com/office/drawing/2014/main" id="{E2FD51CD-3D71-4159-8DDD-BFFFA019ACA1}"/>
               </a:ext>
             </a:extLst>
           </p:cNvPr>
@@ -37822,7 +38243,7 @@
           <p:cNvPr id="240" name="육각형 239">
             <a:extLst>
               <a:ext uri="{FF2B5EF4-FFF2-40B4-BE49-F238E27FC236}">
-                <a16:creationId xmlns:a16="http://schemas.microsoft.com/office/drawing/2014/main" xmlns="" id="{01F71830-127B-4D30-BABD-9651E8F3B852}"/>
+                <a16:creationId xmlns:a16="http://schemas.microsoft.com/office/drawing/2014/main" id="{01F71830-127B-4D30-BABD-9651E8F3B852}"/>
               </a:ext>
             </a:extLst>
           </p:cNvPr>
@@ -37892,7 +38313,7 @@
           <p:cNvPr id="241" name="육각형 240">
             <a:extLst>
               <a:ext uri="{FF2B5EF4-FFF2-40B4-BE49-F238E27FC236}">
-                <a16:creationId xmlns:a16="http://schemas.microsoft.com/office/drawing/2014/main" xmlns="" id="{E186F15C-B923-4A88-B273-FD88CF1AEA6A}"/>
+                <a16:creationId xmlns:a16="http://schemas.microsoft.com/office/drawing/2014/main" id="{E186F15C-B923-4A88-B273-FD88CF1AEA6A}"/>
               </a:ext>
             </a:extLst>
           </p:cNvPr>
@@ -37962,7 +38383,7 @@
           <p:cNvPr id="242" name="육각형 241">
             <a:extLst>
               <a:ext uri="{FF2B5EF4-FFF2-40B4-BE49-F238E27FC236}">
-                <a16:creationId xmlns:a16="http://schemas.microsoft.com/office/drawing/2014/main" xmlns="" id="{A946BACD-B649-4C28-8AFD-A40525D6F0C0}"/>
+                <a16:creationId xmlns:a16="http://schemas.microsoft.com/office/drawing/2014/main" id="{A946BACD-B649-4C28-8AFD-A40525D6F0C0}"/>
               </a:ext>
             </a:extLst>
           </p:cNvPr>
@@ -38035,7 +38456,7 @@
           <p:cNvPr id="243" name="육각형 242">
             <a:extLst>
               <a:ext uri="{FF2B5EF4-FFF2-40B4-BE49-F238E27FC236}">
-                <a16:creationId xmlns:a16="http://schemas.microsoft.com/office/drawing/2014/main" xmlns="" id="{B68BD0FD-EE65-4453-A312-6E7004813195}"/>
+                <a16:creationId xmlns:a16="http://schemas.microsoft.com/office/drawing/2014/main" id="{B68BD0FD-EE65-4453-A312-6E7004813195}"/>
               </a:ext>
             </a:extLst>
           </p:cNvPr>
@@ -38108,7 +38529,7 @@
           <p:cNvPr id="244" name="육각형 243">
             <a:extLst>
               <a:ext uri="{FF2B5EF4-FFF2-40B4-BE49-F238E27FC236}">
-                <a16:creationId xmlns:a16="http://schemas.microsoft.com/office/drawing/2014/main" xmlns="" id="{EB3F012B-B9B1-4D41-84AC-33BCFF6CC614}"/>
+                <a16:creationId xmlns:a16="http://schemas.microsoft.com/office/drawing/2014/main" id="{EB3F012B-B9B1-4D41-84AC-33BCFF6CC614}"/>
               </a:ext>
             </a:extLst>
           </p:cNvPr>
@@ -38181,7 +38602,7 @@
           <p:cNvPr id="245" name="육각형 244">
             <a:extLst>
               <a:ext uri="{FF2B5EF4-FFF2-40B4-BE49-F238E27FC236}">
-                <a16:creationId xmlns:a16="http://schemas.microsoft.com/office/drawing/2014/main" xmlns="" id="{4F0D7110-09A3-4883-9C9A-AF05194428D5}"/>
+                <a16:creationId xmlns:a16="http://schemas.microsoft.com/office/drawing/2014/main" id="{4F0D7110-09A3-4883-9C9A-AF05194428D5}"/>
               </a:ext>
             </a:extLst>
           </p:cNvPr>
@@ -38251,7 +38672,7 @@
           <p:cNvPr id="246" name="육각형 245">
             <a:extLst>
               <a:ext uri="{FF2B5EF4-FFF2-40B4-BE49-F238E27FC236}">
-                <a16:creationId xmlns:a16="http://schemas.microsoft.com/office/drawing/2014/main" xmlns="" id="{8CCB7050-064F-4825-880A-10C791F93775}"/>
+                <a16:creationId xmlns:a16="http://schemas.microsoft.com/office/drawing/2014/main" id="{8CCB7050-064F-4825-880A-10C791F93775}"/>
               </a:ext>
             </a:extLst>
           </p:cNvPr>
@@ -38321,7 +38742,7 @@
           <p:cNvPr id="247" name="육각형 246">
             <a:extLst>
               <a:ext uri="{FF2B5EF4-FFF2-40B4-BE49-F238E27FC236}">
-                <a16:creationId xmlns:a16="http://schemas.microsoft.com/office/drawing/2014/main" xmlns="" id="{E73297F2-D737-4264-A469-8D3F10298F9E}"/>
+                <a16:creationId xmlns:a16="http://schemas.microsoft.com/office/drawing/2014/main" id="{E73297F2-D737-4264-A469-8D3F10298F9E}"/>
               </a:ext>
             </a:extLst>
           </p:cNvPr>
@@ -38394,7 +38815,7 @@
           <p:cNvPr id="248" name="육각형 247">
             <a:extLst>
               <a:ext uri="{FF2B5EF4-FFF2-40B4-BE49-F238E27FC236}">
-                <a16:creationId xmlns:a16="http://schemas.microsoft.com/office/drawing/2014/main" xmlns="" id="{B56F22AF-F346-40F4-811E-636D3C097ED9}"/>
+                <a16:creationId xmlns:a16="http://schemas.microsoft.com/office/drawing/2014/main" id="{B56F22AF-F346-40F4-811E-636D3C097ED9}"/>
               </a:ext>
             </a:extLst>
           </p:cNvPr>
@@ -38467,7 +38888,7 @@
           <p:cNvPr id="249" name="육각형 248">
             <a:extLst>
               <a:ext uri="{FF2B5EF4-FFF2-40B4-BE49-F238E27FC236}">
-                <a16:creationId xmlns:a16="http://schemas.microsoft.com/office/drawing/2014/main" xmlns="" id="{170002E5-84AC-4380-9A96-4A79DCD9ACEF}"/>
+                <a16:creationId xmlns:a16="http://schemas.microsoft.com/office/drawing/2014/main" id="{170002E5-84AC-4380-9A96-4A79DCD9ACEF}"/>
               </a:ext>
             </a:extLst>
           </p:cNvPr>
@@ -38540,7 +38961,7 @@
           <p:cNvPr id="250" name="육각형 249">
             <a:extLst>
               <a:ext uri="{FF2B5EF4-FFF2-40B4-BE49-F238E27FC236}">
-                <a16:creationId xmlns:a16="http://schemas.microsoft.com/office/drawing/2014/main" xmlns="" id="{C3711ABC-EBBA-40E6-883B-A7A617A28711}"/>
+                <a16:creationId xmlns:a16="http://schemas.microsoft.com/office/drawing/2014/main" id="{C3711ABC-EBBA-40E6-883B-A7A617A28711}"/>
               </a:ext>
             </a:extLst>
           </p:cNvPr>
@@ -38613,7 +39034,7 @@
           <p:cNvPr id="251" name="육각형 250">
             <a:extLst>
               <a:ext uri="{FF2B5EF4-FFF2-40B4-BE49-F238E27FC236}">
-                <a16:creationId xmlns:a16="http://schemas.microsoft.com/office/drawing/2014/main" xmlns="" id="{00716614-63F9-40BE-9363-DDAB66EB480D}"/>
+                <a16:creationId xmlns:a16="http://schemas.microsoft.com/office/drawing/2014/main" id="{00716614-63F9-40BE-9363-DDAB66EB480D}"/>
               </a:ext>
             </a:extLst>
           </p:cNvPr>
@@ -38686,7 +39107,7 @@
           <p:cNvPr id="252" name="육각형 251">
             <a:extLst>
               <a:ext uri="{FF2B5EF4-FFF2-40B4-BE49-F238E27FC236}">
-                <a16:creationId xmlns:a16="http://schemas.microsoft.com/office/drawing/2014/main" xmlns="" id="{CB511065-930C-438C-B5EA-34E5FC8616DB}"/>
+                <a16:creationId xmlns:a16="http://schemas.microsoft.com/office/drawing/2014/main" id="{CB511065-930C-438C-B5EA-34E5FC8616DB}"/>
               </a:ext>
             </a:extLst>
           </p:cNvPr>
@@ -38759,7 +39180,7 @@
           <p:cNvPr id="253" name="육각형 252">
             <a:extLst>
               <a:ext uri="{FF2B5EF4-FFF2-40B4-BE49-F238E27FC236}">
-                <a16:creationId xmlns:a16="http://schemas.microsoft.com/office/drawing/2014/main" xmlns="" id="{E36DFB68-1140-4C70-B19C-9FCD1491C568}"/>
+                <a16:creationId xmlns:a16="http://schemas.microsoft.com/office/drawing/2014/main" id="{E36DFB68-1140-4C70-B19C-9FCD1491C568}"/>
               </a:ext>
             </a:extLst>
           </p:cNvPr>
@@ -38832,7 +39253,7 @@
           <p:cNvPr id="254" name="육각형 253">
             <a:extLst>
               <a:ext uri="{FF2B5EF4-FFF2-40B4-BE49-F238E27FC236}">
-                <a16:creationId xmlns:a16="http://schemas.microsoft.com/office/drawing/2014/main" xmlns="" id="{E18EEC02-4931-4438-AD2B-96C7056C1418}"/>
+                <a16:creationId xmlns:a16="http://schemas.microsoft.com/office/drawing/2014/main" id="{E18EEC02-4931-4438-AD2B-96C7056C1418}"/>
               </a:ext>
             </a:extLst>
           </p:cNvPr>
@@ -38905,7 +39326,7 @@
           <p:cNvPr id="255" name="타원 254">
             <a:extLst>
               <a:ext uri="{FF2B5EF4-FFF2-40B4-BE49-F238E27FC236}">
-                <a16:creationId xmlns:a16="http://schemas.microsoft.com/office/drawing/2014/main" xmlns="" id="{A7ED0DA4-3A93-405C-806B-5547E20838B0}"/>
+                <a16:creationId xmlns:a16="http://schemas.microsoft.com/office/drawing/2014/main" id="{A7ED0DA4-3A93-405C-806B-5547E20838B0}"/>
               </a:ext>
             </a:extLst>
           </p:cNvPr>
@@ -38995,7 +39416,7 @@
           <p:cNvPr id="256" name="타원 255">
             <a:extLst>
               <a:ext uri="{FF2B5EF4-FFF2-40B4-BE49-F238E27FC236}">
-                <a16:creationId xmlns:a16="http://schemas.microsoft.com/office/drawing/2014/main" xmlns="" id="{73D70198-4513-4C32-A3BA-2934E3D1243F}"/>
+                <a16:creationId xmlns:a16="http://schemas.microsoft.com/office/drawing/2014/main" id="{73D70198-4513-4C32-A3BA-2934E3D1243F}"/>
               </a:ext>
             </a:extLst>
           </p:cNvPr>
@@ -39085,7 +39506,7 @@
           <p:cNvPr id="263" name="타원 262">
             <a:extLst>
               <a:ext uri="{FF2B5EF4-FFF2-40B4-BE49-F238E27FC236}">
-                <a16:creationId xmlns:a16="http://schemas.microsoft.com/office/drawing/2014/main" xmlns="" id="{C938CBB5-5F89-4567-98D0-CC1E63F73CA2}"/>
+                <a16:creationId xmlns:a16="http://schemas.microsoft.com/office/drawing/2014/main" id="{C938CBB5-5F89-4567-98D0-CC1E63F73CA2}"/>
               </a:ext>
             </a:extLst>
           </p:cNvPr>
@@ -39175,7 +39596,7 @@
           <p:cNvPr id="264" name="타원 263">
             <a:extLst>
               <a:ext uri="{FF2B5EF4-FFF2-40B4-BE49-F238E27FC236}">
-                <a16:creationId xmlns:a16="http://schemas.microsoft.com/office/drawing/2014/main" xmlns="" id="{16C4CA64-E250-4D3D-B30F-A09D4952A875}"/>
+                <a16:creationId xmlns:a16="http://schemas.microsoft.com/office/drawing/2014/main" id="{16C4CA64-E250-4D3D-B30F-A09D4952A875}"/>
               </a:ext>
             </a:extLst>
           </p:cNvPr>
@@ -39265,7 +39686,7 @@
           <p:cNvPr id="265" name="Google Shape;194;p7">
             <a:extLst>
               <a:ext uri="{FF2B5EF4-FFF2-40B4-BE49-F238E27FC236}">
-                <a16:creationId xmlns:a16="http://schemas.microsoft.com/office/drawing/2014/main" xmlns="" id="{55AA1CE3-8FDD-4C02-BE81-9939FEC97589}"/>
+                <a16:creationId xmlns:a16="http://schemas.microsoft.com/office/drawing/2014/main" id="{55AA1CE3-8FDD-4C02-BE81-9939FEC97589}"/>
               </a:ext>
             </a:extLst>
           </p:cNvPr>
@@ -39445,7 +39866,7 @@
           <p:cNvPr id="266" name="Google Shape;194;p7">
             <a:extLst>
               <a:ext uri="{FF2B5EF4-FFF2-40B4-BE49-F238E27FC236}">
-                <a16:creationId xmlns:a16="http://schemas.microsoft.com/office/drawing/2014/main" xmlns="" id="{84313683-6E54-41CE-9149-5ACDDBDBF30C}"/>
+                <a16:creationId xmlns:a16="http://schemas.microsoft.com/office/drawing/2014/main" id="{84313683-6E54-41CE-9149-5ACDDBDBF30C}"/>
               </a:ext>
             </a:extLst>
           </p:cNvPr>
@@ -39509,7 +39930,7 @@
           <p:cNvPr id="268" name="직선 화살표 연결선 267">
             <a:extLst>
               <a:ext uri="{FF2B5EF4-FFF2-40B4-BE49-F238E27FC236}">
-                <a16:creationId xmlns:a16="http://schemas.microsoft.com/office/drawing/2014/main" xmlns="" id="{84A9D950-37B8-4593-89EE-B4B6B3685100}"/>
+                <a16:creationId xmlns:a16="http://schemas.microsoft.com/office/drawing/2014/main" id="{84A9D950-37B8-4593-89EE-B4B6B3685100}"/>
               </a:ext>
             </a:extLst>
           </p:cNvPr>
@@ -39543,7 +39964,7 @@
           <p:cNvPr id="269" name="직선 화살표 연결선 268">
             <a:extLst>
               <a:ext uri="{FF2B5EF4-FFF2-40B4-BE49-F238E27FC236}">
-                <a16:creationId xmlns:a16="http://schemas.microsoft.com/office/drawing/2014/main" xmlns="" id="{A24F33D2-390C-4494-822A-136A7FD5867E}"/>
+                <a16:creationId xmlns:a16="http://schemas.microsoft.com/office/drawing/2014/main" id="{A24F33D2-390C-4494-822A-136A7FD5867E}"/>
               </a:ext>
             </a:extLst>
           </p:cNvPr>
@@ -39577,7 +39998,7 @@
           <p:cNvPr id="270" name="직선 화살표 연결선 269">
             <a:extLst>
               <a:ext uri="{FF2B5EF4-FFF2-40B4-BE49-F238E27FC236}">
-                <a16:creationId xmlns:a16="http://schemas.microsoft.com/office/drawing/2014/main" xmlns="" id="{5FF46283-DD4A-4DC8-8754-7AC30E807B0B}"/>
+                <a16:creationId xmlns:a16="http://schemas.microsoft.com/office/drawing/2014/main" id="{5FF46283-DD4A-4DC8-8754-7AC30E807B0B}"/>
               </a:ext>
             </a:extLst>
           </p:cNvPr>
@@ -39611,7 +40032,7 @@
           <p:cNvPr id="271" name="직선 화살표 연결선 270">
             <a:extLst>
               <a:ext uri="{FF2B5EF4-FFF2-40B4-BE49-F238E27FC236}">
-                <a16:creationId xmlns:a16="http://schemas.microsoft.com/office/drawing/2014/main" xmlns="" id="{EC35410D-3E5D-4B26-9973-5FF1E71B6B77}"/>
+                <a16:creationId xmlns:a16="http://schemas.microsoft.com/office/drawing/2014/main" id="{EC35410D-3E5D-4B26-9973-5FF1E71B6B77}"/>
               </a:ext>
             </a:extLst>
           </p:cNvPr>
@@ -39645,7 +40066,7 @@
           <p:cNvPr id="272" name="직선 화살표 연결선 271">
             <a:extLst>
               <a:ext uri="{FF2B5EF4-FFF2-40B4-BE49-F238E27FC236}">
-                <a16:creationId xmlns:a16="http://schemas.microsoft.com/office/drawing/2014/main" xmlns="" id="{95708FB0-3DF2-409A-8A17-5621B7A36FE0}"/>
+                <a16:creationId xmlns:a16="http://schemas.microsoft.com/office/drawing/2014/main" id="{95708FB0-3DF2-409A-8A17-5621B7A36FE0}"/>
               </a:ext>
             </a:extLst>
           </p:cNvPr>
@@ -39679,7 +40100,7 @@
           <p:cNvPr id="273" name="직선 화살표 연결선 272">
             <a:extLst>
               <a:ext uri="{FF2B5EF4-FFF2-40B4-BE49-F238E27FC236}">
-                <a16:creationId xmlns:a16="http://schemas.microsoft.com/office/drawing/2014/main" xmlns="" id="{211F6436-1DC7-41A8-A519-5CBC38842639}"/>
+                <a16:creationId xmlns:a16="http://schemas.microsoft.com/office/drawing/2014/main" id="{211F6436-1DC7-41A8-A519-5CBC38842639}"/>
               </a:ext>
             </a:extLst>
           </p:cNvPr>
@@ -39713,7 +40134,7 @@
           <p:cNvPr id="151" name="직선 화살표 연결선 150">
             <a:extLst>
               <a:ext uri="{FF2B5EF4-FFF2-40B4-BE49-F238E27FC236}">
-                <a16:creationId xmlns:a16="http://schemas.microsoft.com/office/drawing/2014/main" xmlns="" id="{55746E11-D95B-4A72-8C20-9A93FFDD573B}"/>
+                <a16:creationId xmlns:a16="http://schemas.microsoft.com/office/drawing/2014/main" id="{55746E11-D95B-4A72-8C20-9A93FFDD573B}"/>
               </a:ext>
             </a:extLst>
           </p:cNvPr>
@@ -39749,7 +40170,7 @@
           <p:cNvPr id="152" name="직선 화살표 연결선 151">
             <a:extLst>
               <a:ext uri="{FF2B5EF4-FFF2-40B4-BE49-F238E27FC236}">
-                <a16:creationId xmlns:a16="http://schemas.microsoft.com/office/drawing/2014/main" xmlns="" id="{E219483A-3933-4CDB-B7E1-4210EB27C89D}"/>
+                <a16:creationId xmlns:a16="http://schemas.microsoft.com/office/drawing/2014/main" id="{E219483A-3933-4CDB-B7E1-4210EB27C89D}"/>
               </a:ext>
             </a:extLst>
           </p:cNvPr>
